--- a/4 Microsoft -Classifying Cybersecurity Incidents.pptx
+++ b/4 Microsoft -Classifying Cybersecurity Incidents.pptx
@@ -5,29 +5,30 @@
     <p:sldMasterId id="2147483660" r:id="rId1"/>
   </p:sldMasterIdLst>
   <p:notesMasterIdLst>
-    <p:notesMasterId r:id="rId22"/>
+    <p:notesMasterId r:id="rId23"/>
   </p:notesMasterIdLst>
   <p:sldIdLst>
     <p:sldId id="256" r:id="rId2"/>
     <p:sldId id="257" r:id="rId3"/>
-    <p:sldId id="272" r:id="rId4"/>
-    <p:sldId id="258" r:id="rId5"/>
-    <p:sldId id="262" r:id="rId6"/>
-    <p:sldId id="264" r:id="rId7"/>
-    <p:sldId id="265" r:id="rId8"/>
-    <p:sldId id="273" r:id="rId9"/>
-    <p:sldId id="274" r:id="rId10"/>
-    <p:sldId id="266" r:id="rId11"/>
-    <p:sldId id="267" r:id="rId12"/>
-    <p:sldId id="268" r:id="rId13"/>
-    <p:sldId id="269" r:id="rId14"/>
-    <p:sldId id="270" r:id="rId15"/>
-    <p:sldId id="271" r:id="rId16"/>
-    <p:sldId id="275" r:id="rId17"/>
-    <p:sldId id="276" r:id="rId18"/>
-    <p:sldId id="277" r:id="rId19"/>
-    <p:sldId id="278" r:id="rId20"/>
-    <p:sldId id="279" r:id="rId21"/>
+    <p:sldId id="258" r:id="rId4"/>
+    <p:sldId id="262" r:id="rId5"/>
+    <p:sldId id="264" r:id="rId6"/>
+    <p:sldId id="265" r:id="rId7"/>
+    <p:sldId id="273" r:id="rId8"/>
+    <p:sldId id="266" r:id="rId9"/>
+    <p:sldId id="267" r:id="rId10"/>
+    <p:sldId id="268" r:id="rId11"/>
+    <p:sldId id="269" r:id="rId12"/>
+    <p:sldId id="270" r:id="rId13"/>
+    <p:sldId id="271" r:id="rId14"/>
+    <p:sldId id="275" r:id="rId15"/>
+    <p:sldId id="276" r:id="rId16"/>
+    <p:sldId id="277" r:id="rId17"/>
+    <p:sldId id="278" r:id="rId18"/>
+    <p:sldId id="280" r:id="rId19"/>
+    <p:sldId id="283" r:id="rId20"/>
+    <p:sldId id="284" r:id="rId21"/>
+    <p:sldId id="285" r:id="rId22"/>
   </p:sldIdLst>
   <p:sldSz cx="9144000" cy="6858000" type="screen4x3"/>
   <p:notesSz cx="6858000" cy="9144000"/>
@@ -212,7 +213,7 @@
             <a:fld id="{A166CF27-1957-404E-A48F-8BC0C4C30DBD}" type="datetimeFigureOut">
               <a:rPr lang="en-US" smtClean="0"/>
               <a:pPr/>
-              <a:t>1/19/2025</a:t>
+              <a:t>1/21/2025</a:t>
             </a:fld>
             <a:endParaRPr lang="en-US"/>
           </a:p>
@@ -546,7 +547,7 @@
             <a:fld id="{F43E8418-C074-49B5-900D-9B9BEDFF8CDC}" type="slidenum">
               <a:rPr lang="en-US" smtClean="0"/>
               <a:pPr/>
-              <a:t>10</a:t>
+              <a:t>8</a:t>
             </a:fld>
             <a:endParaRPr lang="en-US"/>
           </a:p>
@@ -1186,7 +1187,7 @@
             <a:fld id="{1D8BD707-D9CF-40AE-B4C6-C98DA3205C09}" type="datetimeFigureOut">
               <a:rPr lang="en-US" smtClean="0"/>
               <a:pPr/>
-              <a:t>1/19/2025</a:t>
+              <a:t>1/21/2025</a:t>
             </a:fld>
             <a:endParaRPr lang="en-US"/>
           </a:p>
@@ -1384,7 +1385,7 @@
             <a:fld id="{1D8BD707-D9CF-40AE-B4C6-C98DA3205C09}" type="datetimeFigureOut">
               <a:rPr lang="en-US" smtClean="0"/>
               <a:pPr/>
-              <a:t>1/19/2025</a:t>
+              <a:t>1/21/2025</a:t>
             </a:fld>
             <a:endParaRPr lang="en-US"/>
           </a:p>
@@ -1571,7 +1572,7 @@
             <a:fld id="{1D8BD707-D9CF-40AE-B4C6-C98DA3205C09}" type="datetimeFigureOut">
               <a:rPr lang="en-US" smtClean="0"/>
               <a:pPr/>
-              <a:t>1/19/2025</a:t>
+              <a:t>1/21/2025</a:t>
             </a:fld>
             <a:endParaRPr lang="en-US"/>
           </a:p>
@@ -1723,7 +1724,7 @@
             <a:fld id="{1D8BD707-D9CF-40AE-B4C6-C98DA3205C09}" type="datetimeFigureOut">
               <a:rPr lang="en-US" smtClean="0"/>
               <a:pPr/>
-              <a:t>1/19/2025</a:t>
+              <a:t>1/21/2025</a:t>
             </a:fld>
             <a:endParaRPr lang="en-US"/>
           </a:p>
@@ -1980,7 +1981,7 @@
             <a:fld id="{1D8BD707-D9CF-40AE-B4C6-C98DA3205C09}" type="datetimeFigureOut">
               <a:rPr lang="en-US" smtClean="0"/>
               <a:pPr/>
-              <a:t>1/19/2025</a:t>
+              <a:t>1/21/2025</a:t>
             </a:fld>
             <a:endParaRPr lang="en-US"/>
           </a:p>
@@ -2391,7 +2392,7 @@
             <a:fld id="{1D8BD707-D9CF-40AE-B4C6-C98DA3205C09}" type="datetimeFigureOut">
               <a:rPr lang="en-US" smtClean="0"/>
               <a:pPr/>
-              <a:t>1/19/2025</a:t>
+              <a:t>1/21/2025</a:t>
             </a:fld>
             <a:endParaRPr lang="en-US"/>
           </a:p>
@@ -2839,7 +2840,7 @@
             <a:fld id="{1D8BD707-D9CF-40AE-B4C6-C98DA3205C09}" type="datetimeFigureOut">
               <a:rPr lang="en-US" smtClean="0"/>
               <a:pPr/>
-              <a:t>1/19/2025</a:t>
+              <a:t>1/21/2025</a:t>
             </a:fld>
             <a:endParaRPr lang="en-US"/>
           </a:p>
@@ -2942,7 +2943,7 @@
             <a:fld id="{1D8BD707-D9CF-40AE-B4C6-C98DA3205C09}" type="datetimeFigureOut">
               <a:rPr lang="en-US" smtClean="0"/>
               <a:pPr/>
-              <a:t>1/19/2025</a:t>
+              <a:t>1/21/2025</a:t>
             </a:fld>
             <a:endParaRPr lang="en-US"/>
           </a:p>
@@ -3065,7 +3066,7 @@
             <a:fld id="{1D8BD707-D9CF-40AE-B4C6-C98DA3205C09}" type="datetimeFigureOut">
               <a:rPr lang="en-US" smtClean="0"/>
               <a:pPr/>
-              <a:t>1/19/2025</a:t>
+              <a:t>1/21/2025</a:t>
             </a:fld>
             <a:endParaRPr lang="en-US"/>
           </a:p>
@@ -3341,7 +3342,7 @@
             <a:fld id="{1D8BD707-D9CF-40AE-B4C6-C98DA3205C09}" type="datetimeFigureOut">
               <a:rPr lang="en-US" smtClean="0"/>
               <a:pPr/>
-              <a:t>1/19/2025</a:t>
+              <a:t>1/21/2025</a:t>
             </a:fld>
             <a:endParaRPr lang="en-US"/>
           </a:p>
@@ -3548,7 +3549,7 @@
             <a:fld id="{1D8BD707-D9CF-40AE-B4C6-C98DA3205C09}" type="datetimeFigureOut">
               <a:rPr lang="en-US" smtClean="0"/>
               <a:pPr/>
-              <a:t>1/19/2025</a:t>
+              <a:t>1/21/2025</a:t>
             </a:fld>
             <a:endParaRPr lang="en-US"/>
           </a:p>
@@ -4659,7 +4660,7 @@
             <a:fld id="{1D8BD707-D9CF-40AE-B4C6-C98DA3205C09}" type="datetimeFigureOut">
               <a:rPr lang="en-US" smtClean="0"/>
               <a:pPr/>
-              <a:t>1/19/2025</a:t>
+              <a:t>1/21/2025</a:t>
             </a:fld>
             <a:endParaRPr lang="en-US"/>
           </a:p>
@@ -5085,10 +5086,16 @@
           <a:lstStyle/>
           <a:p>
             <a:r>
-              <a:rPr lang="en-US" dirty="0" smtClean="0"/>
+              <a:rPr lang="en-US" dirty="0" smtClean="0">
+                <a:latin typeface="Times New Roman" pitchFamily="18" charset="0"/>
+                <a:cs typeface="Times New Roman" pitchFamily="18" charset="0"/>
+              </a:rPr>
               <a:t>Microsoft-Cyber-Security-Incident-Grade-Classification</a:t>
             </a:r>
-            <a:endParaRPr lang="en-US" dirty="0"/>
+            <a:endParaRPr lang="en-US" dirty="0">
+              <a:latin typeface="Times New Roman" pitchFamily="18" charset="0"/>
+              <a:cs typeface="Times New Roman" pitchFamily="18" charset="0"/>
+            </a:endParaRPr>
           </a:p>
         </p:txBody>
       </p:sp>
@@ -5144,8 +5151,8 @@
         </p:nvSpPr>
         <p:spPr>
           <a:xfrm>
-            <a:off x="228600" y="381000"/>
-            <a:ext cx="8305800" cy="5909310"/>
+            <a:off x="381000" y="381000"/>
+            <a:ext cx="8229600" cy="5355312"/>
           </a:xfrm>
           <a:prstGeom prst="rect">
             <a:avLst/>
@@ -5159,188 +5166,152 @@
           <a:p>
             <a:r>
               <a:rPr lang="en-US" b="1" dirty="0" smtClean="0"/>
-              <a:t>Dropping Pure Identifier Columns:</a:t>
-            </a:r>
+              <a:t>Missing values for numerical columns using the median value :</a:t>
+            </a:r>
+          </a:p>
+          <a:p>
+            <a:endParaRPr lang="en-IN" b="1" dirty="0" smtClean="0"/>
+          </a:p>
+          <a:p>
+            <a:endParaRPr lang="en-IN" b="1" dirty="0" smtClean="0"/>
+          </a:p>
+          <a:p>
+            <a:pPr>
+              <a:buFont typeface="Arial" pitchFamily="34" charset="0"/>
+              <a:buChar char="•"/>
+            </a:pPr>
+            <a:r>
+              <a:rPr lang="en-US" dirty="0" err="1" smtClean="0"/>
+              <a:t>train_df.select_dtypes</a:t>
+            </a:r>
+            <a:r>
+              <a:rPr lang="en-US" dirty="0" smtClean="0"/>
+              <a:t>(): Selects columns based on their data type.</a:t>
+            </a:r>
+          </a:p>
+          <a:p>
+            <a:pPr>
+              <a:buFont typeface="Arial" pitchFamily="34" charset="0"/>
+              <a:buChar char="•"/>
+            </a:pPr>
+            <a:r>
+              <a:rPr lang="en-US" dirty="0" smtClean="0"/>
+              <a:t>include=['int64', 'float64']: Filters columns with integer or floating-point data types.</a:t>
+            </a:r>
+          </a:p>
+          <a:p>
+            <a:pPr>
+              <a:buFont typeface="Arial" pitchFamily="34" charset="0"/>
+              <a:buChar char="•"/>
+            </a:pPr>
+            <a:r>
+              <a:rPr lang="en-US" dirty="0" err="1" smtClean="0"/>
+              <a:t>train_df</a:t>
+            </a:r>
+            <a:r>
+              <a:rPr lang="en-US" dirty="0" smtClean="0"/>
+              <a:t>[</a:t>
+            </a:r>
+            <a:r>
+              <a:rPr lang="en-US" dirty="0" err="1" smtClean="0"/>
+              <a:t>col</a:t>
+            </a:r>
+            <a:r>
+              <a:rPr lang="en-US" dirty="0" smtClean="0"/>
+              <a:t>].median(): Calculates the median of the column.</a:t>
+            </a:r>
+          </a:p>
+          <a:p>
+            <a:pPr>
+              <a:buFont typeface="Arial" pitchFamily="34" charset="0"/>
+              <a:buChar char="•"/>
+            </a:pPr>
+            <a:r>
+              <a:rPr lang="en-US" dirty="0" err="1" smtClean="0"/>
+              <a:t>train_df</a:t>
+            </a:r>
+            <a:r>
+              <a:rPr lang="en-US" dirty="0" smtClean="0"/>
+              <a:t>[</a:t>
+            </a:r>
+            <a:r>
+              <a:rPr lang="en-US" dirty="0" err="1" smtClean="0"/>
+              <a:t>col</a:t>
+            </a:r>
+            <a:r>
+              <a:rPr lang="en-US" dirty="0" smtClean="0"/>
+              <a:t>].</a:t>
+            </a:r>
+            <a:r>
+              <a:rPr lang="en-US" dirty="0" err="1" smtClean="0"/>
+              <a:t>fillna</a:t>
+            </a:r>
+            <a:r>
+              <a:rPr lang="en-US" dirty="0" smtClean="0"/>
+              <a:t>(</a:t>
+            </a:r>
+            <a:r>
+              <a:rPr lang="en-US" dirty="0" err="1" smtClean="0"/>
+              <a:t>median_val</a:t>
+            </a:r>
+            <a:r>
+              <a:rPr lang="en-US" dirty="0" smtClean="0"/>
+              <a:t>): Replaces all missing values in the column with its median.</a:t>
+            </a:r>
+          </a:p>
+          <a:p>
+            <a:pPr>
+              <a:buFont typeface="Arial" pitchFamily="34" charset="0"/>
+              <a:buChar char="•"/>
+            </a:pPr>
+            <a:endParaRPr lang="en-IN" dirty="0" smtClean="0"/>
           </a:p>
           <a:p>
             <a:r>
               <a:rPr lang="en-US" b="1" dirty="0" smtClean="0"/>
-              <a:t>Columns with More Than 50% Missing Values:</a:t>
-            </a:r>
-          </a:p>
-          <a:p>
+              <a:t>Why Median Imputation?</a:t>
+            </a:r>
+          </a:p>
+          <a:p>
+            <a:endParaRPr lang="en-US" b="1" dirty="0" smtClean="0"/>
+          </a:p>
+          <a:p>
+            <a:pPr>
+              <a:buFont typeface="Arial" pitchFamily="34" charset="0"/>
+              <a:buChar char="•"/>
+            </a:pPr>
+            <a:r>
+              <a:rPr lang="en-US" b="1" dirty="0" smtClean="0"/>
+              <a:t>Robustness: </a:t>
+            </a:r>
+            <a:r>
+              <a:rPr lang="en-US" dirty="0" smtClean="0"/>
+              <a:t>The median is less affected by outliers compared to the mean, making it a more stable choice for imputation, especially when dealing with skewed data.</a:t>
+            </a:r>
+          </a:p>
+          <a:p>
+            <a:pPr>
+              <a:buFont typeface="Arial" pitchFamily="34" charset="0"/>
+              <a:buChar char="•"/>
+            </a:pPr>
             <a:endParaRPr lang="en-US" dirty="0" smtClean="0"/>
           </a:p>
           <a:p>
-            <a:r>
-              <a:rPr lang="en-US" dirty="0" smtClean="0"/>
-              <a:t>10 columns were identified with more than 50% missing values:</a:t>
-            </a:r>
-          </a:p>
-          <a:p>
-            <a:pPr>
-              <a:buFont typeface="Arial" pitchFamily="34" charset="0"/>
-              <a:buChar char="•"/>
-            </a:pPr>
-            <a:r>
-              <a:rPr lang="en-US" dirty="0" err="1" smtClean="0"/>
-              <a:t>MitreTechniques</a:t>
-            </a:r>
-            <a:r>
-              <a:rPr lang="en-US" dirty="0" smtClean="0"/>
-              <a:t>, </a:t>
-            </a:r>
-          </a:p>
-          <a:p>
-            <a:pPr>
-              <a:buFont typeface="Arial" pitchFamily="34" charset="0"/>
-              <a:buChar char="•"/>
-            </a:pPr>
-            <a:r>
-              <a:rPr lang="en-US" dirty="0" err="1" smtClean="0"/>
-              <a:t>ActionGrouped</a:t>
-            </a:r>
-            <a:r>
-              <a:rPr lang="en-US" dirty="0" smtClean="0"/>
-              <a:t>, </a:t>
-            </a:r>
-          </a:p>
-          <a:p>
-            <a:pPr>
-              <a:buFont typeface="Arial" pitchFamily="34" charset="0"/>
-              <a:buChar char="•"/>
-            </a:pPr>
-            <a:r>
-              <a:rPr lang="en-US" dirty="0" err="1" smtClean="0"/>
-              <a:t>ActionGranular</a:t>
-            </a:r>
-            <a:r>
-              <a:rPr lang="en-US" dirty="0" smtClean="0"/>
-              <a:t>, </a:t>
-            </a:r>
-          </a:p>
-          <a:p>
-            <a:pPr>
-              <a:buFont typeface="Arial" pitchFamily="34" charset="0"/>
-              <a:buChar char="•"/>
-            </a:pPr>
-            <a:r>
-              <a:rPr lang="en-US" dirty="0" err="1" smtClean="0"/>
-              <a:t>EmailClusterId</a:t>
-            </a:r>
-            <a:r>
-              <a:rPr lang="en-US" dirty="0" smtClean="0"/>
-              <a:t>, </a:t>
-            </a:r>
-          </a:p>
-          <a:p>
-            <a:pPr>
-              <a:buFont typeface="Arial" pitchFamily="34" charset="0"/>
-              <a:buChar char="•"/>
-            </a:pPr>
-            <a:r>
-              <a:rPr lang="en-US" dirty="0" err="1" smtClean="0"/>
-              <a:t>ThreatFamily</a:t>
-            </a:r>
-            <a:r>
-              <a:rPr lang="en-US" dirty="0" smtClean="0"/>
-              <a:t>, </a:t>
-            </a:r>
-          </a:p>
-          <a:p>
-            <a:pPr>
-              <a:buFont typeface="Arial" pitchFamily="34" charset="0"/>
-              <a:buChar char="•"/>
-            </a:pPr>
-            <a:r>
-              <a:rPr lang="en-US" dirty="0" err="1" smtClean="0"/>
-              <a:t>ResourceType</a:t>
-            </a:r>
-            <a:r>
-              <a:rPr lang="en-US" dirty="0" smtClean="0"/>
-              <a:t>, </a:t>
-            </a:r>
-          </a:p>
-          <a:p>
-            <a:pPr>
-              <a:buFont typeface="Arial" pitchFamily="34" charset="0"/>
-              <a:buChar char="•"/>
-            </a:pPr>
-            <a:r>
-              <a:rPr lang="en-US" dirty="0" smtClean="0"/>
-              <a:t>Roles, </a:t>
-            </a:r>
-          </a:p>
-          <a:p>
-            <a:pPr>
-              <a:buFont typeface="Arial" pitchFamily="34" charset="0"/>
-              <a:buChar char="•"/>
-            </a:pPr>
-            <a:r>
-              <a:rPr lang="en-US" dirty="0" err="1" smtClean="0"/>
-              <a:t>AntispamDirection</a:t>
-            </a:r>
-            <a:r>
-              <a:rPr lang="en-US" dirty="0" smtClean="0"/>
-              <a:t>, </a:t>
-            </a:r>
-          </a:p>
-          <a:p>
-            <a:pPr>
-              <a:buFont typeface="Arial" pitchFamily="34" charset="0"/>
-              <a:buChar char="•"/>
-            </a:pPr>
-            <a:r>
-              <a:rPr lang="en-US" dirty="0" err="1" smtClean="0"/>
-              <a:t>SuspicionLevel</a:t>
-            </a:r>
-            <a:r>
-              <a:rPr lang="en-US" dirty="0" smtClean="0"/>
-              <a:t>, </a:t>
-            </a:r>
-          </a:p>
-          <a:p>
-            <a:pPr>
-              <a:buFont typeface="Arial" pitchFamily="34" charset="0"/>
-              <a:buChar char="•"/>
-            </a:pPr>
-            <a:r>
-              <a:rPr lang="en-US" dirty="0" err="1" smtClean="0"/>
-              <a:t>LastVerdict</a:t>
-            </a:r>
-            <a:r>
-              <a:rPr lang="en-US" dirty="0" smtClean="0"/>
-              <a:t>.</a:t>
-            </a:r>
-          </a:p>
-          <a:p>
-            <a:endParaRPr lang="en-US" dirty="0" smtClean="0"/>
-          </a:p>
-          <a:p>
+            <a:pPr>
+              <a:buFont typeface="Arial" pitchFamily="34" charset="0"/>
+              <a:buChar char="•"/>
+            </a:pPr>
             <a:r>
               <a:rPr lang="en-US" b="1" dirty="0" smtClean="0"/>
-              <a:t>Columns Dropped:</a:t>
-            </a:r>
-          </a:p>
-          <a:p>
-            <a:endParaRPr lang="en-US" dirty="0" smtClean="0"/>
-          </a:p>
-          <a:p>
-            <a:r>
-              <a:rPr lang="en-US" dirty="0" smtClean="0"/>
-              <a:t>These 10 columns were removed from the dataset to eliminate high-</a:t>
-            </a:r>
-            <a:r>
-              <a:rPr lang="en-US" dirty="0" err="1" smtClean="0"/>
-              <a:t>missingness</a:t>
-            </a:r>
-            <a:r>
-              <a:rPr lang="en-US" dirty="0" smtClean="0"/>
-              <a:t> attributes that could introduce noise or reduce model performance.</a:t>
-            </a:r>
-          </a:p>
-          <a:p>
-            <a:endParaRPr lang="en-IN" b="1" dirty="0" smtClean="0"/>
+              <a:t>Preserves Data Integrity</a:t>
+            </a:r>
+            <a:r>
+              <a:rPr lang="en-US" dirty="0" smtClean="0"/>
+              <a:t>: Imputing with the median keeps the overall distribution of the column closer to its original state.</a:t>
+            </a:r>
+          </a:p>
+          <a:p>
+            <a:endParaRPr lang="en-US" b="1" dirty="0"/>
           </a:p>
         </p:txBody>
       </p:sp>
@@ -5377,8 +5348,8 @@
         </p:nvSpPr>
         <p:spPr>
           <a:xfrm>
-            <a:off x="381000" y="228600"/>
-            <a:ext cx="8458200" cy="6463308"/>
+            <a:off x="228600" y="152401"/>
+            <a:ext cx="8839200" cy="4801314"/>
           </a:xfrm>
           <a:prstGeom prst="rect">
             <a:avLst/>
@@ -5391,8 +5362,16 @@
           <a:lstStyle/>
           <a:p>
             <a:r>
+              <a:rPr lang="en-US" dirty="0" smtClean="0"/>
+              <a:t> </a:t>
+            </a:r>
+            <a:r>
+              <a:rPr lang="en-US" b="1" dirty="0" err="1" smtClean="0"/>
+              <a:t>Interquartile</a:t>
+            </a:r>
+            <a:r>
               <a:rPr lang="en-US" b="1" dirty="0" smtClean="0"/>
-              <a:t>Missing value imputation for categorical columns:</a:t>
+              <a:t> Range (IQR) method to detect and remove outliers:</a:t>
             </a:r>
           </a:p>
           <a:p>
@@ -5405,11 +5384,19 @@
             </a:pPr>
             <a:r>
               <a:rPr lang="en-US" dirty="0" err="1" smtClean="0"/>
-              <a:t>train_df.select_dtypes</a:t>
-            </a:r>
-            <a:r>
-              <a:rPr lang="en-US" dirty="0" smtClean="0"/>
-              <a:t>(): Selects columns based on data type.</a:t>
+              <a:t>train_df</a:t>
+            </a:r>
+            <a:r>
+              <a:rPr lang="en-US" dirty="0" smtClean="0"/>
+              <a:t>: The input </a:t>
+            </a:r>
+            <a:r>
+              <a:rPr lang="en-US" dirty="0" err="1" smtClean="0"/>
+              <a:t>DataFrame</a:t>
+            </a:r>
+            <a:r>
+              <a:rPr lang="en-US" dirty="0" smtClean="0"/>
+              <a:t>.</a:t>
             </a:r>
           </a:p>
           <a:p>
@@ -5425,8 +5412,114 @@
               <a:buChar char="•"/>
             </a:pPr>
             <a:r>
-              <a:rPr lang="en-US" dirty="0" smtClean="0"/>
-              <a:t>include=['object', 'category']: Filters columns that are either string (object) or categorical (category).</a:t>
+              <a:rPr lang="en-US" dirty="0" err="1" smtClean="0"/>
+              <a:t>iqr_multiplier</a:t>
+            </a:r>
+            <a:r>
+              <a:rPr lang="en-US" dirty="0" smtClean="0"/>
+              <a:t>: The multiplier for the IQR to define the outlier boundaries. Default is 1.5, but it can be adjusted for stricter or more lenient outlier thresholds.</a:t>
+            </a:r>
+          </a:p>
+          <a:p>
+            <a:pPr>
+              <a:buFont typeface="Arial" pitchFamily="34" charset="0"/>
+              <a:buChar char="•"/>
+            </a:pPr>
+            <a:endParaRPr lang="en-US" dirty="0" smtClean="0"/>
+          </a:p>
+          <a:p>
+            <a:pPr>
+              <a:buFont typeface="Arial" pitchFamily="34" charset="0"/>
+              <a:buChar char="•"/>
+            </a:pPr>
+            <a:r>
+              <a:rPr lang="en-US" dirty="0" smtClean="0"/>
+              <a:t>Filters only numerical columns for outlier detection</a:t>
+            </a:r>
+          </a:p>
+          <a:p>
+            <a:pPr>
+              <a:buFont typeface="Arial" pitchFamily="34" charset="0"/>
+              <a:buChar char="•"/>
+            </a:pPr>
+            <a:endParaRPr lang="en-US" dirty="0" smtClean="0"/>
+          </a:p>
+          <a:p>
+            <a:pPr>
+              <a:buFont typeface="Arial" pitchFamily="34" charset="0"/>
+              <a:buChar char="•"/>
+            </a:pPr>
+            <a:r>
+              <a:rPr lang="en-US" dirty="0" smtClean="0"/>
+              <a:t>Q1: First quartile (25th percentile).</a:t>
+            </a:r>
+          </a:p>
+          <a:p>
+            <a:pPr>
+              <a:buFont typeface="Arial" pitchFamily="34" charset="0"/>
+              <a:buChar char="•"/>
+            </a:pPr>
+            <a:r>
+              <a:rPr lang="en-US" dirty="0" smtClean="0"/>
+              <a:t>Q3: Third quartile (75th percentile).</a:t>
+            </a:r>
+          </a:p>
+          <a:p>
+            <a:pPr>
+              <a:buFont typeface="Arial" pitchFamily="34" charset="0"/>
+              <a:buChar char="•"/>
+            </a:pPr>
+            <a:r>
+              <a:rPr lang="en-US" dirty="0" smtClean="0"/>
+              <a:t>IQR: </a:t>
+            </a:r>
+            <a:r>
+              <a:rPr lang="en-US" dirty="0" err="1" smtClean="0"/>
+              <a:t>Interquartile</a:t>
+            </a:r>
+            <a:r>
+              <a:rPr lang="en-US" dirty="0" smtClean="0"/>
+              <a:t> range, calculated as 𝐼𝑄𝑅=𝑄3−𝑄1</a:t>
+            </a:r>
+          </a:p>
+          <a:p>
+            <a:pPr>
+              <a:buFont typeface="Arial" pitchFamily="34" charset="0"/>
+              <a:buChar char="•"/>
+            </a:pPr>
+            <a:r>
+              <a:rPr lang="en-US" dirty="0" smtClean="0"/>
+              <a:t>Lower Bound:Q1 - </a:t>
+            </a:r>
+            <a:r>
+              <a:rPr lang="en-US" dirty="0" err="1" smtClean="0"/>
+              <a:t>iqr_multiplier</a:t>
+            </a:r>
+            <a:r>
+              <a:rPr lang="en-US" dirty="0" smtClean="0"/>
+              <a:t> * IQR</a:t>
+            </a:r>
+          </a:p>
+          <a:p>
+            <a:pPr>
+              <a:buFont typeface="Arial" pitchFamily="34" charset="0"/>
+              <a:buChar char="•"/>
+            </a:pPr>
+            <a:r>
+              <a:rPr lang="en-US" dirty="0" err="1" smtClean="0"/>
+              <a:t>upper_bound</a:t>
+            </a:r>
+            <a:r>
+              <a:rPr lang="en-US" dirty="0" smtClean="0"/>
+              <a:t> = Q3 + </a:t>
+            </a:r>
+            <a:r>
+              <a:rPr lang="en-US" dirty="0" err="1" smtClean="0"/>
+              <a:t>iqr_multiplier</a:t>
+            </a:r>
+            <a:r>
+              <a:rPr lang="en-US" dirty="0" smtClean="0"/>
+              <a:t> * IQR</a:t>
             </a:r>
           </a:p>
           <a:p>
@@ -5442,140 +5535,9 @@
               <a:buChar char="•"/>
             </a:pPr>
             <a:r>
-              <a:rPr lang="en-US" dirty="0" err="1" smtClean="0"/>
-              <a:t>train_df</a:t>
-            </a:r>
-            <a:r>
-              <a:rPr lang="en-US" dirty="0" smtClean="0"/>
-              <a:t>[</a:t>
-            </a:r>
-            <a:r>
-              <a:rPr lang="en-US" dirty="0" err="1" smtClean="0"/>
-              <a:t>col</a:t>
-            </a:r>
-            <a:r>
-              <a:rPr lang="en-US" dirty="0" smtClean="0"/>
-              <a:t>].</a:t>
-            </a:r>
-            <a:r>
-              <a:rPr lang="en-US" dirty="0" err="1" smtClean="0"/>
-              <a:t>isnull</a:t>
-            </a:r>
-            <a:r>
-              <a:rPr lang="en-US" dirty="0" smtClean="0"/>
-              <a:t>().any(): Checks if the column contains any missing values.</a:t>
-            </a:r>
-          </a:p>
-          <a:p>
-            <a:pPr>
-              <a:buFont typeface="Arial" pitchFamily="34" charset="0"/>
-              <a:buChar char="•"/>
-            </a:pPr>
-            <a:endParaRPr lang="en-US" dirty="0" smtClean="0"/>
-          </a:p>
-          <a:p>
-            <a:pPr>
-              <a:buFont typeface="Arial" pitchFamily="34" charset="0"/>
-              <a:buChar char="•"/>
-            </a:pPr>
-            <a:r>
-              <a:rPr lang="en-US" dirty="0" err="1" smtClean="0"/>
-              <a:t>train_df</a:t>
-            </a:r>
-            <a:r>
-              <a:rPr lang="en-US" dirty="0" smtClean="0"/>
-              <a:t>[</a:t>
-            </a:r>
-            <a:r>
-              <a:rPr lang="en-US" dirty="0" err="1" smtClean="0"/>
-              <a:t>col</a:t>
-            </a:r>
-            <a:r>
-              <a:rPr lang="en-US" dirty="0" smtClean="0"/>
-              <a:t>].mode()[0]: Computes the most frequently occurring value (mode) of the column.</a:t>
-            </a:r>
-          </a:p>
-          <a:p>
-            <a:pPr>
-              <a:buFont typeface="Arial" pitchFamily="34" charset="0"/>
-              <a:buChar char="•"/>
-            </a:pPr>
-            <a:endParaRPr lang="en-US" dirty="0" smtClean="0"/>
-          </a:p>
-          <a:p>
-            <a:pPr>
-              <a:buFont typeface="Arial" pitchFamily="34" charset="0"/>
-              <a:buChar char="•"/>
-            </a:pPr>
-            <a:r>
-              <a:rPr lang="en-US" dirty="0" err="1" smtClean="0"/>
-              <a:t>train_df</a:t>
-            </a:r>
-            <a:r>
-              <a:rPr lang="en-US" dirty="0" smtClean="0"/>
-              <a:t>[</a:t>
-            </a:r>
-            <a:r>
-              <a:rPr lang="en-US" dirty="0" err="1" smtClean="0"/>
-              <a:t>col</a:t>
-            </a:r>
-            <a:r>
-              <a:rPr lang="en-US" dirty="0" smtClean="0"/>
-              <a:t>].</a:t>
-            </a:r>
-            <a:r>
-              <a:rPr lang="en-US" dirty="0" err="1" smtClean="0"/>
-              <a:t>fillna</a:t>
-            </a:r>
-            <a:r>
-              <a:rPr lang="en-US" dirty="0" smtClean="0"/>
-              <a:t>(</a:t>
-            </a:r>
-            <a:r>
-              <a:rPr lang="en-US" dirty="0" err="1" smtClean="0"/>
-              <a:t>mode_val</a:t>
-            </a:r>
-            <a:r>
-              <a:rPr lang="en-US" dirty="0" smtClean="0"/>
-              <a:t>): Replaces missing values in the column with the mode.</a:t>
-            </a:r>
-          </a:p>
-          <a:p>
-            <a:pPr>
-              <a:buFont typeface="Arial" pitchFamily="34" charset="0"/>
-              <a:buChar char="•"/>
-            </a:pPr>
-            <a:endParaRPr lang="en-IN" dirty="0" smtClean="0"/>
-          </a:p>
-          <a:p>
-            <a:r>
-              <a:rPr lang="en-US" b="1" dirty="0" smtClean="0"/>
-              <a:t>Why Mode Imputation?</a:t>
-            </a:r>
-          </a:p>
-          <a:p>
-            <a:endParaRPr lang="en-US" dirty="0" smtClean="0"/>
-          </a:p>
-          <a:p>
-            <a:r>
-              <a:rPr lang="en-US" b="1" dirty="0" smtClean="0"/>
-              <a:t>Categorical Data</a:t>
-            </a:r>
-            <a:r>
-              <a:rPr lang="en-US" dirty="0" smtClean="0"/>
-              <a:t>: The mode is a sensible choice for filling missing values in categorical columns since it preserves the majority class and minimizes bias.</a:t>
-            </a:r>
-          </a:p>
-          <a:p>
-            <a:r>
-              <a:rPr lang="en-US" b="1" dirty="0" smtClean="0"/>
-              <a:t>Preserves Distribution</a:t>
-            </a:r>
-            <a:r>
-              <a:rPr lang="en-US" dirty="0" smtClean="0"/>
-              <a:t>: Mode imputation ensures the distribution of the data remains largely intact.</a:t>
-            </a:r>
-            <a:endParaRPr lang="en-US" dirty="0"/>
+              <a:rPr lang="en-US" dirty="0" smtClean="0"/>
+              <a:t>Removes rows where the value in the column is outside the IQR bounds.</a:t>
+            </a:r>
           </a:p>
         </p:txBody>
       </p:sp>
@@ -5612,8 +5574,8 @@
         </p:nvSpPr>
         <p:spPr>
           <a:xfrm>
-            <a:off x="381000" y="381000"/>
-            <a:ext cx="8229600" cy="5355312"/>
+            <a:off x="762000" y="762000"/>
+            <a:ext cx="7619999" cy="4247317"/>
           </a:xfrm>
           <a:prstGeom prst="rect">
             <a:avLst/>
@@ -5625,154 +5587,131 @@
           </a:bodyPr>
           <a:lstStyle/>
           <a:p>
+            <a:pPr algn="ctr"/>
             <a:r>
               <a:rPr lang="en-US" b="1" dirty="0" smtClean="0"/>
-              <a:t>Missing values for numerical columns using the median value :</a:t>
-            </a:r>
-          </a:p>
-          <a:p>
-            <a:endParaRPr lang="en-IN" b="1" dirty="0" smtClean="0"/>
-          </a:p>
-          <a:p>
-            <a:endParaRPr lang="en-IN" b="1" dirty="0" smtClean="0"/>
-          </a:p>
-          <a:p>
-            <a:pPr>
-              <a:buFont typeface="Arial" pitchFamily="34" charset="0"/>
-              <a:buChar char="•"/>
-            </a:pPr>
-            <a:r>
-              <a:rPr lang="en-US" dirty="0" err="1" smtClean="0"/>
-              <a:t>train_df.select_dtypes</a:t>
-            </a:r>
-            <a:r>
-              <a:rPr lang="en-US" dirty="0" smtClean="0"/>
-              <a:t>(): Selects columns based on their data type.</a:t>
-            </a:r>
-          </a:p>
-          <a:p>
-            <a:pPr>
-              <a:buFont typeface="Arial" pitchFamily="34" charset="0"/>
-              <a:buChar char="•"/>
-            </a:pPr>
-            <a:r>
-              <a:rPr lang="en-US" dirty="0" smtClean="0"/>
-              <a:t>include=['int64', 'float64']: Filters columns with integer or floating-point data types.</a:t>
-            </a:r>
-          </a:p>
-          <a:p>
-            <a:pPr>
-              <a:buFont typeface="Arial" pitchFamily="34" charset="0"/>
-              <a:buChar char="•"/>
-            </a:pPr>
-            <a:r>
-              <a:rPr lang="en-US" dirty="0" err="1" smtClean="0"/>
-              <a:t>train_df</a:t>
-            </a:r>
-            <a:r>
-              <a:rPr lang="en-US" dirty="0" smtClean="0"/>
-              <a:t>[</a:t>
-            </a:r>
-            <a:r>
-              <a:rPr lang="en-US" dirty="0" err="1" smtClean="0"/>
-              <a:t>col</a:t>
-            </a:r>
-            <a:r>
-              <a:rPr lang="en-US" dirty="0" smtClean="0"/>
-              <a:t>].median(): Calculates the median of the column.</a:t>
-            </a:r>
-          </a:p>
-          <a:p>
-            <a:pPr>
-              <a:buFont typeface="Arial" pitchFamily="34" charset="0"/>
-              <a:buChar char="•"/>
-            </a:pPr>
-            <a:r>
-              <a:rPr lang="en-US" dirty="0" err="1" smtClean="0"/>
-              <a:t>train_df</a:t>
-            </a:r>
-            <a:r>
-              <a:rPr lang="en-US" dirty="0" smtClean="0"/>
-              <a:t>[</a:t>
-            </a:r>
-            <a:r>
-              <a:rPr lang="en-US" dirty="0" err="1" smtClean="0"/>
-              <a:t>col</a:t>
-            </a:r>
-            <a:r>
-              <a:rPr lang="en-US" dirty="0" smtClean="0"/>
-              <a:t>].</a:t>
-            </a:r>
-            <a:r>
-              <a:rPr lang="en-US" dirty="0" err="1" smtClean="0"/>
-              <a:t>fillna</a:t>
-            </a:r>
-            <a:r>
-              <a:rPr lang="en-US" dirty="0" smtClean="0"/>
-              <a:t>(</a:t>
-            </a:r>
-            <a:r>
-              <a:rPr lang="en-US" dirty="0" err="1" smtClean="0"/>
-              <a:t>median_val</a:t>
-            </a:r>
-            <a:r>
-              <a:rPr lang="en-US" dirty="0" smtClean="0"/>
-              <a:t>): Replaces all missing values in the column with its median.</a:t>
-            </a:r>
-          </a:p>
-          <a:p>
-            <a:pPr>
-              <a:buFont typeface="Arial" pitchFamily="34" charset="0"/>
-              <a:buChar char="•"/>
-            </a:pPr>
+              <a:t>Feature Engineering:</a:t>
+            </a:r>
+          </a:p>
+          <a:p>
             <a:endParaRPr lang="en-IN" dirty="0" smtClean="0"/>
           </a:p>
           <a:p>
             <a:r>
               <a:rPr lang="en-US" b="1" dirty="0" smtClean="0"/>
-              <a:t>Why Median Imputation?</a:t>
-            </a:r>
-          </a:p>
-          <a:p>
-            <a:endParaRPr lang="en-US" b="1" dirty="0" smtClean="0"/>
-          </a:p>
-          <a:p>
-            <a:pPr>
-              <a:buFont typeface="Arial" pitchFamily="34" charset="0"/>
-              <a:buChar char="•"/>
-            </a:pPr>
+              <a:t>Timestamp Analysis:</a:t>
+            </a:r>
+          </a:p>
+          <a:p>
+            <a:endParaRPr lang="en-US" dirty="0" smtClean="0"/>
+          </a:p>
+          <a:p>
+            <a:r>
+              <a:rPr lang="en-US" dirty="0" smtClean="0"/>
+              <a:t>The Timestamp column was converted into several derived time-related features:</a:t>
+            </a:r>
+          </a:p>
+          <a:p>
+            <a:endParaRPr lang="en-IN" dirty="0" smtClean="0"/>
+          </a:p>
+          <a:p>
+            <a:pPr>
+              <a:buFont typeface="Arial" pitchFamily="34" charset="0"/>
+              <a:buChar char="•"/>
+            </a:pPr>
+            <a:r>
+              <a:rPr lang="en-US" dirty="0" smtClean="0"/>
+              <a:t>Converts the </a:t>
+            </a:r>
             <a:r>
               <a:rPr lang="en-US" b="1" dirty="0" smtClean="0"/>
-              <a:t>Robustness: </a:t>
-            </a:r>
-            <a:r>
-              <a:rPr lang="en-US" dirty="0" smtClean="0"/>
-              <a:t>The median is less affected by outliers compared to the mean, making it a more stable choice for imputation, especially when dealing with skewed data.</a:t>
-            </a:r>
-          </a:p>
-          <a:p>
-            <a:pPr>
-              <a:buFont typeface="Arial" pitchFamily="34" charset="0"/>
-              <a:buChar char="•"/>
-            </a:pPr>
-            <a:endParaRPr lang="en-US" dirty="0" smtClean="0"/>
-          </a:p>
-          <a:p>
-            <a:pPr>
-              <a:buFont typeface="Arial" pitchFamily="34" charset="0"/>
-              <a:buChar char="•"/>
-            </a:pPr>
+              <a:t>Timestamp</a:t>
+            </a:r>
+            <a:r>
+              <a:rPr lang="en-US" dirty="0" smtClean="0"/>
+              <a:t> column to a Pandas </a:t>
+            </a:r>
+            <a:r>
+              <a:rPr lang="en-US" b="1" dirty="0" err="1" smtClean="0"/>
+              <a:t>datetime</a:t>
+            </a:r>
+            <a:r>
+              <a:rPr lang="en-US" dirty="0" smtClean="0"/>
+              <a:t> object.</a:t>
+            </a:r>
+          </a:p>
+          <a:p>
+            <a:pPr>
+              <a:buFont typeface="Arial" pitchFamily="34" charset="0"/>
+              <a:buChar char="•"/>
+            </a:pPr>
+            <a:r>
+              <a:rPr lang="en-US" dirty="0" smtClean="0"/>
+              <a:t>Extracts the year from the </a:t>
+            </a:r>
             <a:r>
               <a:rPr lang="en-US" b="1" dirty="0" smtClean="0"/>
-              <a:t>Preserves Data Integrity</a:t>
-            </a:r>
-            <a:r>
-              <a:rPr lang="en-US" dirty="0" smtClean="0"/>
-              <a:t>: Imputing with the median keeps the overall distribution of the column closer to its original state.</a:t>
-            </a:r>
-          </a:p>
-          <a:p>
-            <a:endParaRPr lang="en-US" b="1" dirty="0"/>
+              <a:t>Timestamp</a:t>
+            </a:r>
+          </a:p>
+          <a:p>
+            <a:pPr>
+              <a:buFont typeface="Arial" pitchFamily="34" charset="0"/>
+              <a:buChar char="•"/>
+            </a:pPr>
+            <a:r>
+              <a:rPr lang="en-US" dirty="0" smtClean="0"/>
+              <a:t>Extracts the month (1–12) from the </a:t>
+            </a:r>
+            <a:r>
+              <a:rPr lang="en-US" b="1" dirty="0" smtClean="0"/>
+              <a:t>Timestamp</a:t>
+            </a:r>
+          </a:p>
+          <a:p>
+            <a:pPr>
+              <a:buFont typeface="Arial" pitchFamily="34" charset="0"/>
+              <a:buChar char="•"/>
+            </a:pPr>
+            <a:r>
+              <a:rPr lang="en-US" dirty="0" smtClean="0"/>
+              <a:t>Extracts the day of the week (0 = Monday, 6 = Sunday)</a:t>
+            </a:r>
+          </a:p>
+          <a:p>
+            <a:pPr>
+              <a:buFont typeface="Arial" pitchFamily="34" charset="0"/>
+              <a:buChar char="•"/>
+            </a:pPr>
+            <a:r>
+              <a:rPr lang="en-US" dirty="0" smtClean="0"/>
+              <a:t>Extracts the hour of the day (0–23)</a:t>
+            </a:r>
+          </a:p>
+          <a:p>
+            <a:pPr>
+              <a:buFont typeface="Arial" pitchFamily="34" charset="0"/>
+              <a:buChar char="•"/>
+            </a:pPr>
+            <a:r>
+              <a:rPr lang="en-US" dirty="0" smtClean="0"/>
+              <a:t>Removes the original </a:t>
+            </a:r>
+            <a:r>
+              <a:rPr lang="en-US" b="1" dirty="0" smtClean="0"/>
+              <a:t>Timestamp</a:t>
+            </a:r>
+            <a:r>
+              <a:rPr lang="en-US" dirty="0" smtClean="0"/>
+              <a:t> column as its information is now represented in the derived features.</a:t>
+            </a:r>
+          </a:p>
+          <a:p>
+            <a:pPr>
+              <a:buFont typeface="Arial" pitchFamily="34" charset="0"/>
+              <a:buChar char="•"/>
+            </a:pPr>
+            <a:endParaRPr lang="en-US" dirty="0"/>
           </a:p>
         </p:txBody>
       </p:sp>
@@ -5809,8 +5748,8 @@
         </p:nvSpPr>
         <p:spPr>
           <a:xfrm>
-            <a:off x="228600" y="152401"/>
-            <a:ext cx="8839200" cy="4801314"/>
+            <a:off x="381000" y="228600"/>
+            <a:ext cx="8763000" cy="6463308"/>
           </a:xfrm>
           <a:prstGeom prst="rect">
             <a:avLst/>
@@ -5823,182 +5762,180 @@
           <a:lstStyle/>
           <a:p>
             <a:r>
-              <a:rPr lang="en-US" dirty="0" smtClean="0"/>
-              <a:t> </a:t>
-            </a:r>
+              <a:rPr lang="en-US" b="1" dirty="0" smtClean="0"/>
+              <a:t>Scales the numerical features:</a:t>
+            </a:r>
+          </a:p>
+          <a:p>
+            <a:endParaRPr lang="en-IN" dirty="0" smtClean="0"/>
+          </a:p>
+          <a:p>
+            <a:pPr>
+              <a:buFont typeface="Arial" pitchFamily="34" charset="0"/>
+              <a:buChar char="•"/>
+            </a:pPr>
+            <a:r>
+              <a:rPr lang="en-US" dirty="0" err="1" smtClean="0"/>
+              <a:t>train_df.select_dtypes</a:t>
+            </a:r>
+            <a:r>
+              <a:rPr lang="en-US" dirty="0" smtClean="0"/>
+              <a:t>(include=['int32', 'int16', 'float32', 'int64']): Selects all numerical columns from the </a:t>
+            </a:r>
+            <a:r>
+              <a:rPr lang="en-US" dirty="0" err="1" smtClean="0"/>
+              <a:t>DataFrame</a:t>
+            </a:r>
+            <a:r>
+              <a:rPr lang="en-US" dirty="0" smtClean="0"/>
+              <a:t>.</a:t>
+            </a:r>
+          </a:p>
+          <a:p>
+            <a:endParaRPr lang="en-US" dirty="0" smtClean="0"/>
+          </a:p>
+          <a:p>
+            <a:pPr>
+              <a:buFont typeface="Arial" pitchFamily="34" charset="0"/>
+              <a:buChar char="•"/>
+            </a:pPr>
+            <a:r>
+              <a:rPr lang="en-US" dirty="0" smtClean="0"/>
+              <a:t>drop(columns=</a:t>
+            </a:r>
+            <a:r>
+              <a:rPr lang="en-US" dirty="0" err="1" smtClean="0"/>
+              <a:t>id_columns</a:t>
+            </a:r>
+            <a:r>
+              <a:rPr lang="en-US" dirty="0" smtClean="0"/>
+              <a:t>, errors='ignore'): Removes the ID-like columns from the selection. If an ID column is missing from the </a:t>
+            </a:r>
+            <a:r>
+              <a:rPr lang="en-US" dirty="0" err="1" smtClean="0"/>
+              <a:t>DataFrame</a:t>
+            </a:r>
+            <a:r>
+              <a:rPr lang="en-US" dirty="0" smtClean="0"/>
+              <a:t>, errors='ignore' prevents an error.</a:t>
+            </a:r>
+          </a:p>
+          <a:p>
+            <a:pPr>
+              <a:buFont typeface="Arial" pitchFamily="34" charset="0"/>
+              <a:buChar char="•"/>
+            </a:pPr>
+            <a:endParaRPr lang="en-IN" dirty="0" smtClean="0"/>
+          </a:p>
+          <a:p>
+            <a:pPr>
+              <a:buFont typeface="Arial" pitchFamily="34" charset="0"/>
+              <a:buChar char="•"/>
+            </a:pPr>
             <a:r>
               <a:rPr lang="en-US" b="1" dirty="0" err="1" smtClean="0"/>
-              <a:t>Interquartile</a:t>
-            </a:r>
+              <a:t>MinMaxScaler</a:t>
+            </a:r>
+            <a:r>
+              <a:rPr lang="en-US" dirty="0" smtClean="0"/>
+              <a:t>: Scales each numerical feature to a range of [0, 1].</a:t>
+            </a:r>
+          </a:p>
+          <a:p>
+            <a:pPr>
+              <a:buFont typeface="Arial" pitchFamily="34" charset="0"/>
+              <a:buChar char="•"/>
+            </a:pPr>
+            <a:endParaRPr lang="en-US" dirty="0" smtClean="0"/>
+          </a:p>
+          <a:p>
+            <a:pPr>
+              <a:buFont typeface="Arial" pitchFamily="34" charset="0"/>
+              <a:buChar char="•"/>
+            </a:pPr>
+            <a:r>
+              <a:rPr lang="en-US" dirty="0" err="1" smtClean="0"/>
+              <a:t>scaler.fit_transform</a:t>
+            </a:r>
+            <a:r>
+              <a:rPr lang="en-US" dirty="0" smtClean="0"/>
+              <a:t>(</a:t>
+            </a:r>
+            <a:r>
+              <a:rPr lang="en-US" dirty="0" err="1" smtClean="0"/>
+              <a:t>numeric_features</a:t>
+            </a:r>
+            <a:r>
+              <a:rPr lang="en-US" dirty="0" smtClean="0"/>
+              <a:t>): Computes the minimum and maximum for each feature and applies scaling.</a:t>
+            </a:r>
+          </a:p>
+          <a:p>
+            <a:pPr>
+              <a:buFont typeface="Arial" pitchFamily="34" charset="0"/>
+              <a:buChar char="•"/>
+            </a:pPr>
+            <a:r>
+              <a:rPr lang="en-US" dirty="0" smtClean="0"/>
+              <a:t>The scaled values replace the original numerical features in the </a:t>
+            </a:r>
+            <a:r>
+              <a:rPr lang="en-US" dirty="0" err="1" smtClean="0"/>
+              <a:t>DataFrame</a:t>
+            </a:r>
+            <a:r>
+              <a:rPr lang="en-US" dirty="0" smtClean="0"/>
+              <a:t>.</a:t>
+            </a:r>
+          </a:p>
+          <a:p>
+            <a:pPr>
+              <a:buFont typeface="Arial" pitchFamily="34" charset="0"/>
+              <a:buChar char="•"/>
+            </a:pPr>
+            <a:endParaRPr lang="en-IN" dirty="0" smtClean="0"/>
+          </a:p>
+          <a:p>
             <a:r>
               <a:rPr lang="en-US" b="1" dirty="0" smtClean="0"/>
-              <a:t> Range (IQR) method to detect and remove outliers:</a:t>
-            </a:r>
-          </a:p>
-          <a:p>
-            <a:endParaRPr lang="en-IN" b="1" dirty="0" smtClean="0"/>
-          </a:p>
-          <a:p>
-            <a:pPr>
-              <a:buFont typeface="Arial" pitchFamily="34" charset="0"/>
-              <a:buChar char="•"/>
-            </a:pPr>
-            <a:r>
-              <a:rPr lang="en-US" dirty="0" err="1" smtClean="0"/>
-              <a:t>train_df</a:t>
-            </a:r>
-            <a:r>
-              <a:rPr lang="en-US" dirty="0" smtClean="0"/>
-              <a:t>: The input </a:t>
-            </a:r>
-            <a:r>
-              <a:rPr lang="en-US" dirty="0" err="1" smtClean="0"/>
-              <a:t>DataFrame</a:t>
-            </a:r>
-            <a:r>
-              <a:rPr lang="en-US" dirty="0" smtClean="0"/>
-              <a:t>.</a:t>
-            </a:r>
-          </a:p>
-          <a:p>
-            <a:pPr>
-              <a:buFont typeface="Arial" pitchFamily="34" charset="0"/>
-              <a:buChar char="•"/>
-            </a:pPr>
-            <a:endParaRPr lang="en-US" dirty="0" smtClean="0"/>
-          </a:p>
-          <a:p>
-            <a:pPr>
-              <a:buFont typeface="Arial" pitchFamily="34" charset="0"/>
-              <a:buChar char="•"/>
-            </a:pPr>
-            <a:r>
-              <a:rPr lang="en-US" dirty="0" err="1" smtClean="0"/>
-              <a:t>iqr_multiplier</a:t>
-            </a:r>
-            <a:r>
-              <a:rPr lang="en-US" dirty="0" smtClean="0"/>
-              <a:t>: The multiplier for the IQR to define the outlier boundaries. Default is 1.5, but it can be adjusted for stricter or more lenient outlier thresholds.</a:t>
-            </a:r>
-          </a:p>
-          <a:p>
-            <a:pPr>
-              <a:buFont typeface="Arial" pitchFamily="34" charset="0"/>
-              <a:buChar char="•"/>
-            </a:pPr>
-            <a:endParaRPr lang="en-US" dirty="0" smtClean="0"/>
-          </a:p>
-          <a:p>
-            <a:pPr>
-              <a:buFont typeface="Arial" pitchFamily="34" charset="0"/>
-              <a:buChar char="•"/>
-            </a:pPr>
-            <a:r>
-              <a:rPr lang="en-US" dirty="0" smtClean="0"/>
-              <a:t>Filters only numerical columns for outlier detection</a:t>
-            </a:r>
-          </a:p>
-          <a:p>
-            <a:pPr>
-              <a:buFont typeface="Arial" pitchFamily="34" charset="0"/>
-              <a:buChar char="•"/>
-            </a:pPr>
-            <a:endParaRPr lang="en-US" dirty="0" smtClean="0"/>
-          </a:p>
-          <a:p>
-            <a:pPr>
-              <a:buFont typeface="Arial" pitchFamily="34" charset="0"/>
-              <a:buChar char="•"/>
-            </a:pPr>
-            <a:r>
-              <a:rPr lang="en-US" dirty="0" smtClean="0"/>
-              <a:t>Q1: First quartile (25th percentile).</a:t>
-            </a:r>
-          </a:p>
-          <a:p>
-            <a:pPr>
-              <a:buFont typeface="Arial" pitchFamily="34" charset="0"/>
-              <a:buChar char="•"/>
-            </a:pPr>
-            <a:r>
-              <a:rPr lang="en-US" dirty="0" smtClean="0"/>
-              <a:t>Q3: Third quartile (75th percentile).</a:t>
-            </a:r>
-          </a:p>
-          <a:p>
-            <a:pPr>
-              <a:buFont typeface="Arial" pitchFamily="34" charset="0"/>
-              <a:buChar char="•"/>
-            </a:pPr>
-            <a:r>
-              <a:rPr lang="en-US" dirty="0" smtClean="0"/>
-              <a:t>IQR: </a:t>
-            </a:r>
-            <a:r>
-              <a:rPr lang="en-US" dirty="0" err="1" smtClean="0"/>
-              <a:t>Interquartile</a:t>
-            </a:r>
-            <a:r>
-              <a:rPr lang="en-US" dirty="0" smtClean="0"/>
-              <a:t> range, calculated as 𝐼𝑄𝑅=𝑄3−𝑄1</a:t>
-            </a:r>
-          </a:p>
-          <a:p>
-            <a:pPr>
-              <a:buFont typeface="Arial" pitchFamily="34" charset="0"/>
-              <a:buChar char="•"/>
-            </a:pPr>
-            <a:r>
-              <a:rPr lang="en-US" dirty="0" smtClean="0"/>
-              <a:t>Lower Bound:Q1 - </a:t>
-            </a:r>
-            <a:r>
-              <a:rPr lang="en-US" dirty="0" err="1" smtClean="0"/>
-              <a:t>iqr_multiplier</a:t>
-            </a:r>
-            <a:r>
-              <a:rPr lang="en-US" dirty="0" smtClean="0"/>
-              <a:t> * IQR</a:t>
-            </a:r>
-          </a:p>
-          <a:p>
-            <a:pPr>
-              <a:buFont typeface="Arial" pitchFamily="34" charset="0"/>
-              <a:buChar char="•"/>
-            </a:pPr>
-            <a:r>
-              <a:rPr lang="en-US" dirty="0" err="1" smtClean="0"/>
-              <a:t>upper_bound</a:t>
-            </a:r>
-            <a:r>
-              <a:rPr lang="en-US" dirty="0" smtClean="0"/>
-              <a:t> = Q3 + </a:t>
-            </a:r>
-            <a:r>
-              <a:rPr lang="en-US" dirty="0" err="1" smtClean="0"/>
-              <a:t>iqr_multiplier</a:t>
-            </a:r>
-            <a:r>
-              <a:rPr lang="en-US" dirty="0" smtClean="0"/>
-              <a:t> * IQR</a:t>
-            </a:r>
-          </a:p>
-          <a:p>
-            <a:pPr>
-              <a:buFont typeface="Arial" pitchFamily="34" charset="0"/>
-              <a:buChar char="•"/>
-            </a:pPr>
+              <a:t>Why Use </a:t>
+            </a:r>
+            <a:r>
+              <a:rPr lang="en-US" b="1" dirty="0" err="1" smtClean="0"/>
+              <a:t>MinMaxScaler</a:t>
+            </a:r>
+            <a:r>
+              <a:rPr lang="en-US" b="1" dirty="0" smtClean="0"/>
+              <a:t>?</a:t>
+            </a:r>
+          </a:p>
+          <a:p>
+            <a:r>
+              <a:rPr lang="en-US" b="1" dirty="0" smtClean="0"/>
+              <a:t>Normalization:</a:t>
+            </a:r>
+          </a:p>
+          <a:p>
+            <a:r>
+              <a:rPr lang="en-US" dirty="0" smtClean="0"/>
+              <a:t>Scales data to a specific range ([0, 1] by default), which is beneficial for models sensitive to feature magnitude (e.g., k-NN, neural networks).</a:t>
+            </a:r>
+          </a:p>
+          <a:p>
+            <a:endParaRPr lang="en-US" b="1" dirty="0" smtClean="0"/>
+          </a:p>
+          <a:p>
+            <a:r>
+              <a:rPr lang="en-US" b="1" dirty="0" smtClean="0"/>
+              <a:t>Maintains Relationships:</a:t>
+            </a:r>
+          </a:p>
+          <a:p>
+            <a:r>
+              <a:rPr lang="en-US" dirty="0" smtClean="0"/>
+              <a:t>Does not distort the relative relationships between data points, preserving interpretability.</a:t>
+            </a:r>
             <a:endParaRPr lang="en-IN" dirty="0" smtClean="0"/>
-          </a:p>
-          <a:p>
-            <a:pPr>
-              <a:buFont typeface="Arial" pitchFamily="34" charset="0"/>
-              <a:buChar char="•"/>
-            </a:pPr>
-            <a:r>
-              <a:rPr lang="en-US" dirty="0" smtClean="0"/>
-              <a:t>Removes rows where the value in the column is outside the IQR bounds.</a:t>
-            </a:r>
           </a:p>
         </p:txBody>
       </p:sp>
@@ -6035,8 +5972,8 @@
         </p:nvSpPr>
         <p:spPr>
           <a:xfrm>
-            <a:off x="762000" y="762000"/>
-            <a:ext cx="7619999" cy="4247317"/>
+            <a:off x="152400" y="381000"/>
+            <a:ext cx="7619999" cy="5355312"/>
           </a:xfrm>
           <a:prstGeom prst="rect">
             <a:avLst/>
@@ -6048,164 +5985,177 @@
           </a:bodyPr>
           <a:lstStyle/>
           <a:p>
-            <a:pPr algn="ctr"/>
             <a:r>
               <a:rPr lang="en-US" b="1" dirty="0" smtClean="0"/>
-              <a:t>Feature Engineering</a:t>
-            </a:r>
+              <a:t>Encoding Categorical Variables </a:t>
+            </a:r>
+          </a:p>
+          <a:p>
+            <a:endParaRPr lang="en-IN" b="1" dirty="0" smtClean="0"/>
+          </a:p>
+          <a:p>
             <a:r>
               <a:rPr lang="en-US" b="1" dirty="0" smtClean="0"/>
-              <a:t>:</a:t>
+              <a:t>label encoding </a:t>
+            </a:r>
+            <a:r>
+              <a:rPr lang="en-US" dirty="0" smtClean="0"/>
+              <a:t>to convert categorical features into numerical values</a:t>
             </a:r>
           </a:p>
           <a:p>
             <a:endParaRPr lang="en-IN" dirty="0" smtClean="0"/>
           </a:p>
           <a:p>
-            <a:r>
-              <a:rPr lang="en-US" b="1" dirty="0" smtClean="0"/>
-              <a:t>Timestamp </a:t>
-            </a:r>
-            <a:r>
-              <a:rPr lang="en-US" b="1" dirty="0" smtClean="0"/>
-              <a:t>Analysis:</a:t>
-            </a:r>
-            <a:endParaRPr lang="en-US" b="1" dirty="0" smtClean="0"/>
-          </a:p>
-          <a:p>
-            <a:endParaRPr lang="en-US" dirty="0" smtClean="0"/>
-          </a:p>
-          <a:p>
-            <a:r>
-              <a:rPr lang="en-US" dirty="0" smtClean="0"/>
-              <a:t>The </a:t>
-            </a:r>
-            <a:r>
-              <a:rPr lang="en-US" dirty="0" smtClean="0"/>
-              <a:t>Timestamp column was converted into several derived time-related features</a:t>
-            </a:r>
-            <a:r>
-              <a:rPr lang="en-US" dirty="0" smtClean="0"/>
-              <a:t>:</a:t>
+            <a:pPr>
+              <a:buFont typeface="Arial" pitchFamily="34" charset="0"/>
+              <a:buChar char="•"/>
+            </a:pPr>
+            <a:r>
+              <a:rPr lang="en-IN" dirty="0" err="1" smtClean="0"/>
+              <a:t>categorical_columns</a:t>
+            </a:r>
+            <a:r>
+              <a:rPr lang="en-IN" dirty="0" smtClean="0"/>
+              <a:t> = ['Category', '</a:t>
+            </a:r>
+            <a:r>
+              <a:rPr lang="en-IN" dirty="0" err="1" smtClean="0"/>
+              <a:t>IncidentGrade</a:t>
+            </a:r>
+            <a:r>
+              <a:rPr lang="en-IN" dirty="0" smtClean="0"/>
+              <a:t>', '</a:t>
+            </a:r>
+            <a:r>
+              <a:rPr lang="en-IN" dirty="0" err="1" smtClean="0"/>
+              <a:t>EntityType</a:t>
+            </a:r>
+            <a:r>
+              <a:rPr lang="en-IN" dirty="0" smtClean="0"/>
+              <a:t>', '</a:t>
+            </a:r>
+            <a:r>
+              <a:rPr lang="en-IN" dirty="0" err="1" smtClean="0"/>
+              <a:t>EvidenceRole</a:t>
+            </a:r>
+            <a:r>
+              <a:rPr lang="en-IN" dirty="0" smtClean="0"/>
+              <a:t>']</a:t>
+            </a:r>
+          </a:p>
+          <a:p>
+            <a:pPr>
+              <a:buFont typeface="Arial" pitchFamily="34" charset="0"/>
+              <a:buChar char="•"/>
+            </a:pPr>
+            <a:r>
+              <a:rPr lang="en-US" dirty="0" smtClean="0"/>
+              <a:t>Creates an instance of the </a:t>
+            </a:r>
+            <a:r>
+              <a:rPr lang="en-US" dirty="0" err="1" smtClean="0"/>
+              <a:t>LabelEncoder</a:t>
+            </a:r>
+            <a:r>
+              <a:rPr lang="en-US" dirty="0" smtClean="0"/>
+              <a:t> class, which will be used to convert categorical labels into numeric labels.</a:t>
+            </a:r>
+          </a:p>
+          <a:p>
+            <a:pPr>
+              <a:buFont typeface="Arial" pitchFamily="34" charset="0"/>
+              <a:buChar char="•"/>
+            </a:pPr>
+            <a:r>
+              <a:rPr lang="en-US" dirty="0" smtClean="0"/>
+              <a:t>Loops through each column in the </a:t>
+            </a:r>
+            <a:r>
+              <a:rPr lang="en-US" dirty="0" err="1" smtClean="0"/>
+              <a:t>categorical_columns</a:t>
+            </a:r>
+            <a:r>
+              <a:rPr lang="en-US" dirty="0" smtClean="0"/>
+              <a:t> list.</a:t>
+            </a:r>
+          </a:p>
+          <a:p>
+            <a:pPr>
+              <a:buFont typeface="Arial" pitchFamily="34" charset="0"/>
+              <a:buChar char="•"/>
+            </a:pPr>
+            <a:r>
+              <a:rPr lang="en-US" dirty="0" smtClean="0"/>
+              <a:t>if </a:t>
+            </a:r>
+            <a:r>
+              <a:rPr lang="en-US" dirty="0" err="1" smtClean="0"/>
+              <a:t>col</a:t>
+            </a:r>
+            <a:r>
+              <a:rPr lang="en-US" dirty="0" smtClean="0"/>
+              <a:t> in </a:t>
+            </a:r>
+            <a:r>
+              <a:rPr lang="en-US" dirty="0" err="1" smtClean="0"/>
+              <a:t>train_df.columns</a:t>
+            </a:r>
+            <a:r>
+              <a:rPr lang="en-US" dirty="0" smtClean="0"/>
+              <a:t>: Checks if the column exists in the </a:t>
+            </a:r>
+            <a:r>
+              <a:rPr lang="en-US" dirty="0" err="1" smtClean="0"/>
+              <a:t>DataFrame</a:t>
+            </a:r>
+            <a:r>
+              <a:rPr lang="en-US" dirty="0" smtClean="0"/>
+              <a:t> to avoid errors.</a:t>
+            </a:r>
+          </a:p>
+          <a:p>
+            <a:pPr>
+              <a:buFont typeface="Arial" pitchFamily="34" charset="0"/>
+              <a:buChar char="•"/>
+            </a:pPr>
+            <a:r>
+              <a:rPr lang="en-US" dirty="0" smtClean="0"/>
+              <a:t>.</a:t>
+            </a:r>
+            <a:r>
+              <a:rPr lang="en-US" dirty="0" err="1" smtClean="0"/>
+              <a:t>astype</a:t>
+            </a:r>
+            <a:r>
+              <a:rPr lang="en-US" dirty="0" smtClean="0"/>
+              <a:t>(</a:t>
+            </a:r>
+            <a:r>
+              <a:rPr lang="en-US" dirty="0" err="1" smtClean="0"/>
+              <a:t>str</a:t>
+            </a:r>
+            <a:r>
+              <a:rPr lang="en-US" dirty="0" smtClean="0"/>
+              <a:t>): Ensures the column is of string type before encoding (some categorical variables might have numeric representations, and label encoding requires them to be in string form).</a:t>
+            </a:r>
+          </a:p>
+          <a:p>
+            <a:pPr>
+              <a:buFont typeface="Arial" pitchFamily="34" charset="0"/>
+              <a:buChar char="•"/>
+            </a:pPr>
+            <a:r>
+              <a:rPr lang="en-US" dirty="0" err="1" smtClean="0"/>
+              <a:t>label_encoder.fit_transform</a:t>
+            </a:r>
+            <a:r>
+              <a:rPr lang="en-US" dirty="0" smtClean="0"/>
+              <a:t>(): Encodes the categorical values as integers. It assigns a unique integer to each unique category in the column.</a:t>
             </a:r>
           </a:p>
           <a:p>
             <a:endParaRPr lang="en-IN" dirty="0" smtClean="0"/>
-          </a:p>
-          <a:p>
-            <a:pPr>
-              <a:buFont typeface="Arial" pitchFamily="34" charset="0"/>
-              <a:buChar char="•"/>
-            </a:pPr>
-            <a:r>
-              <a:rPr lang="en-US" dirty="0" smtClean="0"/>
-              <a:t>Converts the </a:t>
-            </a:r>
-            <a:r>
-              <a:rPr lang="en-US" b="1" dirty="0" smtClean="0"/>
-              <a:t>Timestamp</a:t>
-            </a:r>
-            <a:r>
-              <a:rPr lang="en-US" dirty="0" smtClean="0"/>
-              <a:t> column to a Pandas </a:t>
-            </a:r>
-            <a:r>
-              <a:rPr lang="en-US" b="1" dirty="0" err="1" smtClean="0"/>
-              <a:t>datetime</a:t>
-            </a:r>
-            <a:r>
-              <a:rPr lang="en-US" dirty="0" smtClean="0"/>
-              <a:t> object.</a:t>
-            </a:r>
-          </a:p>
-          <a:p>
-            <a:pPr>
-              <a:buFont typeface="Arial" pitchFamily="34" charset="0"/>
-              <a:buChar char="•"/>
-            </a:pPr>
-            <a:r>
-              <a:rPr lang="en-US" dirty="0" smtClean="0"/>
-              <a:t>Extracts </a:t>
-            </a:r>
-            <a:r>
-              <a:rPr lang="en-US" dirty="0" smtClean="0"/>
-              <a:t>the year from the </a:t>
-            </a:r>
-            <a:r>
-              <a:rPr lang="en-US" b="1" dirty="0" smtClean="0"/>
-              <a:t>Timestamp</a:t>
-            </a:r>
-          </a:p>
-          <a:p>
-            <a:pPr>
-              <a:buFont typeface="Arial" pitchFamily="34" charset="0"/>
-              <a:buChar char="•"/>
-            </a:pPr>
-            <a:r>
-              <a:rPr lang="en-US" dirty="0" smtClean="0"/>
-              <a:t>Extracts the month (1–12) from the </a:t>
-            </a:r>
-            <a:r>
-              <a:rPr lang="en-US" b="1" dirty="0" smtClean="0"/>
-              <a:t>Timestamp</a:t>
-            </a:r>
-          </a:p>
-          <a:p>
-            <a:pPr>
-              <a:buFont typeface="Arial" pitchFamily="34" charset="0"/>
-              <a:buChar char="•"/>
-            </a:pPr>
-            <a:r>
-              <a:rPr lang="en-US" dirty="0" smtClean="0"/>
-              <a:t>Extracts the day of the week (0 = Monday, 6 = Sunday</a:t>
-            </a:r>
-            <a:r>
-              <a:rPr lang="en-US" dirty="0" smtClean="0"/>
-              <a:t>)</a:t>
-            </a:r>
-          </a:p>
-          <a:p>
-            <a:pPr>
-              <a:buFont typeface="Arial" pitchFamily="34" charset="0"/>
-              <a:buChar char="•"/>
-            </a:pPr>
-            <a:r>
-              <a:rPr lang="en-US" dirty="0" smtClean="0"/>
-              <a:t>Extracts the hour of the day (0–23</a:t>
-            </a:r>
-            <a:r>
-              <a:rPr lang="en-US" dirty="0" smtClean="0"/>
-              <a:t>)</a:t>
-            </a:r>
-          </a:p>
-          <a:p>
-            <a:pPr>
-              <a:buFont typeface="Arial" pitchFamily="34" charset="0"/>
-              <a:buChar char="•"/>
-            </a:pPr>
-            <a:r>
-              <a:rPr lang="en-US" dirty="0" smtClean="0"/>
-              <a:t>Removes the original </a:t>
-            </a:r>
-            <a:r>
-              <a:rPr lang="en-US" b="1" dirty="0" smtClean="0"/>
-              <a:t>Timestamp</a:t>
-            </a:r>
-            <a:r>
-              <a:rPr lang="en-US" dirty="0" smtClean="0"/>
-              <a:t> column as its information is now represented in the derived features</a:t>
-            </a:r>
-            <a:r>
-              <a:rPr lang="en-US" dirty="0" smtClean="0"/>
-              <a:t>.</a:t>
-            </a:r>
-          </a:p>
-          <a:p>
-            <a:pPr>
-              <a:buFont typeface="Arial" pitchFamily="34" charset="0"/>
-              <a:buChar char="•"/>
-            </a:pPr>
-            <a:endParaRPr lang="en-US" dirty="0"/>
           </a:p>
         </p:txBody>
       </p:sp>
@@ -6242,8 +6192,8 @@
         </p:nvSpPr>
         <p:spPr>
           <a:xfrm>
-            <a:off x="381000" y="228600"/>
-            <a:ext cx="8763000" cy="6463308"/>
+            <a:off x="152400" y="76201"/>
+            <a:ext cx="8839200" cy="5355312"/>
           </a:xfrm>
           <a:prstGeom prst="rect">
             <a:avLst/>
@@ -6256,81 +6206,66 @@
           <a:lstStyle/>
           <a:p>
             <a:r>
-              <a:rPr lang="en-US" b="1" dirty="0" smtClean="0"/>
-              <a:t>Scales </a:t>
-            </a:r>
-            <a:r>
-              <a:rPr lang="en-US" b="1" dirty="0" smtClean="0"/>
-              <a:t>the numerical </a:t>
-            </a:r>
-            <a:r>
-              <a:rPr lang="en-US" b="1" dirty="0" smtClean="0"/>
-              <a:t>features:</a:t>
+              <a:rPr lang="en-IN" b="1" dirty="0" smtClean="0"/>
+              <a:t>Why Use Label Encoding?</a:t>
+            </a:r>
+          </a:p>
+          <a:p>
+            <a:pPr>
+              <a:buFont typeface="Arial" pitchFamily="34" charset="0"/>
+              <a:buChar char="•"/>
+            </a:pPr>
+            <a:r>
+              <a:rPr lang="en-IN" b="1" dirty="0" smtClean="0"/>
+              <a:t>Efficient Transformation:</a:t>
+            </a:r>
+          </a:p>
+          <a:p>
+            <a:endParaRPr lang="en-IN" b="1" dirty="0" smtClean="0"/>
+          </a:p>
+          <a:p>
+            <a:r>
+              <a:rPr lang="en-IN" dirty="0" smtClean="0"/>
+              <a:t>Converts categorical values (such as strings) into integers (e.g., "Low", "Medium",   "High" becomes 0, 1, 2).</a:t>
+            </a:r>
+          </a:p>
+          <a:p>
+            <a:endParaRPr lang="en-IN" b="1" dirty="0" smtClean="0"/>
+          </a:p>
+          <a:p>
+            <a:pPr>
+              <a:buFont typeface="Arial" pitchFamily="34" charset="0"/>
+              <a:buChar char="•"/>
+            </a:pPr>
+            <a:r>
+              <a:rPr lang="en-IN" b="1" dirty="0" smtClean="0"/>
+              <a:t>Model Compatibility:</a:t>
+            </a:r>
+          </a:p>
+          <a:p>
+            <a:pPr>
+              <a:buFont typeface="Arial" pitchFamily="34" charset="0"/>
+              <a:buChar char="•"/>
+            </a:pPr>
+            <a:endParaRPr lang="en-IN" b="1" dirty="0" smtClean="0"/>
+          </a:p>
+          <a:p>
+            <a:pPr>
+              <a:buFont typeface="Arial" pitchFamily="34" charset="0"/>
+              <a:buChar char="•"/>
+            </a:pPr>
+            <a:endParaRPr lang="en-IN" b="1" dirty="0" smtClean="0"/>
+          </a:p>
+          <a:p>
+            <a:r>
+              <a:rPr lang="en-IN" dirty="0" smtClean="0"/>
+              <a:t>Many machine learning models (e.g., decision trees, random forests) can directly  work with numeric values, and label encoding provides a simple transformation.</a:t>
             </a:r>
           </a:p>
           <a:p>
             <a:endParaRPr lang="en-IN" dirty="0" smtClean="0"/>
           </a:p>
           <a:p>
-            <a:pPr>
-              <a:buFont typeface="Arial" pitchFamily="34" charset="0"/>
-              <a:buChar char="•"/>
-            </a:pPr>
-            <a:r>
-              <a:rPr lang="en-US" dirty="0" err="1" smtClean="0"/>
-              <a:t>train_df.select_dtypes</a:t>
-            </a:r>
-            <a:r>
-              <a:rPr lang="en-US" dirty="0" smtClean="0"/>
-              <a:t>(include=['int32', 'int16', 'float32', 'int64']): Selects all numerical columns from the </a:t>
-            </a:r>
-            <a:r>
-              <a:rPr lang="en-US" dirty="0" err="1" smtClean="0"/>
-              <a:t>DataFrame</a:t>
-            </a:r>
-            <a:r>
-              <a:rPr lang="en-US" dirty="0" smtClean="0"/>
-              <a:t>.</a:t>
-            </a:r>
-          </a:p>
-          <a:p>
-            <a:endParaRPr lang="en-US" dirty="0" smtClean="0"/>
-          </a:p>
-          <a:p>
-            <a:pPr>
-              <a:buFont typeface="Arial" pitchFamily="34" charset="0"/>
-              <a:buChar char="•"/>
-            </a:pPr>
-            <a:r>
-              <a:rPr lang="en-US" dirty="0" smtClean="0"/>
-              <a:t>drop(columns=</a:t>
-            </a:r>
-            <a:r>
-              <a:rPr lang="en-US" dirty="0" err="1" smtClean="0"/>
-              <a:t>id_columns</a:t>
-            </a:r>
-            <a:r>
-              <a:rPr lang="en-US" dirty="0" smtClean="0"/>
-              <a:t>, errors='ignore'): Removes the ID-like columns from the selection. If an ID column is missing from the </a:t>
-            </a:r>
-            <a:r>
-              <a:rPr lang="en-US" dirty="0" err="1" smtClean="0"/>
-              <a:t>DataFrame</a:t>
-            </a:r>
-            <a:r>
-              <a:rPr lang="en-US" dirty="0" smtClean="0"/>
-              <a:t>, errors='ignore' prevents an error</a:t>
-            </a:r>
-            <a:r>
-              <a:rPr lang="en-US" dirty="0" smtClean="0"/>
-              <a:t>.</a:t>
-            </a:r>
-          </a:p>
-          <a:p>
-            <a:pPr>
-              <a:buFont typeface="Arial" pitchFamily="34" charset="0"/>
-              <a:buChar char="•"/>
-            </a:pPr>
             <a:endParaRPr lang="en-IN" dirty="0" smtClean="0"/>
           </a:p>
           <a:p>
@@ -6339,129 +6274,29 @@
               <a:buChar char="•"/>
             </a:pPr>
             <a:r>
-              <a:rPr lang="en-US" b="1" dirty="0" err="1" smtClean="0"/>
-              <a:t>MinMaxScaler</a:t>
-            </a:r>
-            <a:r>
-              <a:rPr lang="en-US" dirty="0" smtClean="0"/>
-              <a:t>: Scales each numerical feature to a range of [0, 1</a:t>
-            </a:r>
-            <a:r>
-              <a:rPr lang="en-US" dirty="0" smtClean="0"/>
-              <a:t>].</a:t>
-            </a:r>
-          </a:p>
-          <a:p>
-            <a:pPr>
-              <a:buFont typeface="Arial" pitchFamily="34" charset="0"/>
-              <a:buChar char="•"/>
-            </a:pPr>
-            <a:endParaRPr lang="en-US" dirty="0" smtClean="0"/>
-          </a:p>
-          <a:p>
-            <a:pPr>
-              <a:buFont typeface="Arial" pitchFamily="34" charset="0"/>
-              <a:buChar char="•"/>
-            </a:pPr>
-            <a:r>
-              <a:rPr lang="en-US" dirty="0" err="1" smtClean="0"/>
-              <a:t>scaler.fit_transform</a:t>
-            </a:r>
-            <a:r>
-              <a:rPr lang="en-US" dirty="0" smtClean="0"/>
-              <a:t>(</a:t>
-            </a:r>
-            <a:r>
-              <a:rPr lang="en-US" dirty="0" err="1" smtClean="0"/>
-              <a:t>numeric_features</a:t>
-            </a:r>
-            <a:r>
-              <a:rPr lang="en-US" dirty="0" smtClean="0"/>
-              <a:t>): Computes the minimum and maximum for each feature and applies scaling</a:t>
-            </a:r>
-            <a:r>
-              <a:rPr lang="en-US" dirty="0" smtClean="0"/>
-              <a:t>.</a:t>
-            </a:r>
-          </a:p>
-          <a:p>
-            <a:pPr>
-              <a:buFont typeface="Arial" pitchFamily="34" charset="0"/>
-              <a:buChar char="•"/>
-            </a:pPr>
-            <a:r>
-              <a:rPr lang="en-US" dirty="0" smtClean="0"/>
-              <a:t>The scaled values replace the original numerical features in the </a:t>
-            </a:r>
-            <a:r>
-              <a:rPr lang="en-US" dirty="0" err="1" smtClean="0"/>
-              <a:t>DataFrame</a:t>
-            </a:r>
-            <a:r>
-              <a:rPr lang="en-US" dirty="0" smtClean="0"/>
-              <a:t>.</a:t>
-            </a:r>
-          </a:p>
-          <a:p>
-            <a:pPr>
-              <a:buFont typeface="Arial" pitchFamily="34" charset="0"/>
-              <a:buChar char="•"/>
-            </a:pPr>
+              <a:rPr lang="en-IN" b="1" dirty="0" smtClean="0"/>
+              <a:t>Ordered Data:</a:t>
+            </a:r>
+          </a:p>
+          <a:p>
+            <a:r>
+              <a:rPr lang="en-IN" dirty="0" smtClean="0"/>
+              <a:t>For ordinal data (e.g., </a:t>
+            </a:r>
+            <a:r>
+              <a:rPr lang="en-IN" dirty="0" err="1" smtClean="0"/>
+              <a:t>IncidentGrade</a:t>
+            </a:r>
+            <a:r>
+              <a:rPr lang="en-IN" dirty="0" smtClean="0"/>
+              <a:t>), label encoding maintains the inherent order between categories</a:t>
+            </a:r>
+          </a:p>
+          <a:p>
             <a:endParaRPr lang="en-IN" dirty="0" smtClean="0"/>
           </a:p>
           <a:p>
-            <a:r>
-              <a:rPr lang="en-US" b="1" dirty="0" smtClean="0"/>
-              <a:t>Why Use </a:t>
-            </a:r>
-            <a:r>
-              <a:rPr lang="en-US" b="1" dirty="0" err="1" smtClean="0"/>
-              <a:t>MinMaxScaler</a:t>
-            </a:r>
-            <a:r>
-              <a:rPr lang="en-US" b="1" dirty="0" smtClean="0"/>
-              <a:t>?</a:t>
-            </a:r>
-          </a:p>
-          <a:p>
-            <a:r>
-              <a:rPr lang="en-US" b="1" dirty="0" smtClean="0"/>
-              <a:t>Normalization:</a:t>
-            </a:r>
-          </a:p>
-          <a:p>
-            <a:r>
-              <a:rPr lang="en-US" dirty="0" smtClean="0"/>
-              <a:t>Scales </a:t>
-            </a:r>
-            <a:r>
-              <a:rPr lang="en-US" dirty="0" smtClean="0"/>
-              <a:t>data to a specific range ([0, 1] by default), which is beneficial for models sensitive to feature magnitude (e.g., k-NN, neural networks).</a:t>
-            </a:r>
-          </a:p>
-          <a:p>
-            <a:endParaRPr lang="en-US" b="1" dirty="0" smtClean="0"/>
-          </a:p>
-          <a:p>
-            <a:r>
-              <a:rPr lang="en-US" b="1" dirty="0" smtClean="0"/>
-              <a:t>Maintains </a:t>
-            </a:r>
-            <a:r>
-              <a:rPr lang="en-US" b="1" dirty="0" smtClean="0"/>
-              <a:t>Relationships:</a:t>
-            </a:r>
-          </a:p>
-          <a:p>
-            <a:r>
-              <a:rPr lang="en-US" dirty="0" smtClean="0"/>
-              <a:t>Does </a:t>
-            </a:r>
-            <a:r>
-              <a:rPr lang="en-US" dirty="0" smtClean="0"/>
-              <a:t>not distort the relative relationships between data points, preserving interpretability.</a:t>
-            </a:r>
-            <a:endParaRPr lang="en-IN" dirty="0" smtClean="0"/>
+            <a:endParaRPr lang="en-US" dirty="0"/>
           </a:p>
         </p:txBody>
       </p:sp>
@@ -6492,14 +6327,14 @@
       </p:grpSpPr>
       <p:sp>
         <p:nvSpPr>
-          <p:cNvPr id="2" name="Rectangle 1"/>
+          <p:cNvPr id="3" name="Rectangle 2"/>
           <p:cNvSpPr/>
           <p:nvPr/>
         </p:nvSpPr>
         <p:spPr>
           <a:xfrm>
-            <a:off x="152400" y="381000"/>
-            <a:ext cx="7619999" cy="5355312"/>
+            <a:off x="304800" y="228600"/>
+            <a:ext cx="8686800" cy="7294305"/>
           </a:xfrm>
           <a:prstGeom prst="rect">
             <a:avLst/>
@@ -6513,188 +6348,160 @@
           <a:p>
             <a:r>
               <a:rPr lang="en-US" b="1" dirty="0" smtClean="0"/>
-              <a:t>Encoding Categorical Variables </a:t>
-            </a:r>
-            <a:endParaRPr lang="en-US" b="1" dirty="0" smtClean="0"/>
+              <a:t>Data Preprocessing: </a:t>
+            </a:r>
+          </a:p>
+          <a:p>
+            <a:r>
+              <a:rPr lang="en-US" dirty="0" smtClean="0"/>
+              <a:t>• Handling Missing Data: Missing values were imputed using forward fill and mean imputation. Columns with more than 50% missing values were dropped. </a:t>
+            </a:r>
+          </a:p>
+          <a:p>
+            <a:endParaRPr lang="en-US" dirty="0" smtClean="0"/>
+          </a:p>
+          <a:p>
+            <a:r>
+              <a:rPr lang="en-US" dirty="0" smtClean="0"/>
+              <a:t>• Feature Engineering: Derived timestamp-based features and removed redundant columns. </a:t>
+            </a:r>
+          </a:p>
+          <a:p>
+            <a:endParaRPr lang="en-US" dirty="0" smtClean="0"/>
+          </a:p>
+          <a:p>
+            <a:r>
+              <a:rPr lang="en-US" dirty="0" smtClean="0"/>
+              <a:t>• Encoding Categorical Variables: Categorical features were converted into numerical formats using encoding technique. </a:t>
+            </a:r>
+          </a:p>
+          <a:p>
+            <a:r>
+              <a:rPr lang="en-US" dirty="0" smtClean="0"/>
+              <a:t>• Scaling: Standardized numerical features to ensure equal contribution during model training. </a:t>
+            </a:r>
+          </a:p>
+          <a:p>
+            <a:endParaRPr lang="en-US" dirty="0" smtClean="0"/>
+          </a:p>
+          <a:p>
+            <a:r>
+              <a:rPr lang="en-US" dirty="0" smtClean="0"/>
+              <a:t>Final Cleanup</a:t>
+            </a:r>
+          </a:p>
+          <a:p>
+            <a:endParaRPr lang="en-US" dirty="0" smtClean="0"/>
+          </a:p>
+          <a:p>
+            <a:pPr>
+              <a:buFont typeface="Arial" pitchFamily="34" charset="0"/>
+              <a:buChar char="•"/>
+            </a:pPr>
+            <a:r>
+              <a:rPr lang="en-US" dirty="0" smtClean="0"/>
+              <a:t>Removed duplicated columns to prevent redundancy:</a:t>
+            </a:r>
+          </a:p>
+          <a:p>
+            <a:endParaRPr lang="en-IN" dirty="0" smtClean="0"/>
+          </a:p>
+          <a:p>
+            <a:r>
+              <a:rPr lang="en-US" b="1" dirty="0" err="1" smtClean="0"/>
+              <a:t>train_df.drop_duplicates</a:t>
+            </a:r>
+            <a:r>
+              <a:rPr lang="en-US" b="1" dirty="0" smtClean="0"/>
+              <a:t>(</a:t>
+            </a:r>
+            <a:r>
+              <a:rPr lang="en-US" b="1" dirty="0" err="1" smtClean="0"/>
+              <a:t>inplace</a:t>
+            </a:r>
+            <a:r>
+              <a:rPr lang="en-US" b="1" dirty="0" smtClean="0"/>
+              <a:t>=True)</a:t>
+            </a:r>
           </a:p>
           <a:p>
             <a:endParaRPr lang="en-IN" b="1" dirty="0" smtClean="0"/>
           </a:p>
           <a:p>
-            <a:r>
-              <a:rPr lang="en-US" b="1" dirty="0" smtClean="0"/>
-              <a:t>label encoding </a:t>
-            </a:r>
-            <a:r>
-              <a:rPr lang="en-US" dirty="0" smtClean="0"/>
-              <a:t>to convert categorical features into numerical </a:t>
-            </a:r>
-            <a:r>
-              <a:rPr lang="en-US" dirty="0" smtClean="0"/>
-              <a:t>values</a:t>
+            <a:pPr>
+              <a:buFont typeface="Arial" pitchFamily="34" charset="0"/>
+              <a:buChar char="•"/>
+            </a:pPr>
+            <a:r>
+              <a:rPr lang="en-US" dirty="0" smtClean="0"/>
+              <a:t>Dataset saves the cleaned and preprocessed </a:t>
+            </a:r>
+            <a:r>
+              <a:rPr lang="en-US" dirty="0" err="1" smtClean="0"/>
+              <a:t>DataFrame</a:t>
+            </a:r>
+            <a:r>
+              <a:rPr lang="en-US" dirty="0" smtClean="0"/>
+              <a:t> as a CSV file</a:t>
+            </a:r>
+          </a:p>
+          <a:p>
+            <a:endParaRPr lang="en-US" dirty="0" smtClean="0"/>
+          </a:p>
+          <a:p>
+            <a:r>
+              <a:rPr lang="en-US" dirty="0" smtClean="0"/>
+              <a:t>path = </a:t>
+            </a:r>
+            <a:r>
+              <a:rPr lang="en-US" dirty="0" err="1" smtClean="0"/>
+              <a:t>r"C</a:t>
+            </a:r>
+            <a:r>
+              <a:rPr lang="en-US" dirty="0" smtClean="0"/>
+              <a:t>:\\Users\\</a:t>
+            </a:r>
+            <a:r>
+              <a:rPr lang="en-US" dirty="0" err="1" smtClean="0"/>
+              <a:t>prem</a:t>
+            </a:r>
+            <a:r>
+              <a:rPr lang="en-US" dirty="0" smtClean="0"/>
+              <a:t>\\Desktop\\</a:t>
+            </a:r>
+            <a:r>
+              <a:rPr lang="en-US" dirty="0" err="1" smtClean="0"/>
+              <a:t>Ranjana</a:t>
+            </a:r>
+            <a:r>
+              <a:rPr lang="en-US" dirty="0" smtClean="0"/>
+              <a:t>\\4.Classifying </a:t>
+            </a:r>
+            <a:r>
+              <a:rPr lang="en-US" dirty="0" err="1" smtClean="0"/>
+              <a:t>Cybersecurity</a:t>
+            </a:r>
+            <a:r>
+              <a:rPr lang="en-US" dirty="0" smtClean="0"/>
+              <a:t>\\</a:t>
+            </a:r>
+            <a:r>
+              <a:rPr lang="en-US" dirty="0" err="1" smtClean="0"/>
+              <a:t>Cleaned_dataset</a:t>
+            </a:r>
+            <a:r>
+              <a:rPr lang="en-US" dirty="0" smtClean="0"/>
+              <a:t>\\Train_dataset.csv“</a:t>
             </a:r>
           </a:p>
           <a:p>
             <a:endParaRPr lang="en-IN" dirty="0" smtClean="0"/>
           </a:p>
           <a:p>
-            <a:pPr>
-              <a:buFont typeface="Arial" pitchFamily="34" charset="0"/>
-              <a:buChar char="•"/>
-            </a:pPr>
-            <a:r>
-              <a:rPr lang="en-IN" dirty="0" err="1" smtClean="0"/>
-              <a:t>categorical_columns</a:t>
-            </a:r>
-            <a:r>
-              <a:rPr lang="en-IN" dirty="0" smtClean="0"/>
-              <a:t> = ['Category', '</a:t>
-            </a:r>
-            <a:r>
-              <a:rPr lang="en-IN" dirty="0" err="1" smtClean="0"/>
-              <a:t>IncidentGrade</a:t>
-            </a:r>
-            <a:r>
-              <a:rPr lang="en-IN" dirty="0" smtClean="0"/>
-              <a:t>', '</a:t>
-            </a:r>
-            <a:r>
-              <a:rPr lang="en-IN" dirty="0" err="1" smtClean="0"/>
-              <a:t>EntityType</a:t>
-            </a:r>
-            <a:r>
-              <a:rPr lang="en-IN" dirty="0" smtClean="0"/>
-              <a:t>', '</a:t>
-            </a:r>
-            <a:r>
-              <a:rPr lang="en-IN" dirty="0" err="1" smtClean="0"/>
-              <a:t>EvidenceRole</a:t>
-            </a:r>
-            <a:r>
-              <a:rPr lang="en-IN" dirty="0" smtClean="0"/>
-              <a:t>']</a:t>
-            </a:r>
-          </a:p>
-          <a:p>
-            <a:pPr>
-              <a:buFont typeface="Arial" pitchFamily="34" charset="0"/>
-              <a:buChar char="•"/>
-            </a:pPr>
-            <a:r>
-              <a:rPr lang="en-US" dirty="0" smtClean="0"/>
-              <a:t>Creates an instance of the </a:t>
-            </a:r>
-            <a:r>
-              <a:rPr lang="en-US" dirty="0" err="1" smtClean="0"/>
-              <a:t>LabelEncoder</a:t>
-            </a:r>
-            <a:r>
-              <a:rPr lang="en-US" dirty="0" smtClean="0"/>
-              <a:t> class, which will be used to convert categorical labels into numeric labels</a:t>
-            </a:r>
-            <a:r>
-              <a:rPr lang="en-US" dirty="0" smtClean="0"/>
-              <a:t>.</a:t>
-            </a:r>
-          </a:p>
-          <a:p>
-            <a:pPr>
-              <a:buFont typeface="Arial" pitchFamily="34" charset="0"/>
-              <a:buChar char="•"/>
-            </a:pPr>
-            <a:r>
-              <a:rPr lang="en-US" dirty="0" smtClean="0"/>
-              <a:t>Loops through each column in the </a:t>
-            </a:r>
-            <a:r>
-              <a:rPr lang="en-US" dirty="0" err="1" smtClean="0"/>
-              <a:t>categorical_columns</a:t>
-            </a:r>
-            <a:r>
-              <a:rPr lang="en-US" dirty="0" smtClean="0"/>
-              <a:t> list.</a:t>
-            </a:r>
-          </a:p>
-          <a:p>
-            <a:pPr>
-              <a:buFont typeface="Arial" pitchFamily="34" charset="0"/>
-              <a:buChar char="•"/>
-            </a:pPr>
-            <a:r>
-              <a:rPr lang="en-US" dirty="0" smtClean="0"/>
-              <a:t>if </a:t>
-            </a:r>
-            <a:r>
-              <a:rPr lang="en-US" dirty="0" err="1" smtClean="0"/>
-              <a:t>col</a:t>
-            </a:r>
-            <a:r>
-              <a:rPr lang="en-US" dirty="0" smtClean="0"/>
-              <a:t> in </a:t>
-            </a:r>
-            <a:r>
-              <a:rPr lang="en-US" dirty="0" err="1" smtClean="0"/>
-              <a:t>train_df.columns</a:t>
-            </a:r>
-            <a:r>
-              <a:rPr lang="en-US" dirty="0" smtClean="0"/>
-              <a:t>: Checks if the column exists in the </a:t>
-            </a:r>
-            <a:r>
-              <a:rPr lang="en-US" dirty="0" err="1" smtClean="0"/>
-              <a:t>DataFrame</a:t>
-            </a:r>
-            <a:r>
-              <a:rPr lang="en-US" dirty="0" smtClean="0"/>
-              <a:t> to avoid errors.</a:t>
-            </a:r>
-          </a:p>
-          <a:p>
-            <a:pPr>
-              <a:buFont typeface="Arial" pitchFamily="34" charset="0"/>
-              <a:buChar char="•"/>
-            </a:pPr>
-            <a:r>
-              <a:rPr lang="en-US" dirty="0" smtClean="0"/>
-              <a:t>.</a:t>
-            </a:r>
-            <a:r>
-              <a:rPr lang="en-US" dirty="0" err="1" smtClean="0"/>
-              <a:t>astype</a:t>
-            </a:r>
-            <a:r>
-              <a:rPr lang="en-US" dirty="0" smtClean="0"/>
-              <a:t>(</a:t>
-            </a:r>
-            <a:r>
-              <a:rPr lang="en-US" dirty="0" err="1" smtClean="0"/>
-              <a:t>str</a:t>
-            </a:r>
-            <a:r>
-              <a:rPr lang="en-US" dirty="0" smtClean="0"/>
-              <a:t>): Ensures the column is of string type before encoding (some categorical variables might have numeric representations, and label encoding requires them to be in string form).</a:t>
-            </a:r>
-          </a:p>
-          <a:p>
-            <a:pPr>
-              <a:buFont typeface="Arial" pitchFamily="34" charset="0"/>
-              <a:buChar char="•"/>
-            </a:pPr>
-            <a:r>
-              <a:rPr lang="en-US" dirty="0" err="1" smtClean="0"/>
-              <a:t>label_encoder.fit_transform</a:t>
-            </a:r>
-            <a:r>
-              <a:rPr lang="en-US" dirty="0" smtClean="0"/>
-              <a:t>(): Encodes the categorical values as integers. It assigns a unique integer to each unique category in the column</a:t>
-            </a:r>
-            <a:r>
-              <a:rPr lang="en-US" dirty="0" smtClean="0"/>
-              <a:t>.</a:t>
-            </a:r>
-          </a:p>
-          <a:p>
-            <a:endParaRPr lang="en-IN" dirty="0" smtClean="0"/>
+            <a:endParaRPr lang="en-US" dirty="0" smtClean="0"/>
+          </a:p>
+          <a:p>
+            <a:endParaRPr lang="en-US" dirty="0"/>
           </a:p>
         </p:txBody>
       </p:sp>
@@ -6731,8 +6538,8 @@
         </p:nvSpPr>
         <p:spPr>
           <a:xfrm>
-            <a:off x="152400" y="76201"/>
-            <a:ext cx="8839200" cy="5355312"/>
+            <a:off x="152400" y="228600"/>
+            <a:ext cx="9067800" cy="5909310"/>
           </a:xfrm>
           <a:prstGeom prst="rect">
             <a:avLst/>
@@ -6745,158 +6552,87 @@
           <a:lstStyle/>
           <a:p>
             <a:r>
-              <a:rPr lang="en-IN" b="1" dirty="0" smtClean="0"/>
-              <a:t>Why Use Label Encoding</a:t>
-            </a:r>
-            <a:r>
-              <a:rPr lang="en-IN" b="1" dirty="0" smtClean="0"/>
-              <a:t>?</a:t>
-            </a:r>
-            <a:endParaRPr lang="en-IN" b="1" dirty="0" smtClean="0"/>
-          </a:p>
-          <a:p>
-            <a:pPr>
-              <a:buFont typeface="Arial" pitchFamily="34" charset="0"/>
-              <a:buChar char="•"/>
-            </a:pPr>
-            <a:r>
-              <a:rPr lang="en-IN" b="1" dirty="0" smtClean="0"/>
-              <a:t>Efficient Transformation</a:t>
-            </a:r>
-            <a:r>
-              <a:rPr lang="en-IN" b="1" dirty="0" smtClean="0"/>
-              <a:t>:</a:t>
-            </a:r>
-          </a:p>
-          <a:p>
-            <a:endParaRPr lang="en-IN" b="1" dirty="0" smtClean="0"/>
-          </a:p>
-          <a:p>
-            <a:r>
-              <a:rPr lang="en-IN" dirty="0" smtClean="0"/>
-              <a:t>Converts </a:t>
-            </a:r>
-            <a:r>
-              <a:rPr lang="en-IN" dirty="0" smtClean="0"/>
-              <a:t>categorical values (such as strings) into integers (e.g., "Low</a:t>
-            </a:r>
-            <a:r>
-              <a:rPr lang="en-IN" dirty="0" smtClean="0"/>
-              <a:t>", "</a:t>
-            </a:r>
-            <a:r>
-              <a:rPr lang="en-IN" dirty="0" smtClean="0"/>
-              <a:t>Medium", </a:t>
-            </a:r>
-            <a:r>
-              <a:rPr lang="en-IN" dirty="0" smtClean="0"/>
-              <a:t>  "</a:t>
-            </a:r>
-            <a:r>
-              <a:rPr lang="en-IN" dirty="0" smtClean="0"/>
-              <a:t>High" becomes 0, 1, 2</a:t>
-            </a:r>
-            <a:r>
-              <a:rPr lang="en-IN" dirty="0" smtClean="0"/>
-              <a:t>).</a:t>
-            </a:r>
-          </a:p>
-          <a:p>
-            <a:endParaRPr lang="en-IN" b="1" dirty="0" smtClean="0"/>
-          </a:p>
-          <a:p>
-            <a:pPr>
-              <a:buFont typeface="Arial" pitchFamily="34" charset="0"/>
-              <a:buChar char="•"/>
-            </a:pPr>
-            <a:r>
-              <a:rPr lang="en-IN" b="1" dirty="0" smtClean="0"/>
-              <a:t>Model </a:t>
-            </a:r>
-            <a:r>
-              <a:rPr lang="en-IN" b="1" dirty="0" smtClean="0"/>
-              <a:t>Compatibility:</a:t>
-            </a:r>
-          </a:p>
-          <a:p>
-            <a:pPr>
-              <a:buFont typeface="Arial" pitchFamily="34" charset="0"/>
-              <a:buChar char="•"/>
-            </a:pPr>
-            <a:endParaRPr lang="en-IN" b="1" dirty="0" smtClean="0"/>
-          </a:p>
-          <a:p>
-            <a:pPr>
-              <a:buFont typeface="Arial" pitchFamily="34" charset="0"/>
-              <a:buChar char="•"/>
-            </a:pPr>
-            <a:endParaRPr lang="en-IN" b="1" dirty="0" smtClean="0"/>
-          </a:p>
-          <a:p>
-            <a:r>
-              <a:rPr lang="en-IN" dirty="0" smtClean="0"/>
-              <a:t>Many </a:t>
-            </a:r>
-            <a:r>
-              <a:rPr lang="en-IN" dirty="0" smtClean="0"/>
-              <a:t>machine learning models (e.g., decision trees, random forests) </a:t>
-            </a:r>
-            <a:r>
-              <a:rPr lang="en-IN" dirty="0" smtClean="0"/>
-              <a:t>can directly  work </a:t>
-            </a:r>
-            <a:r>
-              <a:rPr lang="en-IN" dirty="0" smtClean="0"/>
-              <a:t>with numeric values, and label encoding provides a simple transformation</a:t>
-            </a:r>
-            <a:r>
-              <a:rPr lang="en-IN" dirty="0" smtClean="0"/>
-              <a:t>.</a:t>
-            </a:r>
-          </a:p>
-          <a:p>
+              <a:rPr lang="en-US" b="1" dirty="0" smtClean="0"/>
+              <a:t>Export and Repeat for Test Data</a:t>
+            </a:r>
+          </a:p>
+          <a:p>
+            <a:endParaRPr lang="en-US" dirty="0" smtClean="0"/>
+          </a:p>
+          <a:p>
+            <a:r>
+              <a:rPr lang="en-US" dirty="0" smtClean="0"/>
+              <a:t>The processed dataset was saved as test_df.csv, and  the same preprocessing steps were applied to the test data.</a:t>
+            </a:r>
+          </a:p>
+          <a:p>
+            <a:r>
+              <a:rPr lang="en-US" b="1" dirty="0" smtClean="0"/>
+              <a:t>Data Exploration: </a:t>
+            </a:r>
+          </a:p>
+          <a:p>
+            <a:r>
+              <a:rPr lang="en-US" dirty="0" smtClean="0"/>
+              <a:t>• Data Loading: The dataset was loaded in chunks to handle its large size. </a:t>
+            </a:r>
+          </a:p>
+          <a:p>
+            <a:r>
+              <a:rPr lang="en-US" dirty="0" smtClean="0"/>
+              <a:t>• Summary Statistics: The data was </a:t>
+            </a:r>
+            <a:r>
+              <a:rPr lang="en-US" dirty="0" err="1" smtClean="0"/>
+              <a:t>analysed</a:t>
+            </a:r>
+            <a:r>
+              <a:rPr lang="en-US" dirty="0" smtClean="0"/>
+              <a:t> to check its structure, data types, and missing values. </a:t>
+            </a:r>
+          </a:p>
+          <a:p>
+            <a:r>
+              <a:rPr lang="en-US" dirty="0" smtClean="0"/>
+              <a:t>• Visualizations: The distribution of key features, including the target variable (Incident Grade), was visualized to understand class imbalances. </a:t>
+            </a:r>
+          </a:p>
+          <a:p>
+            <a:r>
+              <a:rPr lang="en-US" dirty="0" smtClean="0"/>
+              <a:t>• Class Imbalance: The Benign Positive class is significantly overrepresented compared to the other classes. </a:t>
+            </a:r>
+          </a:p>
+          <a:p>
+            <a:r>
+              <a:rPr lang="en-US" b="1" dirty="0" smtClean="0"/>
+              <a:t>Data Preprocessing: </a:t>
+            </a:r>
+          </a:p>
+          <a:p>
+            <a:r>
+              <a:rPr lang="en-US" dirty="0" smtClean="0"/>
+              <a:t>• Handling Missing Data: Missing values were imputed using forward fill and mean imputation. Columns with more than 50% missing values were dropped. </a:t>
+            </a:r>
+          </a:p>
+          <a:p>
+            <a:r>
+              <a:rPr lang="en-US" dirty="0" smtClean="0"/>
+              <a:t>• Feature Engineering: Derived timestamp-based features and removed redundant columns. </a:t>
+            </a:r>
+          </a:p>
+          <a:p>
+            <a:r>
+              <a:rPr lang="en-US" dirty="0" smtClean="0"/>
+              <a:t>Encoding Categorical Variables: Categorical features were converted into numerical formats using encoding technique. </a:t>
+            </a:r>
+          </a:p>
+          <a:p>
+            <a:r>
+              <a:rPr lang="en-US" dirty="0" smtClean="0"/>
+              <a:t>• Scaling: Standardized numerical features to ensure equal contribution during model training. </a:t>
+            </a:r>
             <a:endParaRPr lang="en-IN" dirty="0" smtClean="0"/>
-          </a:p>
-          <a:p>
-            <a:endParaRPr lang="en-IN" dirty="0" smtClean="0"/>
-          </a:p>
-          <a:p>
-            <a:pPr>
-              <a:buFont typeface="Arial" pitchFamily="34" charset="0"/>
-              <a:buChar char="•"/>
-            </a:pPr>
-            <a:r>
-              <a:rPr lang="en-IN" b="1" dirty="0" smtClean="0"/>
-              <a:t>Ordered Data:</a:t>
-            </a:r>
-          </a:p>
-          <a:p>
-            <a:r>
-              <a:rPr lang="en-IN" dirty="0" smtClean="0"/>
-              <a:t>For </a:t>
-            </a:r>
-            <a:r>
-              <a:rPr lang="en-IN" dirty="0" smtClean="0"/>
-              <a:t>ordinal data (e.g., </a:t>
-            </a:r>
-            <a:r>
-              <a:rPr lang="en-IN" dirty="0" err="1" smtClean="0"/>
-              <a:t>IncidentGrade</a:t>
-            </a:r>
-            <a:r>
-              <a:rPr lang="en-IN" dirty="0" smtClean="0"/>
-              <a:t>), label encoding maintains the inherent order between </a:t>
-            </a:r>
-            <a:r>
-              <a:rPr lang="en-IN" dirty="0" smtClean="0"/>
-              <a:t>categories</a:t>
-            </a:r>
-          </a:p>
-          <a:p>
-            <a:endParaRPr lang="en-IN" dirty="0" smtClean="0"/>
-          </a:p>
-          <a:p>
-            <a:endParaRPr lang="en-US" dirty="0"/>
           </a:p>
         </p:txBody>
       </p:sp>
@@ -6927,14 +6663,14 @@
       </p:grpSpPr>
       <p:sp>
         <p:nvSpPr>
-          <p:cNvPr id="3" name="Rectangle 2"/>
+          <p:cNvPr id="2" name="Rectangle 1"/>
           <p:cNvSpPr/>
           <p:nvPr/>
         </p:nvSpPr>
         <p:spPr>
           <a:xfrm>
-            <a:off x="304800" y="228600"/>
-            <a:ext cx="8686800" cy="7294305"/>
+            <a:off x="304800" y="381000"/>
+            <a:ext cx="8763000" cy="5355312"/>
           </a:xfrm>
           <a:prstGeom prst="rect">
             <a:avLst/>
@@ -6948,179 +6684,122 @@
           <a:p>
             <a:r>
               <a:rPr lang="en-US" b="1" dirty="0" smtClean="0"/>
-              <a:t>Data Preprocessing: </a:t>
-            </a:r>
-          </a:p>
-          <a:p>
-            <a:r>
-              <a:rPr lang="en-US" dirty="0" smtClean="0"/>
-              <a:t>• Handling Missing Data: Missing values were imputed using forward fill and mean imputation. Columns with more than 50% missing values were dropped. </a:t>
-            </a:r>
-          </a:p>
-          <a:p>
+              <a:t>Data Splitting: </a:t>
+            </a:r>
+            <a:endParaRPr lang="en-US" b="1" dirty="0" smtClean="0"/>
+          </a:p>
+          <a:p>
+            <a:endParaRPr lang="en-US" b="1" dirty="0" smtClean="0"/>
+          </a:p>
+          <a:p>
+            <a:r>
+              <a:rPr lang="en-US" dirty="0" smtClean="0"/>
+              <a:t>Split the data into training and validation sets to evaluate model performance. </a:t>
+            </a:r>
             <a:endParaRPr lang="en-US" dirty="0" smtClean="0"/>
           </a:p>
           <a:p>
-            <a:r>
-              <a:rPr lang="en-US" dirty="0" smtClean="0"/>
-              <a:t>• Feature Engineering: Derived timestamp-based features and removed redundant columns. </a:t>
-            </a:r>
-          </a:p>
-          <a:p>
             <a:endParaRPr lang="en-US" dirty="0" smtClean="0"/>
           </a:p>
           <a:p>
             <a:r>
-              <a:rPr lang="en-US" dirty="0" smtClean="0"/>
-              <a:t>• Encoding Categorical Variables: Categorical features were converted into numerical formats using encoding technique. </a:t>
-            </a:r>
-          </a:p>
-          <a:p>
-            <a:r>
-              <a:rPr lang="en-US" dirty="0" smtClean="0"/>
-              <a:t>• Scaling: Standardized numerical features to ensure equal contribution during model training. </a:t>
-            </a:r>
-          </a:p>
-          <a:p>
+              <a:rPr lang="en-US" b="1" dirty="0" smtClean="0"/>
+              <a:t>Train-Validation Split: Data was split into 80% for training and 20% for validation, while maintaining the balance between classes. </a:t>
+            </a:r>
+            <a:endParaRPr lang="en-US" b="1" dirty="0" smtClean="0"/>
+          </a:p>
+          <a:p>
+            <a:endParaRPr lang="en-US" b="1" dirty="0" smtClean="0"/>
+          </a:p>
+          <a:p>
+            <a:r>
+              <a:rPr lang="en-US" b="1" dirty="0" smtClean="0"/>
+              <a:t>Model Selection and Training: </a:t>
+            </a:r>
+            <a:endParaRPr lang="en-US" b="1" dirty="0" smtClean="0"/>
+          </a:p>
+          <a:p>
+            <a:endParaRPr lang="en-US" b="1" dirty="0" smtClean="0"/>
+          </a:p>
+          <a:p>
+            <a:r>
+              <a:rPr lang="en-US" dirty="0" smtClean="0"/>
+              <a:t>• </a:t>
+            </a:r>
+            <a:r>
+              <a:rPr lang="en-US" b="1" dirty="0" smtClean="0"/>
+              <a:t>Logistic Regression: </a:t>
+            </a:r>
+            <a:r>
+              <a:rPr lang="en-US" dirty="0" smtClean="0"/>
+              <a:t>A simple model used as a baseline for comparison</a:t>
+            </a:r>
+            <a:r>
+              <a:rPr lang="en-US" b="1" dirty="0" smtClean="0"/>
+              <a:t>. </a:t>
+            </a:r>
+            <a:endParaRPr lang="en-US" b="1" dirty="0" smtClean="0"/>
+          </a:p>
+          <a:p>
+            <a:endParaRPr lang="en-US" b="1" dirty="0" smtClean="0"/>
+          </a:p>
+          <a:p>
+            <a:r>
+              <a:rPr lang="en-US" dirty="0" smtClean="0"/>
+              <a:t>• </a:t>
+            </a:r>
+            <a:r>
+              <a:rPr lang="en-US" b="1" dirty="0" smtClean="0"/>
+              <a:t>Decision Tree: </a:t>
+            </a:r>
+            <a:r>
+              <a:rPr lang="en-US" dirty="0" smtClean="0"/>
+              <a:t>A non-linear model that works well for small datasets and easy interpretability. </a:t>
+            </a:r>
             <a:endParaRPr lang="en-US" dirty="0" smtClean="0"/>
           </a:p>
           <a:p>
-            <a:r>
-              <a:rPr lang="en-US" dirty="0" smtClean="0"/>
-              <a:t>Final Cleanup</a:t>
-            </a:r>
-          </a:p>
-          <a:p>
+            <a:endParaRPr lang="en-US" b="1" dirty="0" smtClean="0"/>
+          </a:p>
+          <a:p>
+            <a:r>
+              <a:rPr lang="en-US" dirty="0" smtClean="0"/>
+              <a:t>• </a:t>
+            </a:r>
+            <a:r>
+              <a:rPr lang="en-US" b="1" dirty="0" smtClean="0"/>
+              <a:t>Random Forest: </a:t>
+            </a:r>
+            <a:r>
+              <a:rPr lang="en-US" dirty="0" smtClean="0"/>
+              <a:t>An ensemble of decision trees that provides more accuracy and stability. </a:t>
+            </a:r>
             <a:endParaRPr lang="en-US" dirty="0" smtClean="0"/>
           </a:p>
           <a:p>
-            <a:pPr>
-              <a:buFont typeface="Arial" pitchFamily="34" charset="0"/>
-              <a:buChar char="•"/>
-            </a:pPr>
-            <a:r>
-              <a:rPr lang="en-US" dirty="0" smtClean="0"/>
-              <a:t>Removed duplicated columns to prevent redundancy</a:t>
-            </a:r>
-            <a:r>
-              <a:rPr lang="en-US" dirty="0" smtClean="0"/>
-              <a:t>:</a:t>
-            </a:r>
-          </a:p>
-          <a:p>
-            <a:endParaRPr lang="en-IN" dirty="0" smtClean="0"/>
-          </a:p>
-          <a:p>
+            <a:endParaRPr lang="en-US" b="1" dirty="0" smtClean="0"/>
+          </a:p>
+          <a:p>
+            <a:r>
+              <a:rPr lang="en-US" dirty="0" smtClean="0"/>
+              <a:t>• </a:t>
+            </a:r>
             <a:r>
               <a:rPr lang="en-US" b="1" dirty="0" err="1" smtClean="0"/>
-              <a:t>train_df.drop_duplicates</a:t>
+              <a:t>XGBoost</a:t>
             </a:r>
             <a:r>
               <a:rPr lang="en-US" b="1" dirty="0" smtClean="0"/>
-              <a:t>(</a:t>
-            </a:r>
-            <a:r>
-              <a:rPr lang="en-US" b="1" dirty="0" err="1" smtClean="0"/>
-              <a:t>inplace</a:t>
+              <a:t>: </a:t>
+            </a:r>
+            <a:r>
+              <a:rPr lang="en-US" dirty="0" smtClean="0"/>
+              <a:t>A powerful algorithm that handles large datasets efficiently</a:t>
             </a:r>
             <a:r>
               <a:rPr lang="en-US" b="1" dirty="0" smtClean="0"/>
-              <a:t>=True</a:t>
-            </a:r>
-            <a:r>
-              <a:rPr lang="en-US" b="1" dirty="0" smtClean="0"/>
-              <a:t>)</a:t>
-            </a:r>
-          </a:p>
-          <a:p>
-            <a:endParaRPr lang="en-IN" b="1" dirty="0" smtClean="0"/>
-          </a:p>
-          <a:p>
-            <a:pPr>
-              <a:buFont typeface="Arial" pitchFamily="34" charset="0"/>
-              <a:buChar char="•"/>
-            </a:pPr>
-            <a:r>
-              <a:rPr lang="en-US" dirty="0" smtClean="0"/>
-              <a:t>Dataset saves </a:t>
-            </a:r>
-            <a:r>
-              <a:rPr lang="en-US" dirty="0" smtClean="0"/>
-              <a:t>the cleaned and preprocessed </a:t>
-            </a:r>
-            <a:r>
-              <a:rPr lang="en-US" dirty="0" err="1" smtClean="0"/>
-              <a:t>DataFrame</a:t>
-            </a:r>
-            <a:r>
-              <a:rPr lang="en-US" dirty="0" smtClean="0"/>
-              <a:t> as a CSV </a:t>
-            </a:r>
-            <a:r>
-              <a:rPr lang="en-US" dirty="0" smtClean="0"/>
-              <a:t>file</a:t>
-            </a:r>
-          </a:p>
-          <a:p>
-            <a:endParaRPr lang="en-US" dirty="0" smtClean="0"/>
-          </a:p>
-          <a:p>
-            <a:r>
-              <a:rPr lang="en-US" dirty="0" smtClean="0"/>
-              <a:t>path = </a:t>
-            </a:r>
-            <a:r>
-              <a:rPr lang="en-US" dirty="0" err="1" smtClean="0"/>
-              <a:t>r"C</a:t>
-            </a:r>
-            <a:r>
-              <a:rPr lang="en-US" dirty="0" smtClean="0"/>
-              <a:t>:\\Users\\</a:t>
-            </a:r>
-            <a:r>
-              <a:rPr lang="en-US" dirty="0" err="1" smtClean="0"/>
-              <a:t>prem</a:t>
-            </a:r>
-            <a:r>
-              <a:rPr lang="en-US" dirty="0" smtClean="0"/>
-              <a:t>\\Desktop\\</a:t>
-            </a:r>
-            <a:r>
-              <a:rPr lang="en-US" dirty="0" err="1" smtClean="0"/>
-              <a:t>Ranjana</a:t>
-            </a:r>
-            <a:r>
-              <a:rPr lang="en-US" dirty="0" smtClean="0"/>
-              <a:t>\\4.Classifying </a:t>
-            </a:r>
-            <a:r>
-              <a:rPr lang="en-US" dirty="0" err="1" smtClean="0"/>
-              <a:t>Cybersecurity</a:t>
-            </a:r>
-            <a:r>
-              <a:rPr lang="en-US" dirty="0" smtClean="0"/>
-              <a:t>\\</a:t>
-            </a:r>
-            <a:r>
-              <a:rPr lang="en-US" dirty="0" err="1" smtClean="0"/>
-              <a:t>Cleaned_dataset</a:t>
-            </a:r>
-            <a:r>
-              <a:rPr lang="en-US" dirty="0" smtClean="0"/>
-              <a:t>\\</a:t>
-            </a:r>
-            <a:r>
-              <a:rPr lang="en-US" dirty="0" smtClean="0"/>
-              <a:t>Train_dataset.csv“</a:t>
-            </a:r>
-          </a:p>
-          <a:p>
-            <a:endParaRPr lang="en-IN" dirty="0" smtClean="0"/>
-          </a:p>
-          <a:p>
-            <a:endParaRPr lang="en-US" dirty="0" smtClean="0"/>
-          </a:p>
-          <a:p>
+              <a:t>. </a:t>
+            </a:r>
             <a:endParaRPr lang="en-US" dirty="0"/>
           </a:p>
         </p:txBody>
@@ -7150,16 +6829,452 @@
           <a:chExt cx="0" cy="0"/>
         </a:xfrm>
       </p:grpSpPr>
-      <p:sp>
-        <p:nvSpPr>
-          <p:cNvPr id="2" name="Rectangle 1"/>
+      <p:graphicFrame>
+        <p:nvGraphicFramePr>
+          <p:cNvPr id="7" name="Table 6"/>
+          <p:cNvGraphicFramePr>
+            <a:graphicFrameLocks noGrp="1"/>
+          </p:cNvGraphicFramePr>
+          <p:nvPr/>
+        </p:nvGraphicFramePr>
+        <p:xfrm>
+          <a:off x="152399" y="304802"/>
+          <a:ext cx="8839201" cy="2840946"/>
+        </p:xfrm>
+        <a:graphic>
+          <a:graphicData uri="http://schemas.openxmlformats.org/drawingml/2006/table">
+            <a:tbl>
+              <a:tblPr firstRow="1" bandRow="1">
+                <a:tableStyleId>{5C22544A-7EE6-4342-B048-85BDC9FD1C3A}</a:tableStyleId>
+              </a:tblPr>
+              <a:tblGrid>
+                <a:gridCol w="2403642"/>
+                <a:gridCol w="1287112"/>
+                <a:gridCol w="2046973"/>
+                <a:gridCol w="1705811"/>
+                <a:gridCol w="1395663"/>
+              </a:tblGrid>
+              <a:tr h="530985">
+                <a:tc>
+                  <a:txBody>
+                    <a:bodyPr/>
+                    <a:lstStyle/>
+                    <a:p>
+                      <a:r>
+                        <a:rPr lang="en-US" dirty="0" smtClean="0"/>
+                        <a:t>Model</a:t>
+                      </a:r>
+                      <a:endParaRPr lang="en-US" dirty="0"/>
+                    </a:p>
+                  </a:txBody>
+                  <a:tcPr/>
+                </a:tc>
+                <a:tc>
+                  <a:txBody>
+                    <a:bodyPr/>
+                    <a:lstStyle/>
+                    <a:p>
+                      <a:r>
+                        <a:rPr lang="en-US" dirty="0" smtClean="0"/>
+                        <a:t>Accuracy</a:t>
+                      </a:r>
+                      <a:endParaRPr lang="en-US" dirty="0"/>
+                    </a:p>
+                  </a:txBody>
+                  <a:tcPr/>
+                </a:tc>
+                <a:tc>
+                  <a:txBody>
+                    <a:bodyPr/>
+                    <a:lstStyle/>
+                    <a:p>
+                      <a:r>
+                        <a:rPr lang="en-US" dirty="0" smtClean="0"/>
+                        <a:t>Macro-F1 Score</a:t>
+                      </a:r>
+                      <a:endParaRPr lang="en-US" dirty="0"/>
+                    </a:p>
+                  </a:txBody>
+                  <a:tcPr/>
+                </a:tc>
+                <a:tc>
+                  <a:txBody>
+                    <a:bodyPr/>
+                    <a:lstStyle/>
+                    <a:p>
+                      <a:r>
+                        <a:rPr lang="en-US" dirty="0" smtClean="0"/>
+                        <a:t>Precision</a:t>
+                      </a:r>
+                      <a:endParaRPr lang="en-US" dirty="0"/>
+                    </a:p>
+                  </a:txBody>
+                  <a:tcPr/>
+                </a:tc>
+                <a:tc>
+                  <a:txBody>
+                    <a:bodyPr/>
+                    <a:lstStyle/>
+                    <a:p>
+                      <a:r>
+                        <a:rPr lang="en-US" dirty="0" smtClean="0"/>
+                        <a:t>Recall</a:t>
+                      </a:r>
+                      <a:endParaRPr lang="en-US" dirty="0"/>
+                    </a:p>
+                  </a:txBody>
+                  <a:tcPr/>
+                </a:tc>
+              </a:tr>
+              <a:tr h="717006">
+                <a:tc>
+                  <a:txBody>
+                    <a:bodyPr/>
+                    <a:lstStyle/>
+                    <a:p>
+                      <a:r>
+                        <a:rPr lang="en-US" dirty="0" smtClean="0"/>
+                        <a:t>Logistic Regression</a:t>
+                      </a:r>
+                      <a:endParaRPr lang="en-US" dirty="0"/>
+                    </a:p>
+                  </a:txBody>
+                  <a:tcPr/>
+                </a:tc>
+                <a:tc>
+                  <a:txBody>
+                    <a:bodyPr/>
+                    <a:lstStyle/>
+                    <a:p>
+                      <a:r>
+                        <a:rPr lang="en-US" dirty="0" smtClean="0"/>
+                        <a:t>0.91</a:t>
+                      </a:r>
+                      <a:endParaRPr lang="en-US" dirty="0"/>
+                    </a:p>
+                  </a:txBody>
+                  <a:tcPr/>
+                </a:tc>
+                <a:tc>
+                  <a:txBody>
+                    <a:bodyPr/>
+                    <a:lstStyle/>
+                    <a:p>
+                      <a:r>
+                        <a:rPr lang="en-US" dirty="0" smtClean="0"/>
+                        <a:t>0.76</a:t>
+                      </a:r>
+                      <a:endParaRPr lang="en-US" dirty="0"/>
+                    </a:p>
+                  </a:txBody>
+                  <a:tcPr/>
+                </a:tc>
+                <a:tc>
+                  <a:txBody>
+                    <a:bodyPr/>
+                    <a:lstStyle/>
+                    <a:p>
+                      <a:r>
+                        <a:rPr lang="en-US" dirty="0" smtClean="0"/>
+                        <a:t>0.80</a:t>
+                      </a:r>
+                      <a:endParaRPr lang="en-US" dirty="0"/>
+                    </a:p>
+                  </a:txBody>
+                  <a:tcPr/>
+                </a:tc>
+                <a:tc>
+                  <a:txBody>
+                    <a:bodyPr/>
+                    <a:lstStyle/>
+                    <a:p>
+                      <a:pPr marL="0" marR="0" indent="0" algn="l" defTabSz="914400" rtl="0" eaLnBrk="1" fontAlgn="auto" latinLnBrk="0" hangingPunct="1">
+                        <a:lnSpc>
+                          <a:spcPct val="100000"/>
+                        </a:lnSpc>
+                        <a:spcBef>
+                          <a:spcPts val="0"/>
+                        </a:spcBef>
+                        <a:spcAft>
+                          <a:spcPts val="0"/>
+                        </a:spcAft>
+                        <a:buClrTx/>
+                        <a:buSzTx/>
+                        <a:buFontTx/>
+                        <a:buNone/>
+                        <a:tabLst/>
+                        <a:defRPr/>
+                      </a:pPr>
+                      <a:r>
+                        <a:rPr lang="en-US" dirty="0" smtClean="0"/>
+                        <a:t>0.73</a:t>
+                      </a:r>
+                    </a:p>
+                    <a:p>
+                      <a:endParaRPr lang="en-US" dirty="0"/>
+                    </a:p>
+                  </a:txBody>
+                  <a:tcPr/>
+                </a:tc>
+              </a:tr>
+              <a:tr h="530985">
+                <a:tc>
+                  <a:txBody>
+                    <a:bodyPr/>
+                    <a:lstStyle/>
+                    <a:p>
+                      <a:r>
+                        <a:rPr kumimoji="0" lang="en-US" b="0" i="0" kern="1200" dirty="0" smtClean="0">
+                          <a:solidFill>
+                            <a:schemeClr val="dk1"/>
+                          </a:solidFill>
+                          <a:latin typeface="+mn-lt"/>
+                          <a:ea typeface="+mn-ea"/>
+                          <a:cs typeface="+mn-cs"/>
+                        </a:rPr>
+                        <a:t>Decision Tree</a:t>
+                      </a:r>
+                      <a:endParaRPr lang="en-US" dirty="0"/>
+                    </a:p>
+                  </a:txBody>
+                  <a:tcPr/>
+                </a:tc>
+                <a:tc>
+                  <a:txBody>
+                    <a:bodyPr/>
+                    <a:lstStyle/>
+                    <a:p>
+                      <a:r>
+                        <a:rPr kumimoji="0" lang="en-US" b="0" i="0" kern="1200" dirty="0" smtClean="0">
+                          <a:solidFill>
+                            <a:schemeClr val="dk1"/>
+                          </a:solidFill>
+                          <a:latin typeface="+mn-lt"/>
+                          <a:ea typeface="+mn-ea"/>
+                          <a:cs typeface="+mn-cs"/>
+                        </a:rPr>
+                        <a:t>0.96 </a:t>
+                      </a:r>
+                      <a:endParaRPr lang="en-US" dirty="0"/>
+                    </a:p>
+                  </a:txBody>
+                  <a:tcPr/>
+                </a:tc>
+                <a:tc>
+                  <a:txBody>
+                    <a:bodyPr/>
+                    <a:lstStyle/>
+                    <a:p>
+                      <a:r>
+                        <a:rPr lang="en-IN" dirty="0" smtClean="0"/>
+                        <a:t>0.90</a:t>
+                      </a:r>
+                      <a:endParaRPr lang="en-US" dirty="0"/>
+                    </a:p>
+                  </a:txBody>
+                  <a:tcPr/>
+                </a:tc>
+                <a:tc>
+                  <a:txBody>
+                    <a:bodyPr/>
+                    <a:lstStyle/>
+                    <a:p>
+                      <a:r>
+                        <a:rPr lang="en-IN" dirty="0" smtClean="0"/>
+                        <a:t>0.89</a:t>
+                      </a:r>
+                      <a:endParaRPr lang="en-US" dirty="0"/>
+                    </a:p>
+                  </a:txBody>
+                  <a:tcPr/>
+                </a:tc>
+                <a:tc>
+                  <a:txBody>
+                    <a:bodyPr/>
+                    <a:lstStyle/>
+                    <a:p>
+                      <a:r>
+                        <a:rPr lang="en-IN" dirty="0" smtClean="0"/>
+                        <a:t>0.91</a:t>
+                      </a:r>
+                      <a:endParaRPr lang="en-US" dirty="0"/>
+                    </a:p>
+                  </a:txBody>
+                  <a:tcPr/>
+                </a:tc>
+              </a:tr>
+              <a:tr h="530985">
+                <a:tc>
+                  <a:txBody>
+                    <a:bodyPr/>
+                    <a:lstStyle/>
+                    <a:p>
+                      <a:r>
+                        <a:rPr kumimoji="0" lang="en-US" b="0" i="0" kern="1200" dirty="0" smtClean="0">
+                          <a:solidFill>
+                            <a:schemeClr val="dk1"/>
+                          </a:solidFill>
+                          <a:latin typeface="+mn-lt"/>
+                          <a:ea typeface="+mn-ea"/>
+                          <a:cs typeface="+mn-cs"/>
+                        </a:rPr>
+                        <a:t>Random Forest</a:t>
+                      </a:r>
+                      <a:endParaRPr lang="en-US" dirty="0"/>
+                    </a:p>
+                  </a:txBody>
+                  <a:tcPr/>
+                </a:tc>
+                <a:tc>
+                  <a:txBody>
+                    <a:bodyPr/>
+                    <a:lstStyle/>
+                    <a:p>
+                      <a:r>
+                        <a:rPr lang="en-IN" dirty="0" smtClean="0"/>
+                        <a:t>0.99</a:t>
+                      </a:r>
+                      <a:endParaRPr lang="en-US" dirty="0"/>
+                    </a:p>
+                  </a:txBody>
+                  <a:tcPr/>
+                </a:tc>
+                <a:tc>
+                  <a:txBody>
+                    <a:bodyPr/>
+                    <a:lstStyle/>
+                    <a:p>
+                      <a:r>
+                        <a:rPr lang="en-IN" dirty="0" smtClean="0"/>
+                        <a:t>0.98</a:t>
+                      </a:r>
+                      <a:endParaRPr lang="en-US" dirty="0"/>
+                    </a:p>
+                  </a:txBody>
+                  <a:tcPr/>
+                </a:tc>
+                <a:tc>
+                  <a:txBody>
+                    <a:bodyPr/>
+                    <a:lstStyle/>
+                    <a:p>
+                      <a:r>
+                        <a:rPr lang="en-IN" dirty="0" smtClean="0"/>
+                        <a:t>0.98</a:t>
+                      </a:r>
+                      <a:endParaRPr lang="en-US" dirty="0"/>
+                    </a:p>
+                  </a:txBody>
+                  <a:tcPr/>
+                </a:tc>
+                <a:tc>
+                  <a:txBody>
+                    <a:bodyPr/>
+                    <a:lstStyle/>
+                    <a:p>
+                      <a:r>
+                        <a:rPr lang="en-IN" dirty="0" smtClean="0"/>
+                        <a:t>0.98</a:t>
+                      </a:r>
+                      <a:endParaRPr lang="en-US" dirty="0"/>
+                    </a:p>
+                  </a:txBody>
+                  <a:tcPr/>
+                </a:tc>
+              </a:tr>
+              <a:tr h="530985">
+                <a:tc>
+                  <a:txBody>
+                    <a:bodyPr/>
+                    <a:lstStyle/>
+                    <a:p>
+                      <a:r>
+                        <a:rPr kumimoji="0" lang="en-US" b="0" i="0" kern="1200" dirty="0" err="1" smtClean="0">
+                          <a:solidFill>
+                            <a:schemeClr val="dk1"/>
+                          </a:solidFill>
+                          <a:latin typeface="+mn-lt"/>
+                          <a:ea typeface="+mn-ea"/>
+                          <a:cs typeface="+mn-cs"/>
+                        </a:rPr>
+                        <a:t>XGBoost</a:t>
+                      </a:r>
+                      <a:endParaRPr lang="en-US" dirty="0"/>
+                    </a:p>
+                  </a:txBody>
+                  <a:tcPr/>
+                </a:tc>
+                <a:tc>
+                  <a:txBody>
+                    <a:bodyPr/>
+                    <a:lstStyle/>
+                    <a:p>
+                      <a:r>
+                        <a:rPr lang="en-IN" dirty="0" smtClean="0"/>
+                        <a:t>0.99</a:t>
+                      </a:r>
+                      <a:endParaRPr lang="en-US" dirty="0"/>
+                    </a:p>
+                  </a:txBody>
+                  <a:tcPr/>
+                </a:tc>
+                <a:tc>
+                  <a:txBody>
+                    <a:bodyPr/>
+                    <a:lstStyle/>
+                    <a:p>
+                      <a:r>
+                        <a:rPr lang="en-IN" dirty="0" smtClean="0"/>
+                        <a:t>0.97</a:t>
+                      </a:r>
+                      <a:endParaRPr lang="en-US" dirty="0"/>
+                    </a:p>
+                  </a:txBody>
+                  <a:tcPr/>
+                </a:tc>
+                <a:tc>
+                  <a:txBody>
+                    <a:bodyPr/>
+                    <a:lstStyle/>
+                    <a:p>
+                      <a:r>
+                        <a:rPr lang="en-IN" dirty="0" smtClean="0"/>
+                        <a:t>0.97</a:t>
+                      </a:r>
+                      <a:endParaRPr lang="en-US" dirty="0"/>
+                    </a:p>
+                  </a:txBody>
+                  <a:tcPr/>
+                </a:tc>
+                <a:tc>
+                  <a:txBody>
+                    <a:bodyPr/>
+                    <a:lstStyle/>
+                    <a:p>
+                      <a:r>
+                        <a:rPr lang="en-IN" dirty="0" smtClean="0"/>
+                        <a:t>0.97</a:t>
+                      </a:r>
+                      <a:endParaRPr lang="en-US" dirty="0"/>
+                    </a:p>
+                  </a:txBody>
+                  <a:tcPr/>
+                </a:tc>
+              </a:tr>
+            </a:tbl>
+          </a:graphicData>
+        </a:graphic>
+      </p:graphicFrame>
+      <p:sp>
+        <p:nvSpPr>
+          <p:cNvPr id="8" name="Rectangle 7"/>
           <p:cNvSpPr/>
           <p:nvPr/>
         </p:nvSpPr>
         <p:spPr>
           <a:xfrm>
-            <a:off x="152400" y="228600"/>
-            <a:ext cx="9067800" cy="6186309"/>
+            <a:off x="152400" y="3276600"/>
+            <a:ext cx="8991600" cy="3139321"/>
           </a:xfrm>
           <a:prstGeom prst="rect">
             <a:avLst/>
@@ -7172,8 +7287,12 @@
           <a:lstStyle/>
           <a:p>
             <a:r>
-              <a:rPr lang="en-US" b="1" dirty="0" smtClean="0"/>
-              <a:t>Export and Repeat for Test Data</a:t>
+              <a:rPr lang="en-US" dirty="0" smtClean="0"/>
+              <a:t>Random Forest emerges as the best model based on Macro-F1 Score (0.98) and other metrics</a:t>
+            </a:r>
+            <a:r>
+              <a:rPr lang="en-US" dirty="0" smtClean="0"/>
+              <a:t>.</a:t>
             </a:r>
           </a:p>
           <a:p>
@@ -7181,8 +7300,29 @@
           </a:p>
           <a:p>
             <a:r>
-              <a:rPr lang="en-US" dirty="0" smtClean="0"/>
-              <a:t>The processed dataset was saved as test_df.csv, and  the same preprocessing steps were applied to the test data</a:t>
+              <a:rPr lang="en-US" dirty="0" err="1" smtClean="0"/>
+              <a:t>XGBoost</a:t>
+            </a:r>
+            <a:r>
+              <a:rPr lang="en-US" dirty="0" smtClean="0"/>
+              <a:t> performs similarly to Random Forest but with a slightly lower Macro-F1 Score (0.97</a:t>
+            </a:r>
+            <a:r>
+              <a:rPr lang="en-US" dirty="0" smtClean="0"/>
+              <a:t>).</a:t>
+            </a:r>
+          </a:p>
+          <a:p>
+            <a:endParaRPr lang="en-US" dirty="0" smtClean="0"/>
+          </a:p>
+          <a:p>
+            <a:r>
+              <a:rPr lang="en-US" dirty="0" smtClean="0"/>
+              <a:t>Decision Tree performs well but is significantly outperformed by ensemble methods like Random Forest and </a:t>
+            </a:r>
+            <a:r>
+              <a:rPr lang="en-US" dirty="0" err="1" smtClean="0"/>
+              <a:t>XGBoost</a:t>
             </a:r>
             <a:r>
               <a:rPr lang="en-US" dirty="0" smtClean="0"/>
@@ -7195,76 +7335,9 @@
           <a:p>
             <a:r>
               <a:rPr lang="en-US" dirty="0" smtClean="0"/>
-              <a:t> </a:t>
-            </a:r>
-            <a:r>
-              <a:rPr lang="en-US" b="1" dirty="0" smtClean="0"/>
-              <a:t>Data Exploration: </a:t>
-            </a:r>
-          </a:p>
-          <a:p>
-            <a:r>
-              <a:rPr lang="en-US" dirty="0" smtClean="0"/>
-              <a:t>• Data Loading: The dataset was loaded in chunks to handle its large size. </a:t>
-            </a:r>
-          </a:p>
-          <a:p>
-            <a:r>
-              <a:rPr lang="en-US" dirty="0" smtClean="0"/>
-              <a:t>• Summary Statistics: The data was </a:t>
-            </a:r>
-            <a:r>
-              <a:rPr lang="en-US" dirty="0" err="1" smtClean="0"/>
-              <a:t>analysed</a:t>
-            </a:r>
-            <a:r>
-              <a:rPr lang="en-US" dirty="0" smtClean="0"/>
-              <a:t> to check its structure, data types, and missing values. </a:t>
-            </a:r>
-          </a:p>
-          <a:p>
-            <a:r>
-              <a:rPr lang="en-US" dirty="0" smtClean="0"/>
-              <a:t>• Visualizations: The distribution of key features, including the target variable (Incident Grade), was visualized to understand class imbalances. </a:t>
-            </a:r>
-          </a:p>
-          <a:p>
-            <a:r>
-              <a:rPr lang="en-US" dirty="0" smtClean="0"/>
-              <a:t>• Class Imbalance: The Benign Positive class is significantly overrepresented compared to the other classes. </a:t>
-            </a:r>
-          </a:p>
-          <a:p>
-            <a:r>
-              <a:rPr lang="en-US" b="1" dirty="0" smtClean="0"/>
-              <a:t>Data Preprocessing: </a:t>
-            </a:r>
-          </a:p>
-          <a:p>
-            <a:r>
-              <a:rPr lang="en-US" dirty="0" smtClean="0"/>
-              <a:t>• Handling Missing Data: Missing values were imputed using forward fill and mean imputation. Columns with more than 50% missing values were dropped. </a:t>
-            </a:r>
-          </a:p>
-          <a:p>
-            <a:r>
-              <a:rPr lang="en-US" dirty="0" smtClean="0"/>
-              <a:t>• Feature Engineering: Derived timestamp-based features and removed redundant columns. </a:t>
-            </a:r>
-            <a:endParaRPr lang="en-US" dirty="0" smtClean="0"/>
-          </a:p>
-          <a:p>
-            <a:r>
-              <a:rPr lang="en-US" dirty="0" smtClean="0"/>
-              <a:t>Encoding Categorical Variables: Categorical features were converted into numerical formats using encoding technique. </a:t>
-            </a:r>
-          </a:p>
-          <a:p>
-            <a:r>
-              <a:rPr lang="en-US" dirty="0" smtClean="0"/>
-              <a:t>• Scaling: Standardized numerical features to ensure equal contribution during model training. </a:t>
-            </a:r>
-            <a:endParaRPr lang="en-IN" dirty="0" smtClean="0"/>
+              <a:t>Logistic Regression has the lowest scores, as expected for a simpler linear model, and may not be suited for this complex dataset.</a:t>
+            </a:r>
+            <a:endParaRPr lang="en-US" dirty="0"/>
           </a:p>
         </p:txBody>
       </p:sp>
@@ -7389,6 +7462,198 @@
 </file>
 
 <file path=ppt/slides/slide20.xml><?xml version="1.0" encoding="utf-8"?>
+<p:sld xmlns:a="http://schemas.openxmlformats.org/drawingml/2006/main" xmlns:r="http://schemas.openxmlformats.org/officeDocument/2006/relationships" xmlns:p="http://schemas.openxmlformats.org/presentationml/2006/main">
+  <p:cSld>
+    <p:spTree>
+      <p:nvGrpSpPr>
+        <p:cNvPr id="1" name=""/>
+        <p:cNvGrpSpPr/>
+        <p:nvPr/>
+      </p:nvGrpSpPr>
+      <p:grpSpPr>
+        <a:xfrm>
+          <a:off x="0" y="0"/>
+          <a:ext cx="0" cy="0"/>
+          <a:chOff x="0" y="0"/>
+          <a:chExt cx="0" cy="0"/>
+        </a:xfrm>
+      </p:grpSpPr>
+      <p:sp>
+        <p:nvSpPr>
+          <p:cNvPr id="2" name="Rectangle 1"/>
+          <p:cNvSpPr/>
+          <p:nvPr/>
+        </p:nvSpPr>
+        <p:spPr>
+          <a:xfrm>
+            <a:off x="457200" y="335846"/>
+            <a:ext cx="8305800" cy="5909310"/>
+          </a:xfrm>
+          <a:prstGeom prst="rect">
+            <a:avLst/>
+          </a:prstGeom>
+        </p:spPr>
+        <p:txBody>
+          <a:bodyPr wrap="square">
+            <a:spAutoFit/>
+          </a:bodyPr>
+          <a:lstStyle/>
+          <a:p>
+            <a:r>
+              <a:rPr lang="en-US" b="1" dirty="0" smtClean="0"/>
+              <a:t>Model Evaluation and Tuning: </a:t>
+            </a:r>
+          </a:p>
+          <a:p>
+            <a:r>
+              <a:rPr lang="en-US" dirty="0" smtClean="0"/>
+              <a:t>Evaluate the model's performance using cross-validation and optimize it using </a:t>
+            </a:r>
+            <a:r>
+              <a:rPr lang="en-US" dirty="0" err="1" smtClean="0"/>
+              <a:t>hyperparameter</a:t>
+            </a:r>
+            <a:r>
+              <a:rPr lang="en-US" dirty="0" smtClean="0"/>
+              <a:t> tuning. </a:t>
+            </a:r>
+          </a:p>
+          <a:p>
+            <a:endParaRPr lang="en-US" b="1" dirty="0" smtClean="0"/>
+          </a:p>
+          <a:p>
+            <a:r>
+              <a:rPr lang="en-US" b="1" dirty="0" smtClean="0"/>
+              <a:t>Metrics </a:t>
+            </a:r>
+            <a:r>
+              <a:rPr lang="en-US" b="1" dirty="0" smtClean="0"/>
+              <a:t>Used </a:t>
+            </a:r>
+            <a:endParaRPr lang="en-US" b="1" dirty="0" smtClean="0"/>
+          </a:p>
+          <a:p>
+            <a:endParaRPr lang="en-US" b="1" dirty="0" smtClean="0"/>
+          </a:p>
+          <a:p>
+            <a:r>
+              <a:rPr lang="en-US" dirty="0" smtClean="0"/>
+              <a:t>• </a:t>
+            </a:r>
+            <a:r>
+              <a:rPr lang="en-US" b="1" dirty="0" smtClean="0"/>
+              <a:t>Accuracy: Measures overall correctness. </a:t>
+            </a:r>
+            <a:endParaRPr lang="en-US" b="1" dirty="0" smtClean="0"/>
+          </a:p>
+          <a:p>
+            <a:endParaRPr lang="en-US" b="1" dirty="0" smtClean="0"/>
+          </a:p>
+          <a:p>
+            <a:r>
+              <a:rPr lang="en-US" dirty="0" smtClean="0"/>
+              <a:t>• </a:t>
+            </a:r>
+            <a:r>
+              <a:rPr lang="en-US" b="1" dirty="0" smtClean="0"/>
+              <a:t>Precision: Measures how many positive predictions were correct. </a:t>
+            </a:r>
+            <a:endParaRPr lang="en-US" b="1" dirty="0" smtClean="0"/>
+          </a:p>
+          <a:p>
+            <a:endParaRPr lang="en-US" b="1" dirty="0" smtClean="0"/>
+          </a:p>
+          <a:p>
+            <a:r>
+              <a:rPr lang="en-US" dirty="0" smtClean="0"/>
+              <a:t>• </a:t>
+            </a:r>
+            <a:r>
+              <a:rPr lang="en-US" b="1" dirty="0" smtClean="0"/>
+              <a:t>Recall: Measures how well the model identifies actual positives. </a:t>
+            </a:r>
+            <a:endParaRPr lang="en-US" b="1" dirty="0" smtClean="0"/>
+          </a:p>
+          <a:p>
+            <a:endParaRPr lang="en-US" b="1" dirty="0" smtClean="0"/>
+          </a:p>
+          <a:p>
+            <a:r>
+              <a:rPr lang="en-US" dirty="0" smtClean="0"/>
+              <a:t>• </a:t>
+            </a:r>
+            <a:r>
+              <a:rPr lang="en-US" b="1" dirty="0" smtClean="0"/>
+              <a:t>Macro-F1 Score: A balanced metric that treats all classes equally. </a:t>
+            </a:r>
+          </a:p>
+          <a:p>
+            <a:r>
+              <a:rPr lang="en-US" b="1" dirty="0" err="1" smtClean="0"/>
+              <a:t>Hyperparameter</a:t>
+            </a:r>
+            <a:r>
+              <a:rPr lang="en-US" b="1" dirty="0" smtClean="0"/>
+              <a:t> Tuning: </a:t>
+            </a:r>
+            <a:r>
+              <a:rPr lang="en-US" b="1" dirty="0" err="1" smtClean="0"/>
+              <a:t>RandomizedSearchCV</a:t>
+            </a:r>
+            <a:r>
+              <a:rPr lang="en-US" b="1" dirty="0" smtClean="0"/>
+              <a:t> was used to find the best settings for Random Forest and </a:t>
+            </a:r>
+            <a:r>
+              <a:rPr lang="en-US" b="1" dirty="0" err="1" smtClean="0"/>
+              <a:t>XGBoost</a:t>
+            </a:r>
+            <a:r>
+              <a:rPr lang="en-US" b="1" dirty="0" smtClean="0"/>
+              <a:t> </a:t>
+            </a:r>
+            <a:endParaRPr lang="en-US" b="1" dirty="0" smtClean="0"/>
+          </a:p>
+          <a:p>
+            <a:endParaRPr lang="en-IN" b="1" dirty="0" smtClean="0"/>
+          </a:p>
+          <a:p>
+            <a:endParaRPr lang="en-US" b="1" dirty="0" smtClean="0"/>
+          </a:p>
+          <a:p>
+            <a:r>
+              <a:rPr lang="en-US" b="1" dirty="0" smtClean="0"/>
+              <a:t>Key Outcomes </a:t>
+            </a:r>
+          </a:p>
+          <a:p>
+            <a:r>
+              <a:rPr lang="en-US" dirty="0" smtClean="0"/>
+              <a:t>• </a:t>
+            </a:r>
+            <a:r>
+              <a:rPr lang="en-US" b="1" dirty="0" smtClean="0"/>
+              <a:t>Random Forest performed best, achieving an accuracy of 99% and a macro-F1 score </a:t>
+            </a:r>
+          </a:p>
+          <a:p>
+            <a:r>
+              <a:rPr lang="en-US" dirty="0" smtClean="0"/>
+              <a:t>of 97%. </a:t>
+            </a:r>
+            <a:endParaRPr lang="en-US" dirty="0"/>
+          </a:p>
+        </p:txBody>
+      </p:sp>
+    </p:spTree>
+  </p:cSld>
+  <p:clrMapOvr>
+    <a:masterClrMapping/>
+  </p:clrMapOvr>
+</p:sld>
+</file>
+
+<file path=ppt/slides/slide21.xml><?xml version="1.0" encoding="utf-8"?>
 <p:sld xmlns:a="http://schemas.openxmlformats.org/drawingml/2006/main" xmlns:r="http://schemas.openxmlformats.org/officeDocument/2006/relationships" xmlns:p="http://schemas.openxmlformats.org/presentationml/2006/main">
   <p:cSld>
     <p:spTree>
@@ -7432,7 +7697,7 @@
       </p:grpSpPr>
       <p:sp>
         <p:nvSpPr>
-          <p:cNvPr id="2" name="Content Placeholder 1"/>
+          <p:cNvPr id="3" name="Content Placeholder 2"/>
           <p:cNvSpPr>
             <a:spLocks noGrp="1"/>
           </p:cNvSpPr>
@@ -7442,16 +7707,130 @@
         </p:nvSpPr>
         <p:spPr/>
         <p:txBody>
-          <a:bodyPr/>
+          <a:bodyPr>
+            <a:normAutofit fontScale="62500" lnSpcReduction="20000"/>
+          </a:bodyPr>
           <a:lstStyle/>
           <a:p>
+            <a:r>
+              <a:rPr lang="en-US" b="1" dirty="0" smtClean="0"/>
+              <a:t>Shape of the Dataset</a:t>
+            </a:r>
+          </a:p>
+          <a:p>
+            <a:r>
+              <a:rPr lang="en-US" dirty="0" smtClean="0"/>
+              <a:t>The dataset initially contained 9,516,837 rows and 45 columns.</a:t>
+            </a:r>
+          </a:p>
+          <a:p>
+            <a:endParaRPr lang="en-US" dirty="0" smtClean="0"/>
+          </a:p>
+          <a:p>
+            <a:r>
+              <a:rPr lang="en-US" dirty="0" smtClean="0"/>
+              <a:t>Feature Description The dataset contains a variety of features describing cyber security incidents, their attributes, and metadata. Below are the features:</a:t>
+            </a:r>
+          </a:p>
+          <a:p>
+            <a:endParaRPr lang="en-US" dirty="0" smtClean="0"/>
+          </a:p>
+          <a:p>
+            <a:r>
+              <a:rPr lang="en-US" dirty="0" smtClean="0"/>
+              <a:t>Id: Unique ID for each </a:t>
+            </a:r>
+            <a:r>
+              <a:rPr lang="en-US" dirty="0" err="1" smtClean="0"/>
+              <a:t>OrgId-IncidentId</a:t>
+            </a:r>
+            <a:r>
+              <a:rPr lang="en-US" dirty="0" smtClean="0"/>
+              <a:t> pair.</a:t>
+            </a:r>
+          </a:p>
+          <a:p>
+            <a:r>
+              <a:rPr lang="en-US" dirty="0" smtClean="0"/>
+              <a:t> </a:t>
+            </a:r>
+            <a:r>
+              <a:rPr lang="en-US" dirty="0" err="1" smtClean="0"/>
+              <a:t>IncidentId</a:t>
+            </a:r>
+            <a:r>
+              <a:rPr lang="en-US" dirty="0" smtClean="0"/>
+              <a:t>: Organizationally unique incident identifier. </a:t>
+            </a:r>
+          </a:p>
+          <a:p>
+            <a:r>
+              <a:rPr lang="en-US" dirty="0" err="1" smtClean="0"/>
+              <a:t>AlertId</a:t>
+            </a:r>
+            <a:r>
+              <a:rPr lang="en-US" dirty="0" smtClean="0"/>
+              <a:t>: Unique identifier for an alert. </a:t>
+            </a:r>
+          </a:p>
+          <a:p>
+            <a:r>
+              <a:rPr lang="en-US" dirty="0" smtClean="0"/>
+              <a:t>Timestamp: Time the alert was created. </a:t>
+            </a:r>
+          </a:p>
+          <a:p>
+            <a:r>
+              <a:rPr lang="en-US" dirty="0" err="1" smtClean="0"/>
+              <a:t>DetectorId</a:t>
+            </a:r>
+            <a:r>
+              <a:rPr lang="en-US" dirty="0" smtClean="0"/>
+              <a:t>: Unique ID for the alert-generating detector. </a:t>
+            </a:r>
+          </a:p>
+          <a:p>
+            <a:r>
+              <a:rPr lang="en-US" dirty="0" err="1" smtClean="0"/>
+              <a:t>AlertTitle</a:t>
+            </a:r>
+            <a:r>
+              <a:rPr lang="en-US" dirty="0" smtClean="0"/>
+              <a:t>: Title of the alert. </a:t>
+            </a:r>
+          </a:p>
+          <a:p>
+            <a:r>
+              <a:rPr lang="en-US" dirty="0" smtClean="0"/>
+              <a:t>Category: Category of the alert. </a:t>
+            </a:r>
+          </a:p>
+          <a:p>
+            <a:r>
+              <a:rPr lang="en-US" dirty="0" err="1" smtClean="0"/>
+              <a:t>MitreTechniques</a:t>
+            </a:r>
+            <a:r>
+              <a:rPr lang="en-US" dirty="0" smtClean="0"/>
+              <a:t>: MITRE ATT&amp;CK techniques involved in the alert.</a:t>
+            </a:r>
+          </a:p>
+          <a:p>
+            <a:r>
+              <a:rPr lang="en-US" dirty="0" err="1" smtClean="0"/>
+              <a:t>IncidentGrade</a:t>
+            </a:r>
+            <a:r>
+              <a:rPr lang="en-US" dirty="0" smtClean="0"/>
+              <a:t>: SOC grade assigned to the incident (Target Variable). </a:t>
+            </a:r>
             <a:endParaRPr lang="en-US" dirty="0"/>
           </a:p>
         </p:txBody>
       </p:sp>
       <p:sp>
         <p:nvSpPr>
-          <p:cNvPr id="3" name="Title 2"/>
+          <p:cNvPr id="2" name="Title 1"/>
           <p:cNvSpPr>
             <a:spLocks noGrp="1"/>
           </p:cNvSpPr>
@@ -7468,15 +7847,11 @@
           <a:p>
             <a:r>
               <a:rPr lang="en-US" dirty="0" smtClean="0"/>
-              <a:t/>
+              <a:t>Dataset</a:t>
             </a:r>
             <a:br>
               <a:rPr lang="en-US" dirty="0" smtClean="0"/>
             </a:br>
-            <a:r>
-              <a:rPr lang="en-US" dirty="0" smtClean="0"/>
-              <a:t> Data Exploration: </a:t>
-            </a:r>
             <a:endParaRPr lang="en-US" dirty="0"/>
           </a:p>
         </p:txBody>
@@ -7508,162 +7883,295 @@
       </p:grpSpPr>
       <p:sp>
         <p:nvSpPr>
-          <p:cNvPr id="3" name="Content Placeholder 2"/>
-          <p:cNvSpPr>
-            <a:spLocks noGrp="1"/>
-          </p:cNvSpPr>
-          <p:nvPr>
-            <p:ph idx="1"/>
-          </p:nvPr>
-        </p:nvSpPr>
-        <p:spPr/>
-        <p:txBody>
-          <a:bodyPr>
-            <a:normAutofit fontScale="62500" lnSpcReduction="20000"/>
+          <p:cNvPr id="2" name="Rectangle 1"/>
+          <p:cNvSpPr/>
+          <p:nvPr/>
+        </p:nvSpPr>
+        <p:spPr>
+          <a:xfrm>
+            <a:off x="533400" y="152400"/>
+            <a:ext cx="8305800" cy="5078313"/>
+          </a:xfrm>
+          <a:prstGeom prst="rect">
+            <a:avLst/>
+          </a:prstGeom>
+        </p:spPr>
+        <p:txBody>
+          <a:bodyPr wrap="square">
+            <a:spAutoFit/>
           </a:bodyPr>
           <a:lstStyle/>
           <a:p>
-            <a:r>
-              <a:rPr lang="en-US" b="1" dirty="0" smtClean="0"/>
-              <a:t>Shape of the Dataset</a:t>
-            </a:r>
-          </a:p>
-          <a:p>
-            <a:r>
-              <a:rPr lang="en-US" dirty="0" smtClean="0"/>
-              <a:t>The dataset initially contained 9,516,837 rows and 45 columns.</a:t>
-            </a:r>
-          </a:p>
-          <a:p>
-            <a:endParaRPr lang="en-US" dirty="0" smtClean="0"/>
-          </a:p>
-          <a:p>
-            <a:r>
-              <a:rPr lang="en-US" dirty="0" smtClean="0"/>
-              <a:t>Feature Description The dataset contains a variety of features describing cyber security incidents, their attributes, and metadata. Below are the features:</a:t>
-            </a:r>
-          </a:p>
-          <a:p>
-            <a:endParaRPr lang="en-US" dirty="0" smtClean="0"/>
-          </a:p>
-          <a:p>
-            <a:r>
-              <a:rPr lang="en-US" dirty="0" smtClean="0"/>
-              <a:t>Id: Unique ID for each </a:t>
-            </a:r>
-            <a:r>
-              <a:rPr lang="en-US" dirty="0" err="1" smtClean="0"/>
-              <a:t>OrgId-IncidentId</a:t>
-            </a:r>
-            <a:r>
-              <a:rPr lang="en-US" dirty="0" smtClean="0"/>
-              <a:t> pair.</a:t>
-            </a:r>
-          </a:p>
-          <a:p>
+            <a:pPr>
+              <a:buFont typeface="Arial" pitchFamily="34" charset="0"/>
+              <a:buChar char="•"/>
+            </a:pPr>
+            <a:r>
+              <a:rPr lang="en-US" dirty="0" err="1" smtClean="0"/>
+              <a:t>ActionGrouped</a:t>
+            </a:r>
+            <a:r>
+              <a:rPr lang="en-US" dirty="0" smtClean="0"/>
+              <a:t>: SOC alert remediation action (high level).</a:t>
+            </a:r>
+          </a:p>
+          <a:p>
+            <a:pPr>
+              <a:buFont typeface="Arial" pitchFamily="34" charset="0"/>
+              <a:buChar char="•"/>
+            </a:pPr>
             <a:r>
               <a:rPr lang="en-US" dirty="0" smtClean="0"/>
               <a:t> </a:t>
             </a:r>
             <a:r>
               <a:rPr lang="en-US" dirty="0" err="1" smtClean="0"/>
-              <a:t>IncidentId</a:t>
-            </a:r>
-            <a:r>
-              <a:rPr lang="en-US" dirty="0" smtClean="0"/>
-              <a:t>: Organizationally unique incident identifier. </a:t>
-            </a:r>
-          </a:p>
-          <a:p>
-            <a:r>
-              <a:rPr lang="en-US" dirty="0" err="1" smtClean="0"/>
-              <a:t>AlertId</a:t>
-            </a:r>
-            <a:r>
-              <a:rPr lang="en-US" dirty="0" smtClean="0"/>
-              <a:t>: Unique identifier for an alert. </a:t>
-            </a:r>
-          </a:p>
-          <a:p>
-            <a:r>
-              <a:rPr lang="en-US" dirty="0" smtClean="0"/>
-              <a:t>Timestamp: Time the alert was created. </a:t>
-            </a:r>
-          </a:p>
-          <a:p>
-            <a:r>
-              <a:rPr lang="en-US" dirty="0" err="1" smtClean="0"/>
-              <a:t>DetectorId</a:t>
-            </a:r>
-            <a:r>
-              <a:rPr lang="en-US" dirty="0" smtClean="0"/>
-              <a:t>: Unique ID for the alert-generating detector. </a:t>
-            </a:r>
-          </a:p>
-          <a:p>
-            <a:r>
-              <a:rPr lang="en-US" dirty="0" err="1" smtClean="0"/>
-              <a:t>AlertTitle</a:t>
-            </a:r>
-            <a:r>
-              <a:rPr lang="en-US" dirty="0" smtClean="0"/>
-              <a:t>: Title of the alert. </a:t>
-            </a:r>
-          </a:p>
-          <a:p>
-            <a:r>
-              <a:rPr lang="en-US" dirty="0" smtClean="0"/>
-              <a:t>Category: Category of the alert. </a:t>
-            </a:r>
-          </a:p>
-          <a:p>
-            <a:r>
-              <a:rPr lang="en-US" dirty="0" err="1" smtClean="0"/>
-              <a:t>MitreTechniques</a:t>
-            </a:r>
-            <a:r>
-              <a:rPr lang="en-US" dirty="0" smtClean="0"/>
-              <a:t>: MITRE ATT&amp;CK techniques involved in the alert.</a:t>
-            </a:r>
-          </a:p>
-          <a:p>
-            <a:r>
-              <a:rPr lang="en-US" dirty="0" err="1" smtClean="0"/>
-              <a:t>IncidentGrade</a:t>
-            </a:r>
-            <a:r>
-              <a:rPr lang="en-US" dirty="0" smtClean="0"/>
-              <a:t>: SOC grade assigned to the incident (Target Variable). </a:t>
-            </a:r>
-            <a:endParaRPr lang="en-US" dirty="0"/>
-          </a:p>
-        </p:txBody>
-      </p:sp>
-      <p:sp>
-        <p:nvSpPr>
-          <p:cNvPr id="2" name="Title 1"/>
-          <p:cNvSpPr>
-            <a:spLocks noGrp="1"/>
-          </p:cNvSpPr>
-          <p:nvPr>
-            <p:ph type="title"/>
-          </p:nvPr>
-        </p:nvSpPr>
-        <p:spPr/>
-        <p:txBody>
-          <a:bodyPr>
-            <a:normAutofit fontScale="90000"/>
-          </a:bodyPr>
-          <a:lstStyle/>
-          <a:p>
-            <a:r>
-              <a:rPr lang="en-US" dirty="0" smtClean="0"/>
-              <a:t>Dataset</a:t>
-            </a:r>
-            <a:br>
-              <a:rPr lang="en-US" dirty="0" smtClean="0"/>
-            </a:br>
-            <a:endParaRPr lang="en-US" dirty="0"/>
+              <a:t>ActionGranular</a:t>
+            </a:r>
+            <a:r>
+              <a:rPr lang="en-US" dirty="0" smtClean="0"/>
+              <a:t>: SOC alert remediation action (fine-grain). </a:t>
+            </a:r>
+          </a:p>
+          <a:p>
+            <a:pPr>
+              <a:buFont typeface="Arial" pitchFamily="34" charset="0"/>
+              <a:buChar char="•"/>
+            </a:pPr>
+            <a:r>
+              <a:rPr lang="en-US" dirty="0" err="1" smtClean="0"/>
+              <a:t>EntityType</a:t>
+            </a:r>
+            <a:r>
+              <a:rPr lang="en-US" dirty="0" smtClean="0"/>
+              <a:t>: Type of entity involved in the alert</a:t>
+            </a:r>
+          </a:p>
+          <a:p>
+            <a:pPr>
+              <a:buFont typeface="Arial" pitchFamily="34" charset="0"/>
+              <a:buChar char="•"/>
+            </a:pPr>
+            <a:r>
+              <a:rPr lang="en-US" dirty="0" smtClean="0"/>
+              <a:t> </a:t>
+            </a:r>
+            <a:r>
+              <a:rPr lang="en-US" dirty="0" err="1" smtClean="0"/>
+              <a:t>EvidenceRole</a:t>
+            </a:r>
+            <a:r>
+              <a:rPr lang="en-US" dirty="0" smtClean="0"/>
+              <a:t>: Role of the evidence in the investigation. </a:t>
+            </a:r>
+          </a:p>
+          <a:p>
+            <a:pPr>
+              <a:buFont typeface="Arial" pitchFamily="34" charset="0"/>
+              <a:buChar char="•"/>
+            </a:pPr>
+            <a:r>
+              <a:rPr lang="en-US" dirty="0" err="1" smtClean="0"/>
+              <a:t>RolesAdditional</a:t>
+            </a:r>
+            <a:r>
+              <a:rPr lang="en-US" dirty="0" smtClean="0"/>
+              <a:t>: Metadata on evidence role in the alert. </a:t>
+            </a:r>
+          </a:p>
+          <a:p>
+            <a:pPr>
+              <a:buFont typeface="Arial" pitchFamily="34" charset="0"/>
+              <a:buChar char="•"/>
+            </a:pPr>
+            <a:r>
+              <a:rPr lang="en-US" dirty="0" err="1" smtClean="0"/>
+              <a:t>DeviceId</a:t>
+            </a:r>
+            <a:r>
+              <a:rPr lang="en-US" dirty="0" smtClean="0"/>
+              <a:t>: Unique identifier for the device. </a:t>
+            </a:r>
+          </a:p>
+          <a:p>
+            <a:pPr>
+              <a:buFont typeface="Arial" pitchFamily="34" charset="0"/>
+              <a:buChar char="•"/>
+            </a:pPr>
+            <a:r>
+              <a:rPr lang="en-US" dirty="0" err="1" smtClean="0"/>
+              <a:t>DeviceName</a:t>
+            </a:r>
+            <a:r>
+              <a:rPr lang="en-US" dirty="0" smtClean="0"/>
+              <a:t>: Name of the device. Sha256: SHA-256 hash of the file. </a:t>
+            </a:r>
+          </a:p>
+          <a:p>
+            <a:pPr>
+              <a:buFont typeface="Arial" pitchFamily="34" charset="0"/>
+              <a:buChar char="•"/>
+            </a:pPr>
+            <a:r>
+              <a:rPr lang="en-US" dirty="0" err="1" smtClean="0"/>
+              <a:t>IpAddress</a:t>
+            </a:r>
+            <a:r>
+              <a:rPr lang="en-US" dirty="0" smtClean="0"/>
+              <a:t>: IP address involved. </a:t>
+            </a:r>
+          </a:p>
+          <a:p>
+            <a:pPr>
+              <a:buFont typeface="Arial" pitchFamily="34" charset="0"/>
+              <a:buChar char="•"/>
+            </a:pPr>
+            <a:r>
+              <a:rPr lang="en-US" dirty="0" err="1" smtClean="0"/>
+              <a:t>Url</a:t>
+            </a:r>
+            <a:r>
+              <a:rPr lang="en-US" dirty="0" smtClean="0"/>
+              <a:t>: URL involved. </a:t>
+            </a:r>
+          </a:p>
+          <a:p>
+            <a:pPr>
+              <a:buFont typeface="Arial" pitchFamily="34" charset="0"/>
+              <a:buChar char="•"/>
+            </a:pPr>
+            <a:r>
+              <a:rPr lang="en-US" dirty="0" err="1" smtClean="0"/>
+              <a:t>AccountSid</a:t>
+            </a:r>
+            <a:r>
+              <a:rPr lang="en-US" dirty="0" smtClean="0"/>
+              <a:t>: On-premises account identifier. </a:t>
+            </a:r>
+          </a:p>
+          <a:p>
+            <a:pPr>
+              <a:buFont typeface="Arial" pitchFamily="34" charset="0"/>
+              <a:buChar char="•"/>
+            </a:pPr>
+            <a:r>
+              <a:rPr lang="en-US" dirty="0" err="1" smtClean="0"/>
+              <a:t>AccountUpn</a:t>
+            </a:r>
+            <a:r>
+              <a:rPr lang="en-US" dirty="0" smtClean="0"/>
+              <a:t>: Email account identifier. </a:t>
+            </a:r>
+          </a:p>
+          <a:p>
+            <a:pPr>
+              <a:buFont typeface="Arial" pitchFamily="34" charset="0"/>
+              <a:buChar char="•"/>
+            </a:pPr>
+            <a:r>
+              <a:rPr lang="en-US" dirty="0" err="1" smtClean="0"/>
+              <a:t>AccountObjectId</a:t>
+            </a:r>
+            <a:r>
+              <a:rPr lang="en-US" dirty="0" smtClean="0"/>
+              <a:t>: </a:t>
+            </a:r>
+            <a:r>
+              <a:rPr lang="en-US" dirty="0" err="1" smtClean="0"/>
+              <a:t>Entra</a:t>
+            </a:r>
+            <a:r>
+              <a:rPr lang="en-US" dirty="0" smtClean="0"/>
+              <a:t> ID account identifier. </a:t>
+            </a:r>
+          </a:p>
+          <a:p>
+            <a:pPr>
+              <a:buFont typeface="Arial" pitchFamily="34" charset="0"/>
+              <a:buChar char="•"/>
+            </a:pPr>
+            <a:r>
+              <a:rPr lang="en-US" dirty="0" err="1" smtClean="0"/>
+              <a:t>AccountName</a:t>
+            </a:r>
+            <a:r>
+              <a:rPr lang="en-US" dirty="0" smtClean="0"/>
+              <a:t>: Name of the on-premises account. </a:t>
+            </a:r>
+          </a:p>
+          <a:p>
+            <a:pPr>
+              <a:buFont typeface="Arial" pitchFamily="34" charset="0"/>
+              <a:buChar char="•"/>
+            </a:pPr>
+            <a:r>
+              <a:rPr lang="en-US" dirty="0" err="1" smtClean="0"/>
+              <a:t>NetworkMessageId</a:t>
+            </a:r>
+            <a:r>
+              <a:rPr lang="en-US" dirty="0" smtClean="0"/>
+              <a:t>: Org-level identifier for the email message.</a:t>
+            </a:r>
+          </a:p>
+          <a:p>
+            <a:pPr>
+              <a:buFont typeface="Arial" pitchFamily="34" charset="0"/>
+              <a:buChar char="•"/>
+            </a:pPr>
+            <a:r>
+              <a:rPr lang="en-US" dirty="0" smtClean="0"/>
+              <a:t> </a:t>
+            </a:r>
+            <a:r>
+              <a:rPr lang="en-US" dirty="0" err="1" smtClean="0"/>
+              <a:t>EmailClusterId</a:t>
+            </a:r>
+            <a:r>
+              <a:rPr lang="en-US" dirty="0" smtClean="0"/>
+              <a:t>: Unique identifier for the email cluster. </a:t>
+            </a:r>
+          </a:p>
+          <a:p>
+            <a:pPr>
+              <a:buFont typeface="Arial" pitchFamily="34" charset="0"/>
+              <a:buChar char="•"/>
+            </a:pPr>
+            <a:r>
+              <a:rPr lang="en-US" dirty="0" err="1" smtClean="0"/>
+              <a:t>RegistryKey</a:t>
+            </a:r>
+            <a:r>
+              <a:rPr lang="en-US" dirty="0" smtClean="0"/>
+              <a:t>: Registry key involved. </a:t>
+            </a:r>
+          </a:p>
+          <a:p>
+            <a:pPr>
+              <a:buFont typeface="Arial" pitchFamily="34" charset="0"/>
+              <a:buChar char="•"/>
+            </a:pPr>
+            <a:r>
+              <a:rPr lang="en-US" dirty="0" err="1" smtClean="0"/>
+              <a:t>RegistryValueName</a:t>
+            </a:r>
+            <a:r>
+              <a:rPr lang="en-US" dirty="0" smtClean="0"/>
+              <a:t>: Name of the registry value. </a:t>
+            </a:r>
+          </a:p>
+          <a:p>
+            <a:pPr>
+              <a:buFont typeface="Arial" pitchFamily="34" charset="0"/>
+              <a:buChar char="•"/>
+            </a:pPr>
+            <a:r>
+              <a:rPr lang="en-US" dirty="0" err="1" smtClean="0"/>
+              <a:t>RegistryValueData</a:t>
+            </a:r>
+            <a:r>
+              <a:rPr lang="en-US" dirty="0" smtClean="0"/>
+              <a:t>: Data of the registry value. </a:t>
+            </a:r>
           </a:p>
         </p:txBody>
       </p:sp>
@@ -7700,8 +8208,8 @@
         </p:nvSpPr>
         <p:spPr>
           <a:xfrm>
-            <a:off x="533400" y="152400"/>
-            <a:ext cx="8305800" cy="5078313"/>
+            <a:off x="304800" y="228601"/>
+            <a:ext cx="8458200" cy="4524315"/>
           </a:xfrm>
           <a:prstGeom prst="rect">
             <a:avLst/>
@@ -7719,169 +8227,35 @@
             </a:pPr>
             <a:r>
               <a:rPr lang="en-US" dirty="0" err="1" smtClean="0"/>
-              <a:t>ActionGrouped</a:t>
-            </a:r>
-            <a:r>
-              <a:rPr lang="en-US" dirty="0" smtClean="0"/>
-              <a:t>: SOC alert remediation action (high level).</a:t>
-            </a:r>
-          </a:p>
-          <a:p>
-            <a:pPr>
-              <a:buFont typeface="Arial" pitchFamily="34" charset="0"/>
-              <a:buChar char="•"/>
-            </a:pPr>
-            <a:r>
-              <a:rPr lang="en-US" dirty="0" smtClean="0"/>
-              <a:t> </a:t>
-            </a:r>
-            <a:r>
-              <a:rPr lang="en-US" dirty="0" err="1" smtClean="0"/>
-              <a:t>ActionGranular</a:t>
-            </a:r>
-            <a:r>
-              <a:rPr lang="en-US" dirty="0" smtClean="0"/>
-              <a:t>: SOC alert remediation action (fine-grain). </a:t>
-            </a:r>
-          </a:p>
-          <a:p>
-            <a:pPr>
-              <a:buFont typeface="Arial" pitchFamily="34" charset="0"/>
-              <a:buChar char="•"/>
-            </a:pPr>
-            <a:r>
-              <a:rPr lang="en-US" dirty="0" err="1" smtClean="0"/>
-              <a:t>EntityType</a:t>
-            </a:r>
-            <a:r>
-              <a:rPr lang="en-US" dirty="0" smtClean="0"/>
-              <a:t>: Type of entity involved in the alert</a:t>
-            </a:r>
-          </a:p>
-          <a:p>
-            <a:pPr>
-              <a:buFont typeface="Arial" pitchFamily="34" charset="0"/>
-              <a:buChar char="•"/>
-            </a:pPr>
-            <a:r>
-              <a:rPr lang="en-US" dirty="0" smtClean="0"/>
-              <a:t> </a:t>
-            </a:r>
-            <a:r>
-              <a:rPr lang="en-US" dirty="0" err="1" smtClean="0"/>
-              <a:t>EvidenceRole</a:t>
-            </a:r>
-            <a:r>
-              <a:rPr lang="en-US" dirty="0" smtClean="0"/>
-              <a:t>: Role of the evidence in the investigation. </a:t>
-            </a:r>
-          </a:p>
-          <a:p>
-            <a:pPr>
-              <a:buFont typeface="Arial" pitchFamily="34" charset="0"/>
-              <a:buChar char="•"/>
-            </a:pPr>
-            <a:r>
-              <a:rPr lang="en-US" dirty="0" err="1" smtClean="0"/>
-              <a:t>RolesAdditional</a:t>
-            </a:r>
-            <a:r>
-              <a:rPr lang="en-US" dirty="0" smtClean="0"/>
-              <a:t>: Metadata on evidence role in the alert. </a:t>
-            </a:r>
-          </a:p>
-          <a:p>
-            <a:pPr>
-              <a:buFont typeface="Arial" pitchFamily="34" charset="0"/>
-              <a:buChar char="•"/>
-            </a:pPr>
-            <a:r>
-              <a:rPr lang="en-US" dirty="0" err="1" smtClean="0"/>
-              <a:t>DeviceId</a:t>
-            </a:r>
-            <a:r>
-              <a:rPr lang="en-US" dirty="0" smtClean="0"/>
-              <a:t>: Unique identifier for the device. </a:t>
-            </a:r>
-          </a:p>
-          <a:p>
-            <a:pPr>
-              <a:buFont typeface="Arial" pitchFamily="34" charset="0"/>
-              <a:buChar char="•"/>
-            </a:pPr>
-            <a:r>
-              <a:rPr lang="en-US" dirty="0" err="1" smtClean="0"/>
-              <a:t>DeviceName</a:t>
-            </a:r>
-            <a:r>
-              <a:rPr lang="en-US" dirty="0" smtClean="0"/>
-              <a:t>: Name of the device. Sha256: SHA-256 hash of the file. </a:t>
-            </a:r>
-          </a:p>
-          <a:p>
-            <a:pPr>
-              <a:buFont typeface="Arial" pitchFamily="34" charset="0"/>
-              <a:buChar char="•"/>
-            </a:pPr>
-            <a:r>
-              <a:rPr lang="en-US" dirty="0" err="1" smtClean="0"/>
-              <a:t>IpAddress</a:t>
-            </a:r>
-            <a:r>
-              <a:rPr lang="en-US" dirty="0" smtClean="0"/>
-              <a:t>: IP address involved. </a:t>
-            </a:r>
-          </a:p>
-          <a:p>
-            <a:pPr>
-              <a:buFont typeface="Arial" pitchFamily="34" charset="0"/>
-              <a:buChar char="•"/>
-            </a:pPr>
-            <a:r>
-              <a:rPr lang="en-US" dirty="0" err="1" smtClean="0"/>
-              <a:t>Url</a:t>
-            </a:r>
-            <a:r>
-              <a:rPr lang="en-US" dirty="0" smtClean="0"/>
-              <a:t>: URL involved. </a:t>
-            </a:r>
-          </a:p>
-          <a:p>
-            <a:pPr>
-              <a:buFont typeface="Arial" pitchFamily="34" charset="0"/>
-              <a:buChar char="•"/>
-            </a:pPr>
-            <a:r>
-              <a:rPr lang="en-US" dirty="0" err="1" smtClean="0"/>
-              <a:t>AccountSid</a:t>
-            </a:r>
-            <a:r>
-              <a:rPr lang="en-US" dirty="0" smtClean="0"/>
-              <a:t>: On-premises account identifier. </a:t>
-            </a:r>
-          </a:p>
-          <a:p>
-            <a:pPr>
-              <a:buFont typeface="Arial" pitchFamily="34" charset="0"/>
-              <a:buChar char="•"/>
-            </a:pPr>
-            <a:r>
-              <a:rPr lang="en-US" dirty="0" err="1" smtClean="0"/>
-              <a:t>AccountUpn</a:t>
-            </a:r>
-            <a:r>
-              <a:rPr lang="en-US" dirty="0" smtClean="0"/>
-              <a:t>: Email account identifier. </a:t>
-            </a:r>
-          </a:p>
-          <a:p>
-            <a:pPr>
-              <a:buFont typeface="Arial" pitchFamily="34" charset="0"/>
-              <a:buChar char="•"/>
-            </a:pPr>
-            <a:r>
-              <a:rPr lang="en-US" dirty="0" err="1" smtClean="0"/>
-              <a:t>AccountObjectId</a:t>
+              <a:t>ApplicationId</a:t>
+            </a:r>
+            <a:r>
+              <a:rPr lang="en-US" dirty="0" smtClean="0"/>
+              <a:t>: Unique identifier for the application. </a:t>
+            </a:r>
+          </a:p>
+          <a:p>
+            <a:pPr>
+              <a:buFont typeface="Arial" pitchFamily="34" charset="0"/>
+              <a:buChar char="•"/>
+            </a:pPr>
+            <a:r>
+              <a:rPr lang="en-US" dirty="0" err="1" smtClean="0"/>
+              <a:t>ApplicationName</a:t>
+            </a:r>
+            <a:r>
+              <a:rPr lang="en-US" dirty="0" smtClean="0"/>
+              <a:t>: Name of the application. </a:t>
+            </a:r>
+          </a:p>
+          <a:p>
+            <a:pPr>
+              <a:buFont typeface="Arial" pitchFamily="34" charset="0"/>
+              <a:buChar char="•"/>
+            </a:pPr>
+            <a:r>
+              <a:rPr lang="en-US" dirty="0" err="1" smtClean="0"/>
+              <a:t>OAuthApplicationId</a:t>
             </a:r>
             <a:r>
               <a:rPr lang="en-US" dirty="0" smtClean="0"/>
@@ -7889,100 +8263,195 @@
             </a:r>
             <a:r>
               <a:rPr lang="en-US" dirty="0" err="1" smtClean="0"/>
-              <a:t>Entra</a:t>
-            </a:r>
-            <a:r>
-              <a:rPr lang="en-US" dirty="0" smtClean="0"/>
-              <a:t> ID account identifier. </a:t>
-            </a:r>
-          </a:p>
-          <a:p>
-            <a:pPr>
-              <a:buFont typeface="Arial" pitchFamily="34" charset="0"/>
-              <a:buChar char="•"/>
-            </a:pPr>
-            <a:r>
-              <a:rPr lang="en-US" dirty="0" err="1" smtClean="0"/>
-              <a:t>AccountName</a:t>
-            </a:r>
-            <a:r>
-              <a:rPr lang="en-US" dirty="0" smtClean="0"/>
-              <a:t>: Name of the on-premises account. </a:t>
-            </a:r>
-          </a:p>
-          <a:p>
-            <a:pPr>
-              <a:buFont typeface="Arial" pitchFamily="34" charset="0"/>
-              <a:buChar char="•"/>
-            </a:pPr>
-            <a:r>
-              <a:rPr lang="en-US" dirty="0" err="1" smtClean="0"/>
-              <a:t>NetworkMessageId</a:t>
-            </a:r>
-            <a:r>
-              <a:rPr lang="en-US" dirty="0" smtClean="0"/>
-              <a:t>: Org-level identifier for the email message.</a:t>
-            </a:r>
-          </a:p>
-          <a:p>
-            <a:pPr>
-              <a:buFont typeface="Arial" pitchFamily="34" charset="0"/>
-              <a:buChar char="•"/>
-            </a:pPr>
-            <a:r>
-              <a:rPr lang="en-US" dirty="0" smtClean="0"/>
-              <a:t> </a:t>
-            </a:r>
-            <a:r>
-              <a:rPr lang="en-US" dirty="0" err="1" smtClean="0"/>
-              <a:t>EmailClusterId</a:t>
-            </a:r>
-            <a:r>
-              <a:rPr lang="en-US" dirty="0" smtClean="0"/>
-              <a:t>: Unique identifier for the email cluster. </a:t>
-            </a:r>
-          </a:p>
-          <a:p>
-            <a:pPr>
-              <a:buFont typeface="Arial" pitchFamily="34" charset="0"/>
-              <a:buChar char="•"/>
-            </a:pPr>
-            <a:r>
-              <a:rPr lang="en-US" dirty="0" err="1" smtClean="0"/>
-              <a:t>RegistryKey</a:t>
-            </a:r>
-            <a:r>
-              <a:rPr lang="en-US" dirty="0" smtClean="0"/>
-              <a:t>: Registry key involved. </a:t>
-            </a:r>
-          </a:p>
-          <a:p>
-            <a:pPr>
-              <a:buFont typeface="Arial" pitchFamily="34" charset="0"/>
-              <a:buChar char="•"/>
-            </a:pPr>
-            <a:r>
-              <a:rPr lang="en-US" dirty="0" err="1" smtClean="0"/>
-              <a:t>RegistryValueName</a:t>
-            </a:r>
-            <a:r>
-              <a:rPr lang="en-US" dirty="0" smtClean="0"/>
-              <a:t>: Name of the registry value. </a:t>
-            </a:r>
-          </a:p>
-          <a:p>
-            <a:pPr>
-              <a:buFont typeface="Arial" pitchFamily="34" charset="0"/>
-              <a:buChar char="•"/>
-            </a:pPr>
-            <a:r>
-              <a:rPr lang="en-US" dirty="0" err="1" smtClean="0"/>
-              <a:t>RegistryValueData</a:t>
-            </a:r>
-            <a:r>
-              <a:rPr lang="en-US" dirty="0" smtClean="0"/>
-              <a:t>: Data of the registry value. </a:t>
-            </a:r>
+              <a:t>OAuth</a:t>
+            </a:r>
+            <a:r>
+              <a:rPr lang="en-US" dirty="0" smtClean="0"/>
+              <a:t> application identifier. </a:t>
+            </a:r>
+          </a:p>
+          <a:p>
+            <a:pPr>
+              <a:buFont typeface="Arial" pitchFamily="34" charset="0"/>
+              <a:buChar char="•"/>
+            </a:pPr>
+            <a:r>
+              <a:rPr lang="en-US" dirty="0" err="1" smtClean="0"/>
+              <a:t>ThreatFamily</a:t>
+            </a:r>
+            <a:r>
+              <a:rPr lang="en-US" dirty="0" smtClean="0"/>
+              <a:t>: Malware family associated with a file. </a:t>
+            </a:r>
+          </a:p>
+          <a:p>
+            <a:pPr>
+              <a:buFont typeface="Arial" pitchFamily="34" charset="0"/>
+              <a:buChar char="•"/>
+            </a:pPr>
+            <a:r>
+              <a:rPr lang="en-US" dirty="0" err="1" smtClean="0"/>
+              <a:t>FileName</a:t>
+            </a:r>
+            <a:r>
+              <a:rPr lang="en-US" dirty="0" smtClean="0"/>
+              <a:t>: Name of the file. </a:t>
+            </a:r>
+          </a:p>
+          <a:p>
+            <a:pPr>
+              <a:buFont typeface="Arial" pitchFamily="34" charset="0"/>
+              <a:buChar char="•"/>
+            </a:pPr>
+            <a:r>
+              <a:rPr lang="en-US" dirty="0" err="1" smtClean="0"/>
+              <a:t>FolderPath</a:t>
+            </a:r>
+            <a:r>
+              <a:rPr lang="en-US" dirty="0" smtClean="0"/>
+              <a:t>: Path of the file folder.</a:t>
+            </a:r>
+          </a:p>
+          <a:p>
+            <a:pPr>
+              <a:buFont typeface="Arial" pitchFamily="34" charset="0"/>
+              <a:buChar char="•"/>
+            </a:pPr>
+            <a:r>
+              <a:rPr lang="en-US" dirty="0" err="1" smtClean="0"/>
+              <a:t>ResourceIdName</a:t>
+            </a:r>
+            <a:r>
+              <a:rPr lang="en-US" dirty="0" smtClean="0"/>
+              <a:t>: Name of the Azure resource. </a:t>
+            </a:r>
+          </a:p>
+          <a:p>
+            <a:pPr>
+              <a:buFont typeface="Arial" pitchFamily="34" charset="0"/>
+              <a:buChar char="•"/>
+            </a:pPr>
+            <a:r>
+              <a:rPr lang="en-US" dirty="0" err="1" smtClean="0"/>
+              <a:t>ResourceType</a:t>
+            </a:r>
+            <a:r>
+              <a:rPr lang="en-US" dirty="0" smtClean="0"/>
+              <a:t>: Type of Azure resource. </a:t>
+            </a:r>
+          </a:p>
+          <a:p>
+            <a:pPr>
+              <a:buFont typeface="Arial" pitchFamily="34" charset="0"/>
+              <a:buChar char="•"/>
+            </a:pPr>
+            <a:r>
+              <a:rPr lang="en-US" dirty="0" err="1" smtClean="0"/>
+              <a:t>OSFamily</a:t>
+            </a:r>
+            <a:r>
+              <a:rPr lang="en-US" dirty="0" smtClean="0"/>
+              <a:t>: Family of the operating system. </a:t>
+            </a:r>
+          </a:p>
+          <a:p>
+            <a:pPr>
+              <a:buFont typeface="Arial" pitchFamily="34" charset="0"/>
+              <a:buChar char="•"/>
+            </a:pPr>
+            <a:r>
+              <a:rPr lang="en-US" dirty="0" err="1" smtClean="0"/>
+              <a:t>OSVersion</a:t>
+            </a:r>
+            <a:r>
+              <a:rPr lang="en-US" dirty="0" smtClean="0"/>
+              <a:t>: Version of the operating system. </a:t>
+            </a:r>
+          </a:p>
+          <a:p>
+            <a:pPr>
+              <a:buFont typeface="Arial" pitchFamily="34" charset="0"/>
+              <a:buChar char="•"/>
+            </a:pPr>
+            <a:r>
+              <a:rPr lang="en-US" dirty="0" err="1" smtClean="0"/>
+              <a:t>AntispamDirection</a:t>
+            </a:r>
+            <a:r>
+              <a:rPr lang="en-US" dirty="0" smtClean="0"/>
+              <a:t>: Direction of the </a:t>
+            </a:r>
+            <a:r>
+              <a:rPr lang="en-US" dirty="0" err="1" smtClean="0"/>
+              <a:t>antispam</a:t>
+            </a:r>
+            <a:r>
+              <a:rPr lang="en-US" dirty="0" smtClean="0"/>
+              <a:t> filter. </a:t>
+            </a:r>
+          </a:p>
+          <a:p>
+            <a:pPr>
+              <a:buFont typeface="Arial" pitchFamily="34" charset="0"/>
+              <a:buChar char="•"/>
+            </a:pPr>
+            <a:r>
+              <a:rPr lang="en-US" dirty="0" err="1" smtClean="0"/>
+              <a:t>SuspicionLevel</a:t>
+            </a:r>
+            <a:r>
+              <a:rPr lang="en-US" dirty="0" smtClean="0"/>
+              <a:t>: Level of suspicion. </a:t>
+            </a:r>
+          </a:p>
+          <a:p>
+            <a:pPr>
+              <a:buFont typeface="Arial" pitchFamily="34" charset="0"/>
+              <a:buChar char="•"/>
+            </a:pPr>
+            <a:r>
+              <a:rPr lang="en-US" dirty="0" err="1" smtClean="0"/>
+              <a:t>LastVerdict</a:t>
+            </a:r>
+            <a:r>
+              <a:rPr lang="en-US" dirty="0" smtClean="0"/>
+              <a:t>: Final verdict of threat analysis. </a:t>
+            </a:r>
+          </a:p>
+          <a:p>
+            <a:pPr>
+              <a:buFont typeface="Arial" pitchFamily="34" charset="0"/>
+              <a:buChar char="•"/>
+            </a:pPr>
+            <a:r>
+              <a:rPr lang="en-US" dirty="0" err="1" smtClean="0"/>
+              <a:t>CountryCode</a:t>
+            </a:r>
+            <a:r>
+              <a:rPr lang="en-US" dirty="0" smtClean="0"/>
+              <a:t>: Country code where evidence appears. </a:t>
+            </a:r>
+          </a:p>
+          <a:p>
+            <a:pPr>
+              <a:buFont typeface="Arial" pitchFamily="34" charset="0"/>
+              <a:buChar char="•"/>
+            </a:pPr>
+            <a:r>
+              <a:rPr lang="en-US" dirty="0" smtClean="0"/>
+              <a:t>State: State where evidence appears.</a:t>
+            </a:r>
+          </a:p>
+          <a:p>
+            <a:pPr>
+              <a:buFont typeface="Arial" pitchFamily="34" charset="0"/>
+              <a:buChar char="•"/>
+            </a:pPr>
+            <a:r>
+              <a:rPr lang="en-US" dirty="0" smtClean="0"/>
+              <a:t> City: City where evidence appears.</a:t>
+            </a:r>
+            <a:endParaRPr lang="en-US" dirty="0"/>
           </a:p>
         </p:txBody>
       </p:sp>
@@ -7995,286 +8464,6 @@
 </file>
 
 <file path=ppt/slides/slide6.xml><?xml version="1.0" encoding="utf-8"?>
-<p:sld xmlns:a="http://schemas.openxmlformats.org/drawingml/2006/main" xmlns:r="http://schemas.openxmlformats.org/officeDocument/2006/relationships" xmlns:p="http://schemas.openxmlformats.org/presentationml/2006/main">
-  <p:cSld>
-    <p:spTree>
-      <p:nvGrpSpPr>
-        <p:cNvPr id="1" name=""/>
-        <p:cNvGrpSpPr/>
-        <p:nvPr/>
-      </p:nvGrpSpPr>
-      <p:grpSpPr>
-        <a:xfrm>
-          <a:off x="0" y="0"/>
-          <a:ext cx="0" cy="0"/>
-          <a:chOff x="0" y="0"/>
-          <a:chExt cx="0" cy="0"/>
-        </a:xfrm>
-      </p:grpSpPr>
-      <p:sp>
-        <p:nvSpPr>
-          <p:cNvPr id="2" name="Rectangle 1"/>
-          <p:cNvSpPr/>
-          <p:nvPr/>
-        </p:nvSpPr>
-        <p:spPr>
-          <a:xfrm>
-            <a:off x="304800" y="228601"/>
-            <a:ext cx="8458200" cy="4524315"/>
-          </a:xfrm>
-          <a:prstGeom prst="rect">
-            <a:avLst/>
-          </a:prstGeom>
-        </p:spPr>
-        <p:txBody>
-          <a:bodyPr wrap="square">
-            <a:spAutoFit/>
-          </a:bodyPr>
-          <a:lstStyle/>
-          <a:p>
-            <a:pPr>
-              <a:buFont typeface="Arial" pitchFamily="34" charset="0"/>
-              <a:buChar char="•"/>
-            </a:pPr>
-            <a:r>
-              <a:rPr lang="en-US" dirty="0" err="1" smtClean="0"/>
-              <a:t>ApplicationId</a:t>
-            </a:r>
-            <a:r>
-              <a:rPr lang="en-US" dirty="0" smtClean="0"/>
-              <a:t>: Unique identifier for the application. </a:t>
-            </a:r>
-          </a:p>
-          <a:p>
-            <a:pPr>
-              <a:buFont typeface="Arial" pitchFamily="34" charset="0"/>
-              <a:buChar char="•"/>
-            </a:pPr>
-            <a:r>
-              <a:rPr lang="en-US" dirty="0" err="1" smtClean="0"/>
-              <a:t>ApplicationName</a:t>
-            </a:r>
-            <a:r>
-              <a:rPr lang="en-US" dirty="0" smtClean="0"/>
-              <a:t>: Name of the application. </a:t>
-            </a:r>
-          </a:p>
-          <a:p>
-            <a:pPr>
-              <a:buFont typeface="Arial" pitchFamily="34" charset="0"/>
-              <a:buChar char="•"/>
-            </a:pPr>
-            <a:r>
-              <a:rPr lang="en-US" dirty="0" err="1" smtClean="0"/>
-              <a:t>OAuthApplicationId</a:t>
-            </a:r>
-            <a:r>
-              <a:rPr lang="en-US" dirty="0" smtClean="0"/>
-              <a:t>: </a:t>
-            </a:r>
-            <a:r>
-              <a:rPr lang="en-US" dirty="0" err="1" smtClean="0"/>
-              <a:t>OAuth</a:t>
-            </a:r>
-            <a:r>
-              <a:rPr lang="en-US" dirty="0" smtClean="0"/>
-              <a:t> application identifier. </a:t>
-            </a:r>
-          </a:p>
-          <a:p>
-            <a:pPr>
-              <a:buFont typeface="Arial" pitchFamily="34" charset="0"/>
-              <a:buChar char="•"/>
-            </a:pPr>
-            <a:r>
-              <a:rPr lang="en-US" dirty="0" err="1" smtClean="0"/>
-              <a:t>ThreatFamily</a:t>
-            </a:r>
-            <a:r>
-              <a:rPr lang="en-US" dirty="0" smtClean="0"/>
-              <a:t>: Malware family associated with a file. </a:t>
-            </a:r>
-          </a:p>
-          <a:p>
-            <a:pPr>
-              <a:buFont typeface="Arial" pitchFamily="34" charset="0"/>
-              <a:buChar char="•"/>
-            </a:pPr>
-            <a:r>
-              <a:rPr lang="en-US" dirty="0" err="1" smtClean="0"/>
-              <a:t>FileName</a:t>
-            </a:r>
-            <a:r>
-              <a:rPr lang="en-US" dirty="0" smtClean="0"/>
-              <a:t>: Name of the file. </a:t>
-            </a:r>
-          </a:p>
-          <a:p>
-            <a:pPr>
-              <a:buFont typeface="Arial" pitchFamily="34" charset="0"/>
-              <a:buChar char="•"/>
-            </a:pPr>
-            <a:r>
-              <a:rPr lang="en-US" dirty="0" err="1" smtClean="0"/>
-              <a:t>FolderPath</a:t>
-            </a:r>
-            <a:r>
-              <a:rPr lang="en-US" dirty="0" smtClean="0"/>
-              <a:t>: Path of the file folder.</a:t>
-            </a:r>
-          </a:p>
-          <a:p>
-            <a:pPr>
-              <a:buFont typeface="Arial" pitchFamily="34" charset="0"/>
-              <a:buChar char="•"/>
-            </a:pPr>
-            <a:r>
-              <a:rPr lang="en-US" dirty="0" err="1" smtClean="0"/>
-              <a:t>ResourceIdName</a:t>
-            </a:r>
-            <a:r>
-              <a:rPr lang="en-US" dirty="0" smtClean="0"/>
-              <a:t>: Name of the Azure resource. </a:t>
-            </a:r>
-          </a:p>
-          <a:p>
-            <a:pPr>
-              <a:buFont typeface="Arial" pitchFamily="34" charset="0"/>
-              <a:buChar char="•"/>
-            </a:pPr>
-            <a:r>
-              <a:rPr lang="en-US" dirty="0" err="1" smtClean="0"/>
-              <a:t>ResourceType</a:t>
-            </a:r>
-            <a:r>
-              <a:rPr lang="en-US" dirty="0" smtClean="0"/>
-              <a:t>: Type of Azure resource. </a:t>
-            </a:r>
-          </a:p>
-          <a:p>
-            <a:pPr>
-              <a:buFont typeface="Arial" pitchFamily="34" charset="0"/>
-              <a:buChar char="•"/>
-            </a:pPr>
-            <a:r>
-              <a:rPr lang="en-US" dirty="0" err="1" smtClean="0"/>
-              <a:t>OSFamily</a:t>
-            </a:r>
-            <a:r>
-              <a:rPr lang="en-US" dirty="0" smtClean="0"/>
-              <a:t>: Family of the operating system. </a:t>
-            </a:r>
-          </a:p>
-          <a:p>
-            <a:pPr>
-              <a:buFont typeface="Arial" pitchFamily="34" charset="0"/>
-              <a:buChar char="•"/>
-            </a:pPr>
-            <a:r>
-              <a:rPr lang="en-US" dirty="0" err="1" smtClean="0"/>
-              <a:t>OSVersion</a:t>
-            </a:r>
-            <a:r>
-              <a:rPr lang="en-US" dirty="0" smtClean="0"/>
-              <a:t>: Version of the operating system. </a:t>
-            </a:r>
-          </a:p>
-          <a:p>
-            <a:pPr>
-              <a:buFont typeface="Arial" pitchFamily="34" charset="0"/>
-              <a:buChar char="•"/>
-            </a:pPr>
-            <a:r>
-              <a:rPr lang="en-US" dirty="0" err="1" smtClean="0"/>
-              <a:t>AntispamDirection</a:t>
-            </a:r>
-            <a:r>
-              <a:rPr lang="en-US" dirty="0" smtClean="0"/>
-              <a:t>: Direction of the </a:t>
-            </a:r>
-            <a:r>
-              <a:rPr lang="en-US" dirty="0" err="1" smtClean="0"/>
-              <a:t>antispam</a:t>
-            </a:r>
-            <a:r>
-              <a:rPr lang="en-US" dirty="0" smtClean="0"/>
-              <a:t> filter. </a:t>
-            </a:r>
-          </a:p>
-          <a:p>
-            <a:pPr>
-              <a:buFont typeface="Arial" pitchFamily="34" charset="0"/>
-              <a:buChar char="•"/>
-            </a:pPr>
-            <a:r>
-              <a:rPr lang="en-US" dirty="0" err="1" smtClean="0"/>
-              <a:t>SuspicionLevel</a:t>
-            </a:r>
-            <a:r>
-              <a:rPr lang="en-US" dirty="0" smtClean="0"/>
-              <a:t>: Level of suspicion. </a:t>
-            </a:r>
-          </a:p>
-          <a:p>
-            <a:pPr>
-              <a:buFont typeface="Arial" pitchFamily="34" charset="0"/>
-              <a:buChar char="•"/>
-            </a:pPr>
-            <a:r>
-              <a:rPr lang="en-US" dirty="0" err="1" smtClean="0"/>
-              <a:t>LastVerdict</a:t>
-            </a:r>
-            <a:r>
-              <a:rPr lang="en-US" dirty="0" smtClean="0"/>
-              <a:t>: Final verdict of threat analysis. </a:t>
-            </a:r>
-          </a:p>
-          <a:p>
-            <a:pPr>
-              <a:buFont typeface="Arial" pitchFamily="34" charset="0"/>
-              <a:buChar char="•"/>
-            </a:pPr>
-            <a:r>
-              <a:rPr lang="en-US" dirty="0" err="1" smtClean="0"/>
-              <a:t>CountryCode</a:t>
-            </a:r>
-            <a:r>
-              <a:rPr lang="en-US" dirty="0" smtClean="0"/>
-              <a:t>: Country code where evidence appears. </a:t>
-            </a:r>
-          </a:p>
-          <a:p>
-            <a:pPr>
-              <a:buFont typeface="Arial" pitchFamily="34" charset="0"/>
-              <a:buChar char="•"/>
-            </a:pPr>
-            <a:r>
-              <a:rPr lang="en-US" dirty="0" smtClean="0"/>
-              <a:t>State: State where evidence appears.</a:t>
-            </a:r>
-          </a:p>
-          <a:p>
-            <a:pPr>
-              <a:buFont typeface="Arial" pitchFamily="34" charset="0"/>
-              <a:buChar char="•"/>
-            </a:pPr>
-            <a:r>
-              <a:rPr lang="en-US" dirty="0" smtClean="0"/>
-              <a:t> City: City where evidence appears.</a:t>
-            </a:r>
-            <a:endParaRPr lang="en-US" dirty="0"/>
-          </a:p>
-        </p:txBody>
-      </p:sp>
-    </p:spTree>
-  </p:cSld>
-  <p:clrMapOvr>
-    <a:masterClrMapping/>
-  </p:clrMapOvr>
-</p:sld>
-</file>
-
-<file path=ppt/slides/slide7.xml><?xml version="1.0" encoding="utf-8"?>
 <p:sld xmlns:a="http://schemas.openxmlformats.org/drawingml/2006/main" xmlns:r="http://schemas.openxmlformats.org/officeDocument/2006/relationships" xmlns:p="http://schemas.openxmlformats.org/presentationml/2006/main">
   <p:cSld>
     <p:spTree>
@@ -8409,6 +8598,126 @@
 </p:sld>
 </file>
 
+<file path=ppt/slides/slide7.xml><?xml version="1.0" encoding="utf-8"?>
+<p:sld xmlns:a="http://schemas.openxmlformats.org/drawingml/2006/main" xmlns:r="http://schemas.openxmlformats.org/officeDocument/2006/relationships" xmlns:p="http://schemas.openxmlformats.org/presentationml/2006/main">
+  <p:cSld>
+    <p:spTree>
+      <p:nvGrpSpPr>
+        <p:cNvPr id="1" name=""/>
+        <p:cNvGrpSpPr/>
+        <p:nvPr/>
+      </p:nvGrpSpPr>
+      <p:grpSpPr>
+        <a:xfrm>
+          <a:off x="0" y="0"/>
+          <a:ext cx="0" cy="0"/>
+          <a:chOff x="0" y="0"/>
+          <a:chExt cx="0" cy="0"/>
+        </a:xfrm>
+      </p:grpSpPr>
+      <p:sp>
+        <p:nvSpPr>
+          <p:cNvPr id="2" name="Rectangle 1"/>
+          <p:cNvSpPr/>
+          <p:nvPr/>
+        </p:nvSpPr>
+        <p:spPr>
+          <a:xfrm>
+            <a:off x="457200" y="457200"/>
+            <a:ext cx="8382000" cy="5078313"/>
+          </a:xfrm>
+          <a:prstGeom prst="rect">
+            <a:avLst/>
+          </a:prstGeom>
+        </p:spPr>
+        <p:txBody>
+          <a:bodyPr wrap="square">
+            <a:spAutoFit/>
+          </a:bodyPr>
+          <a:lstStyle/>
+          <a:p>
+            <a:endParaRPr lang="en-US" dirty="0" smtClean="0"/>
+          </a:p>
+          <a:p>
+            <a:r>
+              <a:rPr lang="en-US" dirty="0" smtClean="0"/>
+              <a:t> </a:t>
+            </a:r>
+            <a:r>
+              <a:rPr lang="en-US" b="1" dirty="0" smtClean="0"/>
+              <a:t>Data Exploration: </a:t>
+            </a:r>
+          </a:p>
+          <a:p>
+            <a:endParaRPr lang="en-IN" b="1" dirty="0" smtClean="0"/>
+          </a:p>
+          <a:p>
+            <a:endParaRPr lang="en-IN" b="1" dirty="0" smtClean="0"/>
+          </a:p>
+          <a:p>
+            <a:endParaRPr lang="en-IN" b="1" dirty="0" smtClean="0"/>
+          </a:p>
+          <a:p>
+            <a:endParaRPr lang="en-US" b="1" dirty="0" smtClean="0"/>
+          </a:p>
+          <a:p>
+            <a:r>
+              <a:rPr lang="en-US" dirty="0" smtClean="0"/>
+              <a:t>• Data Loading: The dataset was loaded in chunks to handle its large size. </a:t>
+            </a:r>
+          </a:p>
+          <a:p>
+            <a:endParaRPr lang="en-US" dirty="0" smtClean="0"/>
+          </a:p>
+          <a:p>
+            <a:r>
+              <a:rPr lang="en-US" dirty="0" smtClean="0"/>
+              <a:t>• Summary Statistics: The data was </a:t>
+            </a:r>
+            <a:r>
+              <a:rPr lang="en-US" dirty="0" err="1" smtClean="0"/>
+              <a:t>analysed</a:t>
+            </a:r>
+            <a:r>
+              <a:rPr lang="en-US" dirty="0" smtClean="0"/>
+              <a:t> to check its structure, data types, and missing values. </a:t>
+            </a:r>
+          </a:p>
+          <a:p>
+            <a:endParaRPr lang="en-US" dirty="0" smtClean="0"/>
+          </a:p>
+          <a:p>
+            <a:r>
+              <a:rPr lang="en-US" dirty="0" smtClean="0"/>
+              <a:t>• Visualizations: The distribution of key features, including the target variable (Incident Grade), was visualized to understand class imbalances.</a:t>
+            </a:r>
+          </a:p>
+          <a:p>
+            <a:endParaRPr lang="en-US" dirty="0" smtClean="0"/>
+          </a:p>
+          <a:p>
+            <a:r>
+              <a:rPr lang="en-US" dirty="0" smtClean="0"/>
+              <a:t> </a:t>
+            </a:r>
+          </a:p>
+          <a:p>
+            <a:r>
+              <a:rPr lang="en-US" dirty="0" smtClean="0"/>
+              <a:t>• Class Imbalance: The Benign Positive class is significantly overrepresented compared to the other classes. </a:t>
+            </a:r>
+            <a:endParaRPr lang="en-US" dirty="0"/>
+          </a:p>
+        </p:txBody>
+      </p:sp>
+    </p:spTree>
+  </p:cSld>
+  <p:clrMapOvr>
+    <a:masterClrMapping/>
+  </p:clrMapOvr>
+</p:sld>
+</file>
+
 <file path=ppt/slides/slide8.xml><?xml version="1.0" encoding="utf-8"?>
 <p:sld xmlns:a="http://schemas.openxmlformats.org/drawingml/2006/main" xmlns:r="http://schemas.openxmlformats.org/officeDocument/2006/relationships" xmlns:p="http://schemas.openxmlformats.org/presentationml/2006/main">
   <p:cSld>
@@ -8434,8 +8743,8 @@
         </p:nvSpPr>
         <p:spPr>
           <a:xfrm>
-            <a:off x="457200" y="457200"/>
-            <a:ext cx="8382000" cy="5078313"/>
+            <a:off x="228600" y="381000"/>
+            <a:ext cx="8305800" cy="5909310"/>
           </a:xfrm>
           <a:prstGeom prst="rect">
             <a:avLst/>
@@ -8447,85 +8756,190 @@
           </a:bodyPr>
           <a:lstStyle/>
           <a:p>
+            <a:r>
+              <a:rPr lang="en-US" b="1" dirty="0" smtClean="0"/>
+              <a:t>Dropping Pure Identifier Columns:</a:t>
+            </a:r>
+          </a:p>
+          <a:p>
+            <a:r>
+              <a:rPr lang="en-US" b="1" dirty="0" smtClean="0"/>
+              <a:t>Columns with More Than 50% Missing Values:</a:t>
+            </a:r>
+          </a:p>
+          <a:p>
             <a:endParaRPr lang="en-US" dirty="0" smtClean="0"/>
           </a:p>
           <a:p>
             <a:r>
               <a:rPr lang="en-US" dirty="0" smtClean="0"/>
-              <a:t> </a:t>
-            </a:r>
+              <a:t>10 columns were identified with more than 50% missing values:</a:t>
+            </a:r>
+          </a:p>
+          <a:p>
+            <a:pPr>
+              <a:buFont typeface="Arial" pitchFamily="34" charset="0"/>
+              <a:buChar char="•"/>
+            </a:pPr>
+            <a:r>
+              <a:rPr lang="en-US" dirty="0" err="1" smtClean="0"/>
+              <a:t>MitreTechniques</a:t>
+            </a:r>
+            <a:r>
+              <a:rPr lang="en-US" dirty="0" smtClean="0"/>
+              <a:t>, </a:t>
+            </a:r>
+          </a:p>
+          <a:p>
+            <a:pPr>
+              <a:buFont typeface="Arial" pitchFamily="34" charset="0"/>
+              <a:buChar char="•"/>
+            </a:pPr>
+            <a:r>
+              <a:rPr lang="en-US" dirty="0" err="1" smtClean="0"/>
+              <a:t>ActionGrouped</a:t>
+            </a:r>
+            <a:r>
+              <a:rPr lang="en-US" dirty="0" smtClean="0"/>
+              <a:t>, </a:t>
+            </a:r>
+          </a:p>
+          <a:p>
+            <a:pPr>
+              <a:buFont typeface="Arial" pitchFamily="34" charset="0"/>
+              <a:buChar char="•"/>
+            </a:pPr>
+            <a:r>
+              <a:rPr lang="en-US" dirty="0" err="1" smtClean="0"/>
+              <a:t>ActionGranular</a:t>
+            </a:r>
+            <a:r>
+              <a:rPr lang="en-US" dirty="0" smtClean="0"/>
+              <a:t>, </a:t>
+            </a:r>
+          </a:p>
+          <a:p>
+            <a:pPr>
+              <a:buFont typeface="Arial" pitchFamily="34" charset="0"/>
+              <a:buChar char="•"/>
+            </a:pPr>
+            <a:r>
+              <a:rPr lang="en-US" dirty="0" err="1" smtClean="0"/>
+              <a:t>EmailClusterId</a:t>
+            </a:r>
+            <a:r>
+              <a:rPr lang="en-US" dirty="0" smtClean="0"/>
+              <a:t>, </a:t>
+            </a:r>
+          </a:p>
+          <a:p>
+            <a:pPr>
+              <a:buFont typeface="Arial" pitchFamily="34" charset="0"/>
+              <a:buChar char="•"/>
+            </a:pPr>
+            <a:r>
+              <a:rPr lang="en-US" dirty="0" err="1" smtClean="0"/>
+              <a:t>ThreatFamily</a:t>
+            </a:r>
+            <a:r>
+              <a:rPr lang="en-US" dirty="0" smtClean="0"/>
+              <a:t>, </a:t>
+            </a:r>
+          </a:p>
+          <a:p>
+            <a:pPr>
+              <a:buFont typeface="Arial" pitchFamily="34" charset="0"/>
+              <a:buChar char="•"/>
+            </a:pPr>
+            <a:r>
+              <a:rPr lang="en-US" dirty="0" err="1" smtClean="0"/>
+              <a:t>ResourceType</a:t>
+            </a:r>
+            <a:r>
+              <a:rPr lang="en-US" dirty="0" smtClean="0"/>
+              <a:t>, </a:t>
+            </a:r>
+          </a:p>
+          <a:p>
+            <a:pPr>
+              <a:buFont typeface="Arial" pitchFamily="34" charset="0"/>
+              <a:buChar char="•"/>
+            </a:pPr>
+            <a:r>
+              <a:rPr lang="en-US" dirty="0" smtClean="0"/>
+              <a:t>Roles, </a:t>
+            </a:r>
+          </a:p>
+          <a:p>
+            <a:pPr>
+              <a:buFont typeface="Arial" pitchFamily="34" charset="0"/>
+              <a:buChar char="•"/>
+            </a:pPr>
+            <a:r>
+              <a:rPr lang="en-US" dirty="0" err="1" smtClean="0"/>
+              <a:t>AntispamDirection</a:t>
+            </a:r>
+            <a:r>
+              <a:rPr lang="en-US" dirty="0" smtClean="0"/>
+              <a:t>, </a:t>
+            </a:r>
+          </a:p>
+          <a:p>
+            <a:pPr>
+              <a:buFont typeface="Arial" pitchFamily="34" charset="0"/>
+              <a:buChar char="•"/>
+            </a:pPr>
+            <a:r>
+              <a:rPr lang="en-US" dirty="0" err="1" smtClean="0"/>
+              <a:t>SuspicionLevel</a:t>
+            </a:r>
+            <a:r>
+              <a:rPr lang="en-US" dirty="0" smtClean="0"/>
+              <a:t>, </a:t>
+            </a:r>
+          </a:p>
+          <a:p>
+            <a:pPr>
+              <a:buFont typeface="Arial" pitchFamily="34" charset="0"/>
+              <a:buChar char="•"/>
+            </a:pPr>
+            <a:r>
+              <a:rPr lang="en-US" dirty="0" err="1" smtClean="0"/>
+              <a:t>LastVerdict</a:t>
+            </a:r>
+            <a:r>
+              <a:rPr lang="en-US" dirty="0" smtClean="0"/>
+              <a:t>.</a:t>
+            </a:r>
+          </a:p>
+          <a:p>
+            <a:endParaRPr lang="en-US" dirty="0" smtClean="0"/>
+          </a:p>
+          <a:p>
             <a:r>
               <a:rPr lang="en-US" b="1" dirty="0" smtClean="0"/>
-              <a:t>Data Exploration: </a:t>
-            </a:r>
-            <a:endParaRPr lang="en-US" b="1" dirty="0" smtClean="0"/>
+              <a:t>Columns Dropped:</a:t>
+            </a:r>
+          </a:p>
+          <a:p>
+            <a:endParaRPr lang="en-US" dirty="0" smtClean="0"/>
+          </a:p>
+          <a:p>
+            <a:r>
+              <a:rPr lang="en-US" dirty="0" smtClean="0"/>
+              <a:t>These 10 columns were removed from the dataset to eliminate high-</a:t>
+            </a:r>
+            <a:r>
+              <a:rPr lang="en-US" dirty="0" err="1" smtClean="0"/>
+              <a:t>missingness</a:t>
+            </a:r>
+            <a:r>
+              <a:rPr lang="en-US" dirty="0" smtClean="0"/>
+              <a:t> attributes that could introduce noise or reduce model performance.</a:t>
+            </a:r>
           </a:p>
           <a:p>
             <a:endParaRPr lang="en-IN" b="1" dirty="0" smtClean="0"/>
-          </a:p>
-          <a:p>
-            <a:endParaRPr lang="en-IN" b="1" dirty="0" smtClean="0"/>
-          </a:p>
-          <a:p>
-            <a:endParaRPr lang="en-IN" b="1" dirty="0" smtClean="0"/>
-          </a:p>
-          <a:p>
-            <a:endParaRPr lang="en-US" b="1" dirty="0" smtClean="0"/>
-          </a:p>
-          <a:p>
-            <a:r>
-              <a:rPr lang="en-US" dirty="0" smtClean="0"/>
-              <a:t>• Data Loading: The dataset was loaded in chunks to handle its large size. </a:t>
-            </a:r>
-            <a:endParaRPr lang="en-US" dirty="0" smtClean="0"/>
-          </a:p>
-          <a:p>
-            <a:endParaRPr lang="en-US" dirty="0" smtClean="0"/>
-          </a:p>
-          <a:p>
-            <a:r>
-              <a:rPr lang="en-US" dirty="0" smtClean="0"/>
-              <a:t>• Summary Statistics: The data was </a:t>
-            </a:r>
-            <a:r>
-              <a:rPr lang="en-US" dirty="0" err="1" smtClean="0"/>
-              <a:t>analysed</a:t>
-            </a:r>
-            <a:r>
-              <a:rPr lang="en-US" dirty="0" smtClean="0"/>
-              <a:t> to check its structure, data types, and missing values. </a:t>
-            </a:r>
-            <a:endParaRPr lang="en-US" dirty="0" smtClean="0"/>
-          </a:p>
-          <a:p>
-            <a:endParaRPr lang="en-US" dirty="0" smtClean="0"/>
-          </a:p>
-          <a:p>
-            <a:r>
-              <a:rPr lang="en-US" dirty="0" smtClean="0"/>
-              <a:t>• Visualizations: The distribution of key features, including the target variable (Incident Grade), was visualized to understand class imbalances</a:t>
-            </a:r>
-            <a:r>
-              <a:rPr lang="en-US" dirty="0" smtClean="0"/>
-              <a:t>.</a:t>
-            </a:r>
-          </a:p>
-          <a:p>
-            <a:endParaRPr lang="en-US" dirty="0" smtClean="0"/>
-          </a:p>
-          <a:p>
-            <a:r>
-              <a:rPr lang="en-US" dirty="0" smtClean="0"/>
-              <a:t> </a:t>
-            </a:r>
-            <a:endParaRPr lang="en-US" dirty="0" smtClean="0"/>
-          </a:p>
-          <a:p>
-            <a:r>
-              <a:rPr lang="en-US" dirty="0" smtClean="0"/>
-              <a:t>• Class Imbalance: The Benign Positive class is significantly overrepresented compared to the other classes. </a:t>
-            </a:r>
-            <a:endParaRPr lang="en-US" dirty="0"/>
           </a:p>
         </p:txBody>
       </p:sp>
@@ -8562,29 +8976,203 @@
         </p:nvSpPr>
         <p:spPr>
           <a:xfrm>
-            <a:off x="2286000" y="3105835"/>
-            <a:ext cx="4572000" cy="646331"/>
+            <a:off x="381000" y="228600"/>
+            <a:ext cx="8458200" cy="6463308"/>
           </a:xfrm>
           <a:prstGeom prst="rect">
             <a:avLst/>
           </a:prstGeom>
         </p:spPr>
         <p:txBody>
-          <a:bodyPr>
+          <a:bodyPr wrap="square">
             <a:spAutoFit/>
           </a:bodyPr>
           <a:lstStyle/>
           <a:p>
+            <a:r>
+              <a:rPr lang="en-US" b="1" dirty="0" smtClean="0"/>
+              <a:t>Missing value imputation for categorical columns:</a:t>
+            </a:r>
+          </a:p>
+          <a:p>
+            <a:endParaRPr lang="en-IN" b="1" dirty="0" smtClean="0"/>
+          </a:p>
+          <a:p>
+            <a:pPr>
+              <a:buFont typeface="Arial" pitchFamily="34" charset="0"/>
+              <a:buChar char="•"/>
+            </a:pPr>
+            <a:r>
+              <a:rPr lang="en-US" dirty="0" err="1" smtClean="0"/>
+              <a:t>train_df.select_dtypes</a:t>
+            </a:r>
+            <a:r>
+              <a:rPr lang="en-US" dirty="0" smtClean="0"/>
+              <a:t>(): Selects columns based on data type.</a:t>
+            </a:r>
+          </a:p>
+          <a:p>
+            <a:pPr>
+              <a:buFont typeface="Arial" pitchFamily="34" charset="0"/>
+              <a:buChar char="•"/>
+            </a:pPr>
             <a:endParaRPr lang="en-US" dirty="0" smtClean="0"/>
           </a:p>
           <a:p>
-            <a:r>
-              <a:rPr lang="en-US" dirty="0" smtClean="0"/>
-              <a:t> </a:t>
-            </a:r>
+            <a:pPr>
+              <a:buFont typeface="Arial" pitchFamily="34" charset="0"/>
+              <a:buChar char="•"/>
+            </a:pPr>
+            <a:r>
+              <a:rPr lang="en-US" dirty="0" smtClean="0"/>
+              <a:t>include=['object', 'category']: Filters columns that are either string (object) or categorical (category).</a:t>
+            </a:r>
+          </a:p>
+          <a:p>
+            <a:pPr>
+              <a:buFont typeface="Arial" pitchFamily="34" charset="0"/>
+              <a:buChar char="•"/>
+            </a:pPr>
+            <a:endParaRPr lang="en-IN" dirty="0" smtClean="0"/>
+          </a:p>
+          <a:p>
+            <a:pPr>
+              <a:buFont typeface="Arial" pitchFamily="34" charset="0"/>
+              <a:buChar char="•"/>
+            </a:pPr>
+            <a:r>
+              <a:rPr lang="en-US" dirty="0" err="1" smtClean="0"/>
+              <a:t>train_df</a:t>
+            </a:r>
+            <a:r>
+              <a:rPr lang="en-US" dirty="0" smtClean="0"/>
+              <a:t>[</a:t>
+            </a:r>
+            <a:r>
+              <a:rPr lang="en-US" dirty="0" err="1" smtClean="0"/>
+              <a:t>col</a:t>
+            </a:r>
+            <a:r>
+              <a:rPr lang="en-US" dirty="0" smtClean="0"/>
+              <a:t>].</a:t>
+            </a:r>
+            <a:r>
+              <a:rPr lang="en-US" dirty="0" err="1" smtClean="0"/>
+              <a:t>isnull</a:t>
+            </a:r>
+            <a:r>
+              <a:rPr lang="en-US" dirty="0" smtClean="0"/>
+              <a:t>().any(): Checks if the column contains any missing values.</a:t>
+            </a:r>
+          </a:p>
+          <a:p>
+            <a:pPr>
+              <a:buFont typeface="Arial" pitchFamily="34" charset="0"/>
+              <a:buChar char="•"/>
+            </a:pPr>
+            <a:endParaRPr lang="en-US" dirty="0" smtClean="0"/>
+          </a:p>
+          <a:p>
+            <a:pPr>
+              <a:buFont typeface="Arial" pitchFamily="34" charset="0"/>
+              <a:buChar char="•"/>
+            </a:pPr>
+            <a:r>
+              <a:rPr lang="en-US" dirty="0" err="1" smtClean="0"/>
+              <a:t>train_df</a:t>
+            </a:r>
+            <a:r>
+              <a:rPr lang="en-US" dirty="0" smtClean="0"/>
+              <a:t>[</a:t>
+            </a:r>
+            <a:r>
+              <a:rPr lang="en-US" dirty="0" err="1" smtClean="0"/>
+              <a:t>col</a:t>
+            </a:r>
+            <a:r>
+              <a:rPr lang="en-US" dirty="0" smtClean="0"/>
+              <a:t>].mode()[0]: Computes the most frequently occurring value (mode) of the column.</a:t>
+            </a:r>
+          </a:p>
+          <a:p>
+            <a:pPr>
+              <a:buFont typeface="Arial" pitchFamily="34" charset="0"/>
+              <a:buChar char="•"/>
+            </a:pPr>
+            <a:endParaRPr lang="en-US" dirty="0" smtClean="0"/>
+          </a:p>
+          <a:p>
+            <a:pPr>
+              <a:buFont typeface="Arial" pitchFamily="34" charset="0"/>
+              <a:buChar char="•"/>
+            </a:pPr>
+            <a:r>
+              <a:rPr lang="en-US" dirty="0" err="1" smtClean="0"/>
+              <a:t>train_df</a:t>
+            </a:r>
+            <a:r>
+              <a:rPr lang="en-US" dirty="0" smtClean="0"/>
+              <a:t>[</a:t>
+            </a:r>
+            <a:r>
+              <a:rPr lang="en-US" dirty="0" err="1" smtClean="0"/>
+              <a:t>col</a:t>
+            </a:r>
+            <a:r>
+              <a:rPr lang="en-US" dirty="0" smtClean="0"/>
+              <a:t>].</a:t>
+            </a:r>
+            <a:r>
+              <a:rPr lang="en-US" dirty="0" err="1" smtClean="0"/>
+              <a:t>fillna</a:t>
+            </a:r>
+            <a:r>
+              <a:rPr lang="en-US" dirty="0" smtClean="0"/>
+              <a:t>(</a:t>
+            </a:r>
+            <a:r>
+              <a:rPr lang="en-US" dirty="0" err="1" smtClean="0"/>
+              <a:t>mode_val</a:t>
+            </a:r>
+            <a:r>
+              <a:rPr lang="en-US" dirty="0" smtClean="0"/>
+              <a:t>): Replaces missing values in the column with the mode.</a:t>
+            </a:r>
+          </a:p>
+          <a:p>
+            <a:pPr>
+              <a:buFont typeface="Arial" pitchFamily="34" charset="0"/>
+              <a:buChar char="•"/>
+            </a:pPr>
+            <a:endParaRPr lang="en-IN" dirty="0" smtClean="0"/>
+          </a:p>
+          <a:p>
             <a:r>
               <a:rPr lang="en-US" b="1" dirty="0" smtClean="0"/>
-              <a:t>Data Preprocessing </a:t>
+              <a:t>Why Mode Imputation?</a:t>
+            </a:r>
+          </a:p>
+          <a:p>
+            <a:endParaRPr lang="en-US" dirty="0" smtClean="0"/>
+          </a:p>
+          <a:p>
+            <a:r>
+              <a:rPr lang="en-US" b="1" dirty="0" smtClean="0"/>
+              <a:t>Categorical Data</a:t>
+            </a:r>
+            <a:r>
+              <a:rPr lang="en-US" dirty="0" smtClean="0"/>
+              <a:t>: The mode is a sensible choice for filling missing values in categorical columns since it preserves the majority class and minimizes bias.</a:t>
+            </a:r>
+          </a:p>
+          <a:p>
+            <a:r>
+              <a:rPr lang="en-US" b="1" dirty="0" smtClean="0"/>
+              <a:t>Preserves Distribution</a:t>
+            </a:r>
+            <a:r>
+              <a:rPr lang="en-US" dirty="0" smtClean="0"/>
+              <a:t>: Mode imputation ensures the distribution of the data remains largely intact.</a:t>
             </a:r>
             <a:endParaRPr lang="en-US" dirty="0"/>
           </a:p>
